--- a/presentation/FPV Life - Autonomous Drone - Tech Presentation.pptx
+++ b/presentation/FPV Life - Autonomous Drone - Tech Presentation.pptx
@@ -4,6 +4,9 @@
   <p:sldMasterIdLst>
     <p:sldMasterId id="2147483648" r:id="rId1"/>
   </p:sldMasterIdLst>
+  <p:notesMasterIdLst>
+    <p:notesMasterId r:id="rId21"/>
+  </p:notesMasterIdLst>
   <p:sldIdLst>
     <p:sldId id="256" r:id="rId2"/>
     <p:sldId id="263" r:id="rId3"/>
@@ -13,10 +16,10 @@
     <p:sldId id="275" r:id="rId7"/>
     <p:sldId id="260" r:id="rId8"/>
     <p:sldId id="273" r:id="rId9"/>
-    <p:sldId id="271" r:id="rId10"/>
-    <p:sldId id="272" r:id="rId11"/>
-    <p:sldId id="270" r:id="rId12"/>
-    <p:sldId id="277" r:id="rId13"/>
+    <p:sldId id="270" r:id="rId10"/>
+    <p:sldId id="277" r:id="rId11"/>
+    <p:sldId id="271" r:id="rId12"/>
+    <p:sldId id="272" r:id="rId13"/>
     <p:sldId id="269" r:id="rId14"/>
     <p:sldId id="274" r:id="rId15"/>
     <p:sldId id="276" r:id="rId16"/>
@@ -128,6 +131,1746 @@
     </p:ext>
   </p:extLst>
 </p:presentation>
+</file>
+
+<file path=ppt/revisionInfo.xml><?xml version="1.0" encoding="utf-8"?>
+<p1510:revInfo xmlns:a="http://schemas.openxmlformats.org/drawingml/2006/main" xmlns:r="http://schemas.openxmlformats.org/officeDocument/2006/relationships" xmlns:p1510="http://schemas.microsoft.com/office/powerpoint/2015/10/main">
+  <p1510:revLst>
+    <p1510:client id="{9BFBEE3E-FC59-4BD2-9D6F-35404A357374}" v="3" dt="2023-04-23T07:04:00.579"/>
+  </p1510:revLst>
+</p1510:revInfo>
+</file>
+
+<file path=ppt/changesInfos/changesInfo1.xml><?xml version="1.0" encoding="utf-8"?>
+<pc:chgInfo xmlns:a="http://schemas.openxmlformats.org/drawingml/2006/main" xmlns:r="http://schemas.openxmlformats.org/officeDocument/2006/relationships" xmlns:ac="http://schemas.microsoft.com/office/drawing/2013/main/command" xmlns:pc="http://schemas.microsoft.com/office/powerpoint/2013/main/command">
+  <pc:docChgLst>
+    <pc:chgData name="Keshav Sharma" userId="98127cdb6da0ffc8" providerId="LiveId" clId="{9BFBEE3E-FC59-4BD2-9D6F-35404A357374}"/>
+    <pc:docChg chg="custSel modSld sldOrd">
+      <pc:chgData name="Keshav Sharma" userId="98127cdb6da0ffc8" providerId="LiveId" clId="{9BFBEE3E-FC59-4BD2-9D6F-35404A357374}" dt="2023-04-23T07:17:45.005" v="2039" actId="20577"/>
+      <pc:docMkLst>
+        <pc:docMk/>
+      </pc:docMkLst>
+      <pc:sldChg chg="modNotesTx">
+        <pc:chgData name="Keshav Sharma" userId="98127cdb6da0ffc8" providerId="LiveId" clId="{9BFBEE3E-FC59-4BD2-9D6F-35404A357374}" dt="2023-04-23T06:39:10.335" v="92" actId="20577"/>
+        <pc:sldMkLst>
+          <pc:docMk/>
+          <pc:sldMk cId="0" sldId="256"/>
+        </pc:sldMkLst>
+      </pc:sldChg>
+      <pc:sldChg chg="modNotesTx">
+        <pc:chgData name="Keshav Sharma" userId="98127cdb6da0ffc8" providerId="LiveId" clId="{9BFBEE3E-FC59-4BD2-9D6F-35404A357374}" dt="2023-04-23T06:43:37.872" v="427" actId="20577"/>
+        <pc:sldMkLst>
+          <pc:docMk/>
+          <pc:sldMk cId="0" sldId="257"/>
+        </pc:sldMkLst>
+      </pc:sldChg>
+      <pc:sldChg chg="modNotesTx">
+        <pc:chgData name="Keshav Sharma" userId="98127cdb6da0ffc8" providerId="LiveId" clId="{9BFBEE3E-FC59-4BD2-9D6F-35404A357374}" dt="2023-04-23T06:47:34.811" v="808" actId="20577"/>
+        <pc:sldMkLst>
+          <pc:docMk/>
+          <pc:sldMk cId="0" sldId="258"/>
+        </pc:sldMkLst>
+      </pc:sldChg>
+      <pc:sldChg chg="modNotesTx">
+        <pc:chgData name="Keshav Sharma" userId="98127cdb6da0ffc8" providerId="LiveId" clId="{9BFBEE3E-FC59-4BD2-9D6F-35404A357374}" dt="2023-04-23T06:51:05.528" v="1023" actId="20577"/>
+        <pc:sldMkLst>
+          <pc:docMk/>
+          <pc:sldMk cId="0" sldId="260"/>
+        </pc:sldMkLst>
+      </pc:sldChg>
+      <pc:sldChg chg="modNotesTx">
+        <pc:chgData name="Keshav Sharma" userId="98127cdb6da0ffc8" providerId="LiveId" clId="{9BFBEE3E-FC59-4BD2-9D6F-35404A357374}" dt="2023-04-23T06:40:01.114" v="181" actId="20577"/>
+        <pc:sldMkLst>
+          <pc:docMk/>
+          <pc:sldMk cId="0" sldId="263"/>
+        </pc:sldMkLst>
+      </pc:sldChg>
+      <pc:sldChg chg="modNotesTx">
+        <pc:chgData name="Keshav Sharma" userId="98127cdb6da0ffc8" providerId="LiveId" clId="{9BFBEE3E-FC59-4BD2-9D6F-35404A357374}" dt="2023-04-23T07:17:45.005" v="2039" actId="20577"/>
+        <pc:sldMkLst>
+          <pc:docMk/>
+          <pc:sldMk cId="0" sldId="267"/>
+        </pc:sldMkLst>
+      </pc:sldChg>
+      <pc:sldChg chg="modNotesTx">
+        <pc:chgData name="Keshav Sharma" userId="98127cdb6da0ffc8" providerId="LiveId" clId="{9BFBEE3E-FC59-4BD2-9D6F-35404A357374}" dt="2023-04-23T06:49:38.883" v="905" actId="20577"/>
+        <pc:sldMkLst>
+          <pc:docMk/>
+          <pc:sldMk cId="0" sldId="268"/>
+        </pc:sldMkLst>
+      </pc:sldChg>
+      <pc:sldChg chg="modNotesTx">
+        <pc:chgData name="Keshav Sharma" userId="98127cdb6da0ffc8" providerId="LiveId" clId="{9BFBEE3E-FC59-4BD2-9D6F-35404A357374}" dt="2023-04-23T07:16:45.397" v="1966" actId="20577"/>
+        <pc:sldMkLst>
+          <pc:docMk/>
+          <pc:sldMk cId="0" sldId="269"/>
+        </pc:sldMkLst>
+      </pc:sldChg>
+      <pc:sldChg chg="ord modNotesTx">
+        <pc:chgData name="Keshav Sharma" userId="98127cdb6da0ffc8" providerId="LiveId" clId="{9BFBEE3E-FC59-4BD2-9D6F-35404A357374}" dt="2023-04-23T06:59:55.061" v="1410" actId="5793"/>
+        <pc:sldMkLst>
+          <pc:docMk/>
+          <pc:sldMk cId="0" sldId="270"/>
+        </pc:sldMkLst>
+      </pc:sldChg>
+      <pc:sldChg chg="modNotesTx">
+        <pc:chgData name="Keshav Sharma" userId="98127cdb6da0ffc8" providerId="LiveId" clId="{9BFBEE3E-FC59-4BD2-9D6F-35404A357374}" dt="2023-04-23T07:06:33.613" v="1581" actId="20577"/>
+        <pc:sldMkLst>
+          <pc:docMk/>
+          <pc:sldMk cId="0" sldId="271"/>
+        </pc:sldMkLst>
+      </pc:sldChg>
+      <pc:sldChg chg="modNotesTx">
+        <pc:chgData name="Keshav Sharma" userId="98127cdb6da0ffc8" providerId="LiveId" clId="{9BFBEE3E-FC59-4BD2-9D6F-35404A357374}" dt="2023-04-23T07:15:52.973" v="1958" actId="20577"/>
+        <pc:sldMkLst>
+          <pc:docMk/>
+          <pc:sldMk cId="0" sldId="272"/>
+        </pc:sldMkLst>
+      </pc:sldChg>
+      <pc:sldChg chg="ord modNotesTx">
+        <pc:chgData name="Keshav Sharma" userId="98127cdb6da0ffc8" providerId="LiveId" clId="{9BFBEE3E-FC59-4BD2-9D6F-35404A357374}" dt="2023-04-23T07:04:22.526" v="1463" actId="20577"/>
+        <pc:sldMkLst>
+          <pc:docMk/>
+          <pc:sldMk cId="0" sldId="273"/>
+        </pc:sldMkLst>
+      </pc:sldChg>
+      <pc:sldChg chg="modNotesTx">
+        <pc:chgData name="Keshav Sharma" userId="98127cdb6da0ffc8" providerId="LiveId" clId="{9BFBEE3E-FC59-4BD2-9D6F-35404A357374}" dt="2023-04-23T06:50:05.334" v="960" actId="20577"/>
+        <pc:sldMkLst>
+          <pc:docMk/>
+          <pc:sldMk cId="0" sldId="275"/>
+        </pc:sldMkLst>
+      </pc:sldChg>
+      <pc:sldChg chg="ord modNotesTx">
+        <pc:chgData name="Keshav Sharma" userId="98127cdb6da0ffc8" providerId="LiveId" clId="{9BFBEE3E-FC59-4BD2-9D6F-35404A357374}" dt="2023-04-23T06:59:51.329" v="1407" actId="20577"/>
+        <pc:sldMkLst>
+          <pc:docMk/>
+          <pc:sldMk cId="0" sldId="277"/>
+        </pc:sldMkLst>
+      </pc:sldChg>
+    </pc:docChg>
+  </pc:docChgLst>
+</pc:chgInfo>
+</file>
+
+<file path=ppt/notesMasters/notesMaster1.xml><?xml version="1.0" encoding="utf-8"?>
+<p:notesMaster xmlns:a="http://schemas.openxmlformats.org/drawingml/2006/main" xmlns:r="http://schemas.openxmlformats.org/officeDocument/2006/relationships" xmlns:p="http://schemas.openxmlformats.org/presentationml/2006/main">
+  <p:cSld>
+    <p:bg>
+      <p:bgRef idx="1001">
+        <a:schemeClr val="bg1"/>
+      </p:bgRef>
+    </p:bg>
+    <p:spTree>
+      <p:nvGrpSpPr>
+        <p:cNvPr id="1" name=""/>
+        <p:cNvGrpSpPr/>
+        <p:nvPr/>
+      </p:nvGrpSpPr>
+      <p:grpSpPr>
+        <a:xfrm>
+          <a:off x="0" y="0"/>
+          <a:ext cx="0" cy="0"/>
+          <a:chOff x="0" y="0"/>
+          <a:chExt cx="0" cy="0"/>
+        </a:xfrm>
+      </p:grpSpPr>
+      <p:sp>
+        <p:nvSpPr>
+          <p:cNvPr id="2" name="Header Placeholder 1"/>
+          <p:cNvSpPr>
+            <a:spLocks noGrp="1"/>
+          </p:cNvSpPr>
+          <p:nvPr>
+            <p:ph type="hdr" sz="quarter"/>
+          </p:nvPr>
+        </p:nvSpPr>
+        <p:spPr>
+          <a:xfrm>
+            <a:off x="0" y="0"/>
+            <a:ext cx="2971800" cy="458788"/>
+          </a:xfrm>
+          <a:prstGeom prst="rect">
+            <a:avLst/>
+          </a:prstGeom>
+        </p:spPr>
+        <p:txBody>
+          <a:bodyPr vert="horz" lIns="91440" tIns="45720" rIns="91440" bIns="45720" rtlCol="0"/>
+          <a:lstStyle>
+            <a:lvl1pPr algn="l">
+              <a:defRPr sz="1200"/>
+            </a:lvl1pPr>
+          </a:lstStyle>
+          <a:p>
+            <a:endParaRPr lang="en-US"/>
+          </a:p>
+        </p:txBody>
+      </p:sp>
+      <p:sp>
+        <p:nvSpPr>
+          <p:cNvPr id="3" name="Date Placeholder 2"/>
+          <p:cNvSpPr>
+            <a:spLocks noGrp="1"/>
+          </p:cNvSpPr>
+          <p:nvPr>
+            <p:ph type="dt" idx="1"/>
+          </p:nvPr>
+        </p:nvSpPr>
+        <p:spPr>
+          <a:xfrm>
+            <a:off x="3884613" y="0"/>
+            <a:ext cx="2971800" cy="458788"/>
+          </a:xfrm>
+          <a:prstGeom prst="rect">
+            <a:avLst/>
+          </a:prstGeom>
+        </p:spPr>
+        <p:txBody>
+          <a:bodyPr vert="horz" lIns="91440" tIns="45720" rIns="91440" bIns="45720" rtlCol="0"/>
+          <a:lstStyle>
+            <a:lvl1pPr algn="r">
+              <a:defRPr sz="1200"/>
+            </a:lvl1pPr>
+          </a:lstStyle>
+          <a:p>
+            <a:fld id="{F4A62312-6499-4878-A4D9-67488D08B0DE}" type="datetimeFigureOut">
+              <a:rPr lang="en-US" smtClean="0"/>
+              <a:t>4/23/2023</a:t>
+            </a:fld>
+            <a:endParaRPr lang="en-US"/>
+          </a:p>
+        </p:txBody>
+      </p:sp>
+      <p:sp>
+        <p:nvSpPr>
+          <p:cNvPr id="4" name="Slide Image Placeholder 3"/>
+          <p:cNvSpPr>
+            <a:spLocks noGrp="1" noRot="1" noChangeAspect="1"/>
+          </p:cNvSpPr>
+          <p:nvPr>
+            <p:ph type="sldImg" idx="2"/>
+          </p:nvPr>
+        </p:nvSpPr>
+        <p:spPr>
+          <a:xfrm>
+            <a:off x="685800" y="1143000"/>
+            <a:ext cx="5486400" cy="3086100"/>
+          </a:xfrm>
+          <a:prstGeom prst="rect">
+            <a:avLst/>
+          </a:prstGeom>
+          <a:noFill/>
+          <a:ln w="12700">
+            <a:solidFill>
+              <a:prstClr val="black"/>
+            </a:solidFill>
+          </a:ln>
+        </p:spPr>
+        <p:txBody>
+          <a:bodyPr vert="horz" lIns="91440" tIns="45720" rIns="91440" bIns="45720" rtlCol="0" anchor="ctr"/>
+          <a:lstStyle/>
+          <a:p>
+            <a:endParaRPr lang="en-US"/>
+          </a:p>
+        </p:txBody>
+      </p:sp>
+      <p:sp>
+        <p:nvSpPr>
+          <p:cNvPr id="5" name="Notes Placeholder 4"/>
+          <p:cNvSpPr>
+            <a:spLocks noGrp="1"/>
+          </p:cNvSpPr>
+          <p:nvPr>
+            <p:ph type="body" sz="quarter" idx="3"/>
+          </p:nvPr>
+        </p:nvSpPr>
+        <p:spPr>
+          <a:xfrm>
+            <a:off x="685800" y="4400550"/>
+            <a:ext cx="5486400" cy="3600450"/>
+          </a:xfrm>
+          <a:prstGeom prst="rect">
+            <a:avLst/>
+          </a:prstGeom>
+        </p:spPr>
+        <p:txBody>
+          <a:bodyPr vert="horz" lIns="91440" tIns="45720" rIns="91440" bIns="45720" rtlCol="0"/>
+          <a:lstStyle/>
+          <a:p>
+            <a:pPr lvl="0"/>
+            <a:r>
+              <a:rPr lang="en-US"/>
+              <a:t>Click to edit Master text styles</a:t>
+            </a:r>
+          </a:p>
+          <a:p>
+            <a:pPr lvl="1"/>
+            <a:r>
+              <a:rPr lang="en-US"/>
+              <a:t>Second level</a:t>
+            </a:r>
+          </a:p>
+          <a:p>
+            <a:pPr lvl="2"/>
+            <a:r>
+              <a:rPr lang="en-US"/>
+              <a:t>Third level</a:t>
+            </a:r>
+          </a:p>
+          <a:p>
+            <a:pPr lvl="3"/>
+            <a:r>
+              <a:rPr lang="en-US"/>
+              <a:t>Fourth level</a:t>
+            </a:r>
+          </a:p>
+          <a:p>
+            <a:pPr lvl="4"/>
+            <a:r>
+              <a:rPr lang="en-US"/>
+              <a:t>Fifth level</a:t>
+            </a:r>
+          </a:p>
+        </p:txBody>
+      </p:sp>
+      <p:sp>
+        <p:nvSpPr>
+          <p:cNvPr id="6" name="Footer Placeholder 5"/>
+          <p:cNvSpPr>
+            <a:spLocks noGrp="1"/>
+          </p:cNvSpPr>
+          <p:nvPr>
+            <p:ph type="ftr" sz="quarter" idx="4"/>
+          </p:nvPr>
+        </p:nvSpPr>
+        <p:spPr>
+          <a:xfrm>
+            <a:off x="0" y="8685213"/>
+            <a:ext cx="2971800" cy="458787"/>
+          </a:xfrm>
+          <a:prstGeom prst="rect">
+            <a:avLst/>
+          </a:prstGeom>
+        </p:spPr>
+        <p:txBody>
+          <a:bodyPr vert="horz" lIns="91440" tIns="45720" rIns="91440" bIns="45720" rtlCol="0" anchor="b"/>
+          <a:lstStyle>
+            <a:lvl1pPr algn="l">
+              <a:defRPr sz="1200"/>
+            </a:lvl1pPr>
+          </a:lstStyle>
+          <a:p>
+            <a:endParaRPr lang="en-US"/>
+          </a:p>
+        </p:txBody>
+      </p:sp>
+      <p:sp>
+        <p:nvSpPr>
+          <p:cNvPr id="7" name="Slide Number Placeholder 6"/>
+          <p:cNvSpPr>
+            <a:spLocks noGrp="1"/>
+          </p:cNvSpPr>
+          <p:nvPr>
+            <p:ph type="sldNum" sz="quarter" idx="5"/>
+          </p:nvPr>
+        </p:nvSpPr>
+        <p:spPr>
+          <a:xfrm>
+            <a:off x="3884613" y="8685213"/>
+            <a:ext cx="2971800" cy="458787"/>
+          </a:xfrm>
+          <a:prstGeom prst="rect">
+            <a:avLst/>
+          </a:prstGeom>
+        </p:spPr>
+        <p:txBody>
+          <a:bodyPr vert="horz" lIns="91440" tIns="45720" rIns="91440" bIns="45720" rtlCol="0" anchor="b"/>
+          <a:lstStyle>
+            <a:lvl1pPr algn="r">
+              <a:defRPr sz="1200"/>
+            </a:lvl1pPr>
+          </a:lstStyle>
+          <a:p>
+            <a:fld id="{41CA2D61-D7AA-44FA-94C7-9D6821A4DB22}" type="slidenum">
+              <a:rPr lang="en-US" smtClean="0"/>
+              <a:t>‹#›</a:t>
+            </a:fld>
+            <a:endParaRPr lang="en-US"/>
+          </a:p>
+        </p:txBody>
+      </p:sp>
+    </p:spTree>
+    <p:extLst>
+      <p:ext uri="{BB962C8B-B14F-4D97-AF65-F5344CB8AC3E}">
+        <p14:creationId xmlns:p14="http://schemas.microsoft.com/office/powerpoint/2010/main" val="879917833"/>
+      </p:ext>
+    </p:extLst>
+  </p:cSld>
+  <p:clrMap bg1="lt1" tx1="dk1" bg2="lt2" tx2="dk2" accent1="accent1" accent2="accent2" accent3="accent3" accent4="accent4" accent5="accent5" accent6="accent6" hlink="hlink" folHlink="folHlink"/>
+  <p:notesStyle>
+    <a:lvl1pPr marL="0" algn="l" defTabSz="914400" rtl="0" eaLnBrk="1" latinLnBrk="0" hangingPunct="1">
+      <a:defRPr sz="1200" kern="1200">
+        <a:solidFill>
+          <a:schemeClr val="tx1"/>
+        </a:solidFill>
+        <a:latin typeface="+mn-lt"/>
+        <a:ea typeface="+mn-ea"/>
+        <a:cs typeface="+mn-cs"/>
+      </a:defRPr>
+    </a:lvl1pPr>
+    <a:lvl2pPr marL="457200" algn="l" defTabSz="914400" rtl="0" eaLnBrk="1" latinLnBrk="0" hangingPunct="1">
+      <a:defRPr sz="1200" kern="1200">
+        <a:solidFill>
+          <a:schemeClr val="tx1"/>
+        </a:solidFill>
+        <a:latin typeface="+mn-lt"/>
+        <a:ea typeface="+mn-ea"/>
+        <a:cs typeface="+mn-cs"/>
+      </a:defRPr>
+    </a:lvl2pPr>
+    <a:lvl3pPr marL="914400" algn="l" defTabSz="914400" rtl="0" eaLnBrk="1" latinLnBrk="0" hangingPunct="1">
+      <a:defRPr sz="1200" kern="1200">
+        <a:solidFill>
+          <a:schemeClr val="tx1"/>
+        </a:solidFill>
+        <a:latin typeface="+mn-lt"/>
+        <a:ea typeface="+mn-ea"/>
+        <a:cs typeface="+mn-cs"/>
+      </a:defRPr>
+    </a:lvl3pPr>
+    <a:lvl4pPr marL="1371600" algn="l" defTabSz="914400" rtl="0" eaLnBrk="1" latinLnBrk="0" hangingPunct="1">
+      <a:defRPr sz="1200" kern="1200">
+        <a:solidFill>
+          <a:schemeClr val="tx1"/>
+        </a:solidFill>
+        <a:latin typeface="+mn-lt"/>
+        <a:ea typeface="+mn-ea"/>
+        <a:cs typeface="+mn-cs"/>
+      </a:defRPr>
+    </a:lvl4pPr>
+    <a:lvl5pPr marL="1828800" algn="l" defTabSz="914400" rtl="0" eaLnBrk="1" latinLnBrk="0" hangingPunct="1">
+      <a:defRPr sz="1200" kern="1200">
+        <a:solidFill>
+          <a:schemeClr val="tx1"/>
+        </a:solidFill>
+        <a:latin typeface="+mn-lt"/>
+        <a:ea typeface="+mn-ea"/>
+        <a:cs typeface="+mn-cs"/>
+      </a:defRPr>
+    </a:lvl5pPr>
+    <a:lvl6pPr marL="2286000" algn="l" defTabSz="914400" rtl="0" eaLnBrk="1" latinLnBrk="0" hangingPunct="1">
+      <a:defRPr sz="1200" kern="1200">
+        <a:solidFill>
+          <a:schemeClr val="tx1"/>
+        </a:solidFill>
+        <a:latin typeface="+mn-lt"/>
+        <a:ea typeface="+mn-ea"/>
+        <a:cs typeface="+mn-cs"/>
+      </a:defRPr>
+    </a:lvl6pPr>
+    <a:lvl7pPr marL="2743200" algn="l" defTabSz="914400" rtl="0" eaLnBrk="1" latinLnBrk="0" hangingPunct="1">
+      <a:defRPr sz="1200" kern="1200">
+        <a:solidFill>
+          <a:schemeClr val="tx1"/>
+        </a:solidFill>
+        <a:latin typeface="+mn-lt"/>
+        <a:ea typeface="+mn-ea"/>
+        <a:cs typeface="+mn-cs"/>
+      </a:defRPr>
+    </a:lvl7pPr>
+    <a:lvl8pPr marL="3200400" algn="l" defTabSz="914400" rtl="0" eaLnBrk="1" latinLnBrk="0" hangingPunct="1">
+      <a:defRPr sz="1200" kern="1200">
+        <a:solidFill>
+          <a:schemeClr val="tx1"/>
+        </a:solidFill>
+        <a:latin typeface="+mn-lt"/>
+        <a:ea typeface="+mn-ea"/>
+        <a:cs typeface="+mn-cs"/>
+      </a:defRPr>
+    </a:lvl8pPr>
+    <a:lvl9pPr marL="3657600" algn="l" defTabSz="914400" rtl="0" eaLnBrk="1" latinLnBrk="0" hangingPunct="1">
+      <a:defRPr sz="1200" kern="1200">
+        <a:solidFill>
+          <a:schemeClr val="tx1"/>
+        </a:solidFill>
+        <a:latin typeface="+mn-lt"/>
+        <a:ea typeface="+mn-ea"/>
+        <a:cs typeface="+mn-cs"/>
+      </a:defRPr>
+    </a:lvl9pPr>
+  </p:notesStyle>
+</p:notesMaster>
+</file>
+
+<file path=ppt/notesSlides/notesSlide1.xml><?xml version="1.0" encoding="utf-8"?>
+<p:notes xmlns:a="http://schemas.openxmlformats.org/drawingml/2006/main" xmlns:r="http://schemas.openxmlformats.org/officeDocument/2006/relationships" xmlns:p="http://schemas.openxmlformats.org/presentationml/2006/main">
+  <p:cSld>
+    <p:spTree>
+      <p:nvGrpSpPr>
+        <p:cNvPr id="1" name=""/>
+        <p:cNvGrpSpPr/>
+        <p:nvPr/>
+      </p:nvGrpSpPr>
+      <p:grpSpPr>
+        <a:xfrm>
+          <a:off x="0" y="0"/>
+          <a:ext cx="0" cy="0"/>
+          <a:chOff x="0" y="0"/>
+          <a:chExt cx="0" cy="0"/>
+        </a:xfrm>
+      </p:grpSpPr>
+      <p:sp>
+        <p:nvSpPr>
+          <p:cNvPr id="2" name="Slide Image Placeholder 1"/>
+          <p:cNvSpPr>
+            <a:spLocks noGrp="1" noRot="1" noChangeAspect="1"/>
+          </p:cNvSpPr>
+          <p:nvPr>
+            <p:ph type="sldImg"/>
+          </p:nvPr>
+        </p:nvSpPr>
+        <p:spPr/>
+      </p:sp>
+      <p:sp>
+        <p:nvSpPr>
+          <p:cNvPr id="3" name="Notes Placeholder 2"/>
+          <p:cNvSpPr>
+            <a:spLocks noGrp="1"/>
+          </p:cNvSpPr>
+          <p:nvPr>
+            <p:ph type="body" idx="1"/>
+          </p:nvPr>
+        </p:nvSpPr>
+        <p:spPr/>
+        <p:txBody>
+          <a:bodyPr/>
+          <a:lstStyle/>
+          <a:p>
+            <a:r>
+              <a:rPr lang="en-US" dirty="0"/>
+              <a:t>Hello everyone, my name is Keshav Sharma. I’m the founder of FPV Life.</a:t>
+            </a:r>
+          </a:p>
+        </p:txBody>
+      </p:sp>
+      <p:sp>
+        <p:nvSpPr>
+          <p:cNvPr id="4" name="Slide Number Placeholder 3"/>
+          <p:cNvSpPr>
+            <a:spLocks noGrp="1"/>
+          </p:cNvSpPr>
+          <p:nvPr>
+            <p:ph type="sldNum" sz="quarter" idx="5"/>
+          </p:nvPr>
+        </p:nvSpPr>
+        <p:spPr/>
+        <p:txBody>
+          <a:bodyPr/>
+          <a:lstStyle/>
+          <a:p>
+            <a:fld id="{41CA2D61-D7AA-44FA-94C7-9D6821A4DB22}" type="slidenum">
+              <a:rPr lang="en-US" smtClean="0"/>
+              <a:t>1</a:t>
+            </a:fld>
+            <a:endParaRPr lang="en-US"/>
+          </a:p>
+        </p:txBody>
+      </p:sp>
+    </p:spTree>
+    <p:extLst>
+      <p:ext uri="{BB962C8B-B14F-4D97-AF65-F5344CB8AC3E}">
+        <p14:creationId xmlns:p14="http://schemas.microsoft.com/office/powerpoint/2010/main" val="3547200455"/>
+      </p:ext>
+    </p:extLst>
+  </p:cSld>
+  <p:clrMapOvr>
+    <a:masterClrMapping/>
+  </p:clrMapOvr>
+</p:notes>
+</file>
+
+<file path=ppt/notesSlides/notesSlide10.xml><?xml version="1.0" encoding="utf-8"?>
+<p:notes xmlns:a="http://schemas.openxmlformats.org/drawingml/2006/main" xmlns:r="http://schemas.openxmlformats.org/officeDocument/2006/relationships" xmlns:p="http://schemas.openxmlformats.org/presentationml/2006/main">
+  <p:cSld>
+    <p:spTree>
+      <p:nvGrpSpPr>
+        <p:cNvPr id="1" name=""/>
+        <p:cNvGrpSpPr/>
+        <p:nvPr/>
+      </p:nvGrpSpPr>
+      <p:grpSpPr>
+        <a:xfrm>
+          <a:off x="0" y="0"/>
+          <a:ext cx="0" cy="0"/>
+          <a:chOff x="0" y="0"/>
+          <a:chExt cx="0" cy="0"/>
+        </a:xfrm>
+      </p:grpSpPr>
+      <p:sp>
+        <p:nvSpPr>
+          <p:cNvPr id="2" name="Slide Image Placeholder 1"/>
+          <p:cNvSpPr>
+            <a:spLocks noGrp="1" noRot="1" noChangeAspect="1"/>
+          </p:cNvSpPr>
+          <p:nvPr>
+            <p:ph type="sldImg"/>
+          </p:nvPr>
+        </p:nvSpPr>
+        <p:spPr/>
+      </p:sp>
+      <p:sp>
+        <p:nvSpPr>
+          <p:cNvPr id="3" name="Notes Placeholder 2"/>
+          <p:cNvSpPr>
+            <a:spLocks noGrp="1"/>
+          </p:cNvSpPr>
+          <p:nvPr>
+            <p:ph type="body" idx="1"/>
+          </p:nvPr>
+        </p:nvSpPr>
+        <p:spPr/>
+        <p:txBody>
+          <a:bodyPr/>
+          <a:lstStyle/>
+          <a:p>
+            <a:pPr marL="0" marR="0" lvl="0" indent="0" algn="l" defTabSz="914400" rtl="0" eaLnBrk="1" fontAlgn="auto" latinLnBrk="0" hangingPunct="1">
+              <a:lnSpc>
+                <a:spcPct val="100000"/>
+              </a:lnSpc>
+              <a:spcBef>
+                <a:spcPts val="0"/>
+              </a:spcBef>
+              <a:spcAft>
+                <a:spcPts val="0"/>
+              </a:spcAft>
+              <a:buClrTx/>
+              <a:buSzTx/>
+              <a:buFontTx/>
+              <a:buNone/>
+              <a:tabLst/>
+              <a:defRPr/>
+            </a:pPr>
+            <a:r>
+              <a:rPr lang="en-US" dirty="0"/>
+              <a:t>much like we have play store on Android and app store on Apple iPhones.</a:t>
+            </a:r>
+          </a:p>
+        </p:txBody>
+      </p:sp>
+      <p:sp>
+        <p:nvSpPr>
+          <p:cNvPr id="4" name="Slide Number Placeholder 3"/>
+          <p:cNvSpPr>
+            <a:spLocks noGrp="1"/>
+          </p:cNvSpPr>
+          <p:nvPr>
+            <p:ph type="sldNum" sz="quarter" idx="5"/>
+          </p:nvPr>
+        </p:nvSpPr>
+        <p:spPr/>
+        <p:txBody>
+          <a:bodyPr/>
+          <a:lstStyle/>
+          <a:p>
+            <a:fld id="{41CA2D61-D7AA-44FA-94C7-9D6821A4DB22}" type="slidenum">
+              <a:rPr lang="en-US" smtClean="0"/>
+              <a:t>10</a:t>
+            </a:fld>
+            <a:endParaRPr lang="en-US"/>
+          </a:p>
+        </p:txBody>
+      </p:sp>
+    </p:spTree>
+    <p:extLst>
+      <p:ext uri="{BB962C8B-B14F-4D97-AF65-F5344CB8AC3E}">
+        <p14:creationId xmlns:p14="http://schemas.microsoft.com/office/powerpoint/2010/main" val="3161849183"/>
+      </p:ext>
+    </p:extLst>
+  </p:cSld>
+  <p:clrMapOvr>
+    <a:masterClrMapping/>
+  </p:clrMapOvr>
+</p:notes>
+</file>
+
+<file path=ppt/notesSlides/notesSlide11.xml><?xml version="1.0" encoding="utf-8"?>
+<p:notes xmlns:a="http://schemas.openxmlformats.org/drawingml/2006/main" xmlns:r="http://schemas.openxmlformats.org/officeDocument/2006/relationships" xmlns:p="http://schemas.openxmlformats.org/presentationml/2006/main">
+  <p:cSld>
+    <p:spTree>
+      <p:nvGrpSpPr>
+        <p:cNvPr id="1" name=""/>
+        <p:cNvGrpSpPr/>
+        <p:nvPr/>
+      </p:nvGrpSpPr>
+      <p:grpSpPr>
+        <a:xfrm>
+          <a:off x="0" y="0"/>
+          <a:ext cx="0" cy="0"/>
+          <a:chOff x="0" y="0"/>
+          <a:chExt cx="0" cy="0"/>
+        </a:xfrm>
+      </p:grpSpPr>
+      <p:sp>
+        <p:nvSpPr>
+          <p:cNvPr id="2" name="Slide Image Placeholder 1"/>
+          <p:cNvSpPr>
+            <a:spLocks noGrp="1" noRot="1" noChangeAspect="1"/>
+          </p:cNvSpPr>
+          <p:nvPr>
+            <p:ph type="sldImg"/>
+          </p:nvPr>
+        </p:nvSpPr>
+        <p:spPr/>
+      </p:sp>
+      <p:sp>
+        <p:nvSpPr>
+          <p:cNvPr id="3" name="Notes Placeholder 2"/>
+          <p:cNvSpPr>
+            <a:spLocks noGrp="1"/>
+          </p:cNvSpPr>
+          <p:nvPr>
+            <p:ph type="body" idx="1"/>
+          </p:nvPr>
+        </p:nvSpPr>
+        <p:spPr/>
+        <p:txBody>
+          <a:bodyPr/>
+          <a:lstStyle/>
+          <a:p>
+            <a:r>
+              <a:rPr lang="en-US" dirty="0"/>
+              <a:t>Could you guess what is common among all these three products?</a:t>
+            </a:r>
+          </a:p>
+          <a:p>
+            <a:r>
+              <a:rPr lang="en-US" dirty="0"/>
+              <a:t>Yes, they-, are- </a:t>
+            </a:r>
+            <a:r>
+              <a:rPr lang="en-US" dirty="0" err="1"/>
+              <a:t>paltforms</a:t>
+            </a:r>
+            <a:r>
+              <a:rPr lang="en-US" dirty="0"/>
+              <a:t>.</a:t>
+            </a:r>
+          </a:p>
+        </p:txBody>
+      </p:sp>
+      <p:sp>
+        <p:nvSpPr>
+          <p:cNvPr id="4" name="Slide Number Placeholder 3"/>
+          <p:cNvSpPr>
+            <a:spLocks noGrp="1"/>
+          </p:cNvSpPr>
+          <p:nvPr>
+            <p:ph type="sldNum" sz="quarter" idx="5"/>
+          </p:nvPr>
+        </p:nvSpPr>
+        <p:spPr/>
+        <p:txBody>
+          <a:bodyPr/>
+          <a:lstStyle/>
+          <a:p>
+            <a:fld id="{41CA2D61-D7AA-44FA-94C7-9D6821A4DB22}" type="slidenum">
+              <a:rPr lang="en-US" smtClean="0"/>
+              <a:t>11</a:t>
+            </a:fld>
+            <a:endParaRPr lang="en-US"/>
+          </a:p>
+        </p:txBody>
+      </p:sp>
+    </p:spTree>
+    <p:extLst>
+      <p:ext uri="{BB962C8B-B14F-4D97-AF65-F5344CB8AC3E}">
+        <p14:creationId xmlns:p14="http://schemas.microsoft.com/office/powerpoint/2010/main" val="1151616933"/>
+      </p:ext>
+    </p:extLst>
+  </p:cSld>
+  <p:clrMapOvr>
+    <a:masterClrMapping/>
+  </p:clrMapOvr>
+</p:notes>
+</file>
+
+<file path=ppt/notesSlides/notesSlide12.xml><?xml version="1.0" encoding="utf-8"?>
+<p:notes xmlns:a="http://schemas.openxmlformats.org/drawingml/2006/main" xmlns:r="http://schemas.openxmlformats.org/officeDocument/2006/relationships" xmlns:p="http://schemas.openxmlformats.org/presentationml/2006/main">
+  <p:cSld>
+    <p:spTree>
+      <p:nvGrpSpPr>
+        <p:cNvPr id="1" name=""/>
+        <p:cNvGrpSpPr/>
+        <p:nvPr/>
+      </p:nvGrpSpPr>
+      <p:grpSpPr>
+        <a:xfrm>
+          <a:off x="0" y="0"/>
+          <a:ext cx="0" cy="0"/>
+          <a:chOff x="0" y="0"/>
+          <a:chExt cx="0" cy="0"/>
+        </a:xfrm>
+      </p:grpSpPr>
+      <p:sp>
+        <p:nvSpPr>
+          <p:cNvPr id="2" name="Slide Image Placeholder 1"/>
+          <p:cNvSpPr>
+            <a:spLocks noGrp="1" noRot="1" noChangeAspect="1"/>
+          </p:cNvSpPr>
+          <p:nvPr>
+            <p:ph type="sldImg"/>
+          </p:nvPr>
+        </p:nvSpPr>
+        <p:spPr/>
+      </p:sp>
+      <p:sp>
+        <p:nvSpPr>
+          <p:cNvPr id="3" name="Notes Placeholder 2"/>
+          <p:cNvSpPr>
+            <a:spLocks noGrp="1"/>
+          </p:cNvSpPr>
+          <p:nvPr>
+            <p:ph type="body" idx="1"/>
+          </p:nvPr>
+        </p:nvSpPr>
+        <p:spPr/>
+        <p:txBody>
+          <a:bodyPr/>
+          <a:lstStyle/>
+          <a:p>
+            <a:r>
+              <a:rPr lang="en-US" dirty="0"/>
+              <a:t>Here we are comparing self ‘flying’ drones with self ‘driving’ cars. And, you could see they both have almost the same features. * *</a:t>
+            </a:r>
+          </a:p>
+        </p:txBody>
+      </p:sp>
+      <p:sp>
+        <p:nvSpPr>
+          <p:cNvPr id="4" name="Slide Number Placeholder 3"/>
+          <p:cNvSpPr>
+            <a:spLocks noGrp="1"/>
+          </p:cNvSpPr>
+          <p:nvPr>
+            <p:ph type="sldNum" sz="quarter" idx="5"/>
+          </p:nvPr>
+        </p:nvSpPr>
+        <p:spPr/>
+        <p:txBody>
+          <a:bodyPr/>
+          <a:lstStyle/>
+          <a:p>
+            <a:fld id="{41CA2D61-D7AA-44FA-94C7-9D6821A4DB22}" type="slidenum">
+              <a:rPr lang="en-US" smtClean="0"/>
+              <a:t>12</a:t>
+            </a:fld>
+            <a:endParaRPr lang="en-US"/>
+          </a:p>
+        </p:txBody>
+      </p:sp>
+    </p:spTree>
+    <p:extLst>
+      <p:ext uri="{BB962C8B-B14F-4D97-AF65-F5344CB8AC3E}">
+        <p14:creationId xmlns:p14="http://schemas.microsoft.com/office/powerpoint/2010/main" val="876984793"/>
+      </p:ext>
+    </p:extLst>
+  </p:cSld>
+  <p:clrMapOvr>
+    <a:masterClrMapping/>
+  </p:clrMapOvr>
+</p:notes>
+</file>
+
+<file path=ppt/notesSlides/notesSlide13.xml><?xml version="1.0" encoding="utf-8"?>
+<p:notes xmlns:a="http://schemas.openxmlformats.org/drawingml/2006/main" xmlns:r="http://schemas.openxmlformats.org/officeDocument/2006/relationships" xmlns:p="http://schemas.openxmlformats.org/presentationml/2006/main">
+  <p:cSld>
+    <p:spTree>
+      <p:nvGrpSpPr>
+        <p:cNvPr id="1" name=""/>
+        <p:cNvGrpSpPr/>
+        <p:nvPr/>
+      </p:nvGrpSpPr>
+      <p:grpSpPr>
+        <a:xfrm>
+          <a:off x="0" y="0"/>
+          <a:ext cx="0" cy="0"/>
+          <a:chOff x="0" y="0"/>
+          <a:chExt cx="0" cy="0"/>
+        </a:xfrm>
+      </p:grpSpPr>
+      <p:sp>
+        <p:nvSpPr>
+          <p:cNvPr id="2" name="Slide Image Placeholder 1"/>
+          <p:cNvSpPr>
+            <a:spLocks noGrp="1" noRot="1" noChangeAspect="1"/>
+          </p:cNvSpPr>
+          <p:nvPr>
+            <p:ph type="sldImg"/>
+          </p:nvPr>
+        </p:nvSpPr>
+        <p:spPr/>
+      </p:sp>
+      <p:sp>
+        <p:nvSpPr>
+          <p:cNvPr id="3" name="Notes Placeholder 2"/>
+          <p:cNvSpPr>
+            <a:spLocks noGrp="1"/>
+          </p:cNvSpPr>
+          <p:nvPr>
+            <p:ph type="body" idx="1"/>
+          </p:nvPr>
+        </p:nvSpPr>
+        <p:spPr/>
+        <p:txBody>
+          <a:bodyPr/>
+          <a:lstStyle/>
+          <a:p>
+            <a:r>
+              <a:rPr lang="en-US" dirty="0"/>
+              <a:t>Our revenue model is plain simple. Our customers pay a one-time cost to purchase the drones and then every time they charge it.</a:t>
+            </a:r>
+          </a:p>
+        </p:txBody>
+      </p:sp>
+      <p:sp>
+        <p:nvSpPr>
+          <p:cNvPr id="4" name="Slide Number Placeholder 3"/>
+          <p:cNvSpPr>
+            <a:spLocks noGrp="1"/>
+          </p:cNvSpPr>
+          <p:nvPr>
+            <p:ph type="sldNum" sz="quarter" idx="5"/>
+          </p:nvPr>
+        </p:nvSpPr>
+        <p:spPr/>
+        <p:txBody>
+          <a:bodyPr/>
+          <a:lstStyle/>
+          <a:p>
+            <a:fld id="{41CA2D61-D7AA-44FA-94C7-9D6821A4DB22}" type="slidenum">
+              <a:rPr lang="en-US" smtClean="0"/>
+              <a:t>13</a:t>
+            </a:fld>
+            <a:endParaRPr lang="en-US"/>
+          </a:p>
+        </p:txBody>
+      </p:sp>
+    </p:spTree>
+    <p:extLst>
+      <p:ext uri="{BB962C8B-B14F-4D97-AF65-F5344CB8AC3E}">
+        <p14:creationId xmlns:p14="http://schemas.microsoft.com/office/powerpoint/2010/main" val="181841187"/>
+      </p:ext>
+    </p:extLst>
+  </p:cSld>
+  <p:clrMapOvr>
+    <a:masterClrMapping/>
+  </p:clrMapOvr>
+</p:notes>
+</file>
+
+<file path=ppt/notesSlides/notesSlide14.xml><?xml version="1.0" encoding="utf-8"?>
+<p:notes xmlns:a="http://schemas.openxmlformats.org/drawingml/2006/main" xmlns:r="http://schemas.openxmlformats.org/officeDocument/2006/relationships" xmlns:p="http://schemas.openxmlformats.org/presentationml/2006/main">
+  <p:cSld>
+    <p:spTree>
+      <p:nvGrpSpPr>
+        <p:cNvPr id="1" name=""/>
+        <p:cNvGrpSpPr/>
+        <p:nvPr/>
+      </p:nvGrpSpPr>
+      <p:grpSpPr>
+        <a:xfrm>
+          <a:off x="0" y="0"/>
+          <a:ext cx="0" cy="0"/>
+          <a:chOff x="0" y="0"/>
+          <a:chExt cx="0" cy="0"/>
+        </a:xfrm>
+      </p:grpSpPr>
+      <p:sp>
+        <p:nvSpPr>
+          <p:cNvPr id="2" name="Slide Image Placeholder 1"/>
+          <p:cNvSpPr>
+            <a:spLocks noGrp="1" noRot="1" noChangeAspect="1"/>
+          </p:cNvSpPr>
+          <p:nvPr>
+            <p:ph type="sldImg"/>
+          </p:nvPr>
+        </p:nvSpPr>
+        <p:spPr/>
+      </p:sp>
+      <p:sp>
+        <p:nvSpPr>
+          <p:cNvPr id="3" name="Notes Placeholder 2"/>
+          <p:cNvSpPr>
+            <a:spLocks noGrp="1"/>
+          </p:cNvSpPr>
+          <p:nvPr>
+            <p:ph type="body" idx="1"/>
+          </p:nvPr>
+        </p:nvSpPr>
+        <p:spPr/>
+        <p:txBody>
+          <a:bodyPr/>
+          <a:lstStyle/>
+          <a:p>
+            <a:r>
+              <a:rPr lang="en-US" dirty="0"/>
+              <a:t>Most of our competitors are mostly US </a:t>
+            </a:r>
+            <a:r>
+              <a:rPr lang="en-US"/>
+              <a:t>and Chinese.</a:t>
+            </a:r>
+            <a:endParaRPr lang="en-US" dirty="0"/>
+          </a:p>
+        </p:txBody>
+      </p:sp>
+      <p:sp>
+        <p:nvSpPr>
+          <p:cNvPr id="4" name="Slide Number Placeholder 3"/>
+          <p:cNvSpPr>
+            <a:spLocks noGrp="1"/>
+          </p:cNvSpPr>
+          <p:nvPr>
+            <p:ph type="sldNum" sz="quarter" idx="5"/>
+          </p:nvPr>
+        </p:nvSpPr>
+        <p:spPr/>
+        <p:txBody>
+          <a:bodyPr/>
+          <a:lstStyle/>
+          <a:p>
+            <a:fld id="{41CA2D61-D7AA-44FA-94C7-9D6821A4DB22}" type="slidenum">
+              <a:rPr lang="en-US" smtClean="0"/>
+              <a:t>17</a:t>
+            </a:fld>
+            <a:endParaRPr lang="en-US"/>
+          </a:p>
+        </p:txBody>
+      </p:sp>
+    </p:spTree>
+    <p:extLst>
+      <p:ext uri="{BB962C8B-B14F-4D97-AF65-F5344CB8AC3E}">
+        <p14:creationId xmlns:p14="http://schemas.microsoft.com/office/powerpoint/2010/main" val="1411915629"/>
+      </p:ext>
+    </p:extLst>
+  </p:cSld>
+  <p:clrMapOvr>
+    <a:masterClrMapping/>
+  </p:clrMapOvr>
+</p:notes>
+</file>
+
+<file path=ppt/notesSlides/notesSlide2.xml><?xml version="1.0" encoding="utf-8"?>
+<p:notes xmlns:a="http://schemas.openxmlformats.org/drawingml/2006/main" xmlns:r="http://schemas.openxmlformats.org/officeDocument/2006/relationships" xmlns:p="http://schemas.openxmlformats.org/presentationml/2006/main">
+  <p:cSld>
+    <p:spTree>
+      <p:nvGrpSpPr>
+        <p:cNvPr id="1" name=""/>
+        <p:cNvGrpSpPr/>
+        <p:nvPr/>
+      </p:nvGrpSpPr>
+      <p:grpSpPr>
+        <a:xfrm>
+          <a:off x="0" y="0"/>
+          <a:ext cx="0" cy="0"/>
+          <a:chOff x="0" y="0"/>
+          <a:chExt cx="0" cy="0"/>
+        </a:xfrm>
+      </p:grpSpPr>
+      <p:sp>
+        <p:nvSpPr>
+          <p:cNvPr id="2" name="Slide Image Placeholder 1"/>
+          <p:cNvSpPr>
+            <a:spLocks noGrp="1" noRot="1" noChangeAspect="1"/>
+          </p:cNvSpPr>
+          <p:nvPr>
+            <p:ph type="sldImg"/>
+          </p:nvPr>
+        </p:nvSpPr>
+        <p:spPr/>
+      </p:sp>
+      <p:sp>
+        <p:nvSpPr>
+          <p:cNvPr id="3" name="Notes Placeholder 2"/>
+          <p:cNvSpPr>
+            <a:spLocks noGrp="1"/>
+          </p:cNvSpPr>
+          <p:nvPr>
+            <p:ph type="body" idx="1"/>
+          </p:nvPr>
+        </p:nvSpPr>
+        <p:spPr/>
+        <p:txBody>
+          <a:bodyPr/>
+          <a:lstStyle/>
+          <a:p>
+            <a:r>
+              <a:rPr lang="en-US" dirty="0"/>
+              <a:t>Are you frustrated by the growing crime rate and car accidents?</a:t>
+            </a:r>
+          </a:p>
+        </p:txBody>
+      </p:sp>
+      <p:sp>
+        <p:nvSpPr>
+          <p:cNvPr id="4" name="Slide Number Placeholder 3"/>
+          <p:cNvSpPr>
+            <a:spLocks noGrp="1"/>
+          </p:cNvSpPr>
+          <p:nvPr>
+            <p:ph type="sldNum" sz="quarter" idx="5"/>
+          </p:nvPr>
+        </p:nvSpPr>
+        <p:spPr/>
+        <p:txBody>
+          <a:bodyPr/>
+          <a:lstStyle/>
+          <a:p>
+            <a:fld id="{41CA2D61-D7AA-44FA-94C7-9D6821A4DB22}" type="slidenum">
+              <a:rPr lang="en-US" smtClean="0"/>
+              <a:t>2</a:t>
+            </a:fld>
+            <a:endParaRPr lang="en-US"/>
+          </a:p>
+        </p:txBody>
+      </p:sp>
+    </p:spTree>
+    <p:extLst>
+      <p:ext uri="{BB962C8B-B14F-4D97-AF65-F5344CB8AC3E}">
+        <p14:creationId xmlns:p14="http://schemas.microsoft.com/office/powerpoint/2010/main" val="3340774909"/>
+      </p:ext>
+    </p:extLst>
+  </p:cSld>
+  <p:clrMapOvr>
+    <a:masterClrMapping/>
+  </p:clrMapOvr>
+</p:notes>
+</file>
+
+<file path=ppt/notesSlides/notesSlide3.xml><?xml version="1.0" encoding="utf-8"?>
+<p:notes xmlns:a="http://schemas.openxmlformats.org/drawingml/2006/main" xmlns:r="http://schemas.openxmlformats.org/officeDocument/2006/relationships" xmlns:p="http://schemas.openxmlformats.org/presentationml/2006/main">
+  <p:cSld>
+    <p:spTree>
+      <p:nvGrpSpPr>
+        <p:cNvPr id="1" name=""/>
+        <p:cNvGrpSpPr/>
+        <p:nvPr/>
+      </p:nvGrpSpPr>
+      <p:grpSpPr>
+        <a:xfrm>
+          <a:off x="0" y="0"/>
+          <a:ext cx="0" cy="0"/>
+          <a:chOff x="0" y="0"/>
+          <a:chExt cx="0" cy="0"/>
+        </a:xfrm>
+      </p:grpSpPr>
+      <p:sp>
+        <p:nvSpPr>
+          <p:cNvPr id="2" name="Slide Image Placeholder 1"/>
+          <p:cNvSpPr>
+            <a:spLocks noGrp="1" noRot="1" noChangeAspect="1"/>
+          </p:cNvSpPr>
+          <p:nvPr>
+            <p:ph type="sldImg"/>
+          </p:nvPr>
+        </p:nvSpPr>
+        <p:spPr/>
+      </p:sp>
+      <p:sp>
+        <p:nvSpPr>
+          <p:cNvPr id="3" name="Notes Placeholder 2"/>
+          <p:cNvSpPr>
+            <a:spLocks noGrp="1"/>
+          </p:cNvSpPr>
+          <p:nvPr>
+            <p:ph type="body" idx="1"/>
+          </p:nvPr>
+        </p:nvSpPr>
+        <p:spPr/>
+        <p:txBody>
+          <a:bodyPr/>
+          <a:lstStyle/>
+          <a:p>
+            <a:r>
+              <a:rPr lang="en-US" dirty="0"/>
+              <a:t>Have you ever been travelling to a new city and got stuck in a traffic jam and wondered why there is such a huge jam or a car just got stolen and you want to investigate how or who stole it?</a:t>
+            </a:r>
+          </a:p>
+        </p:txBody>
+      </p:sp>
+      <p:sp>
+        <p:nvSpPr>
+          <p:cNvPr id="4" name="Slide Number Placeholder 3"/>
+          <p:cNvSpPr>
+            <a:spLocks noGrp="1"/>
+          </p:cNvSpPr>
+          <p:nvPr>
+            <p:ph type="sldNum" sz="quarter" idx="5"/>
+          </p:nvPr>
+        </p:nvSpPr>
+        <p:spPr/>
+        <p:txBody>
+          <a:bodyPr/>
+          <a:lstStyle/>
+          <a:p>
+            <a:fld id="{41CA2D61-D7AA-44FA-94C7-9D6821A4DB22}" type="slidenum">
+              <a:rPr lang="en-US" smtClean="0"/>
+              <a:t>3</a:t>
+            </a:fld>
+            <a:endParaRPr lang="en-US"/>
+          </a:p>
+        </p:txBody>
+      </p:sp>
+    </p:spTree>
+    <p:extLst>
+      <p:ext uri="{BB962C8B-B14F-4D97-AF65-F5344CB8AC3E}">
+        <p14:creationId xmlns:p14="http://schemas.microsoft.com/office/powerpoint/2010/main" val="1969092981"/>
+      </p:ext>
+    </p:extLst>
+  </p:cSld>
+  <p:clrMapOvr>
+    <a:masterClrMapping/>
+  </p:clrMapOvr>
+</p:notes>
+</file>
+
+<file path=ppt/notesSlides/notesSlide4.xml><?xml version="1.0" encoding="utf-8"?>
+<p:notes xmlns:a="http://schemas.openxmlformats.org/drawingml/2006/main" xmlns:r="http://schemas.openxmlformats.org/officeDocument/2006/relationships" xmlns:p="http://schemas.openxmlformats.org/presentationml/2006/main">
+  <p:cSld>
+    <p:spTree>
+      <p:nvGrpSpPr>
+        <p:cNvPr id="1" name=""/>
+        <p:cNvGrpSpPr/>
+        <p:nvPr/>
+      </p:nvGrpSpPr>
+      <p:grpSpPr>
+        <a:xfrm>
+          <a:off x="0" y="0"/>
+          <a:ext cx="0" cy="0"/>
+          <a:chOff x="0" y="0"/>
+          <a:chExt cx="0" cy="0"/>
+        </a:xfrm>
+      </p:grpSpPr>
+      <p:sp>
+        <p:nvSpPr>
+          <p:cNvPr id="2" name="Slide Image Placeholder 1"/>
+          <p:cNvSpPr>
+            <a:spLocks noGrp="1" noRot="1" noChangeAspect="1"/>
+          </p:cNvSpPr>
+          <p:nvPr>
+            <p:ph type="sldImg"/>
+          </p:nvPr>
+        </p:nvSpPr>
+        <p:spPr/>
+      </p:sp>
+      <p:sp>
+        <p:nvSpPr>
+          <p:cNvPr id="3" name="Notes Placeholder 2"/>
+          <p:cNvSpPr>
+            <a:spLocks noGrp="1"/>
+          </p:cNvSpPr>
+          <p:nvPr>
+            <p:ph type="body" idx="1"/>
+          </p:nvPr>
+        </p:nvSpPr>
+        <p:spPr/>
+        <p:txBody>
+          <a:bodyPr/>
+          <a:lstStyle/>
+          <a:p>
+            <a:r>
+              <a:rPr lang="en-US" dirty="0"/>
+              <a:t>Well, then look no further, because our startup FPV Life is revolutionizing how cities are monitored and patrolled. We provide AI-based patrolling systems that police and law enforcement agencies could use to protect our cities and safeguard our nation as a whole.</a:t>
+            </a:r>
+          </a:p>
+        </p:txBody>
+      </p:sp>
+      <p:sp>
+        <p:nvSpPr>
+          <p:cNvPr id="4" name="Slide Number Placeholder 3"/>
+          <p:cNvSpPr>
+            <a:spLocks noGrp="1"/>
+          </p:cNvSpPr>
+          <p:nvPr>
+            <p:ph type="sldNum" sz="quarter" idx="5"/>
+          </p:nvPr>
+        </p:nvSpPr>
+        <p:spPr/>
+        <p:txBody>
+          <a:bodyPr/>
+          <a:lstStyle/>
+          <a:p>
+            <a:fld id="{41CA2D61-D7AA-44FA-94C7-9D6821A4DB22}" type="slidenum">
+              <a:rPr lang="en-US" smtClean="0"/>
+              <a:t>4</a:t>
+            </a:fld>
+            <a:endParaRPr lang="en-US"/>
+          </a:p>
+        </p:txBody>
+      </p:sp>
+    </p:spTree>
+    <p:extLst>
+      <p:ext uri="{BB962C8B-B14F-4D97-AF65-F5344CB8AC3E}">
+        <p14:creationId xmlns:p14="http://schemas.microsoft.com/office/powerpoint/2010/main" val="1444303943"/>
+      </p:ext>
+    </p:extLst>
+  </p:cSld>
+  <p:clrMapOvr>
+    <a:masterClrMapping/>
+  </p:clrMapOvr>
+</p:notes>
+</file>
+
+<file path=ppt/notesSlides/notesSlide5.xml><?xml version="1.0" encoding="utf-8"?>
+<p:notes xmlns:a="http://schemas.openxmlformats.org/drawingml/2006/main" xmlns:r="http://schemas.openxmlformats.org/officeDocument/2006/relationships" xmlns:p="http://schemas.openxmlformats.org/presentationml/2006/main">
+  <p:cSld>
+    <p:spTree>
+      <p:nvGrpSpPr>
+        <p:cNvPr id="1" name=""/>
+        <p:cNvGrpSpPr/>
+        <p:nvPr/>
+      </p:nvGrpSpPr>
+      <p:grpSpPr>
+        <a:xfrm>
+          <a:off x="0" y="0"/>
+          <a:ext cx="0" cy="0"/>
+          <a:chOff x="0" y="0"/>
+          <a:chExt cx="0" cy="0"/>
+        </a:xfrm>
+      </p:grpSpPr>
+      <p:sp>
+        <p:nvSpPr>
+          <p:cNvPr id="2" name="Slide Image Placeholder 1"/>
+          <p:cNvSpPr>
+            <a:spLocks noGrp="1" noRot="1" noChangeAspect="1"/>
+          </p:cNvSpPr>
+          <p:nvPr>
+            <p:ph type="sldImg"/>
+          </p:nvPr>
+        </p:nvSpPr>
+        <p:spPr/>
+      </p:sp>
+      <p:sp>
+        <p:nvSpPr>
+          <p:cNvPr id="3" name="Notes Placeholder 2"/>
+          <p:cNvSpPr>
+            <a:spLocks noGrp="1"/>
+          </p:cNvSpPr>
+          <p:nvPr>
+            <p:ph type="body" idx="1"/>
+          </p:nvPr>
+        </p:nvSpPr>
+        <p:spPr/>
+        <p:txBody>
+          <a:bodyPr/>
+          <a:lstStyle/>
+          <a:p>
+            <a:r>
+              <a:rPr lang="en-US" dirty="0"/>
+              <a:t>This is how our drones will look like when we’ll get the funding..</a:t>
+            </a:r>
+          </a:p>
+        </p:txBody>
+      </p:sp>
+      <p:sp>
+        <p:nvSpPr>
+          <p:cNvPr id="4" name="Slide Number Placeholder 3"/>
+          <p:cNvSpPr>
+            <a:spLocks noGrp="1"/>
+          </p:cNvSpPr>
+          <p:nvPr>
+            <p:ph type="sldNum" sz="quarter" idx="5"/>
+          </p:nvPr>
+        </p:nvSpPr>
+        <p:spPr/>
+        <p:txBody>
+          <a:bodyPr/>
+          <a:lstStyle/>
+          <a:p>
+            <a:fld id="{41CA2D61-D7AA-44FA-94C7-9D6821A4DB22}" type="slidenum">
+              <a:rPr lang="en-US" smtClean="0"/>
+              <a:t>5</a:t>
+            </a:fld>
+            <a:endParaRPr lang="en-US"/>
+          </a:p>
+        </p:txBody>
+      </p:sp>
+    </p:spTree>
+    <p:extLst>
+      <p:ext uri="{BB962C8B-B14F-4D97-AF65-F5344CB8AC3E}">
+        <p14:creationId xmlns:p14="http://schemas.microsoft.com/office/powerpoint/2010/main" val="2698368524"/>
+      </p:ext>
+    </p:extLst>
+  </p:cSld>
+  <p:clrMapOvr>
+    <a:masterClrMapping/>
+  </p:clrMapOvr>
+</p:notes>
+</file>
+
+<file path=ppt/notesSlides/notesSlide6.xml><?xml version="1.0" encoding="utf-8"?>
+<p:notes xmlns:a="http://schemas.openxmlformats.org/drawingml/2006/main" xmlns:r="http://schemas.openxmlformats.org/officeDocument/2006/relationships" xmlns:p="http://schemas.openxmlformats.org/presentationml/2006/main">
+  <p:cSld>
+    <p:spTree>
+      <p:nvGrpSpPr>
+        <p:cNvPr id="1" name=""/>
+        <p:cNvGrpSpPr/>
+        <p:nvPr/>
+      </p:nvGrpSpPr>
+      <p:grpSpPr>
+        <a:xfrm>
+          <a:off x="0" y="0"/>
+          <a:ext cx="0" cy="0"/>
+          <a:chOff x="0" y="0"/>
+          <a:chExt cx="0" cy="0"/>
+        </a:xfrm>
+      </p:grpSpPr>
+      <p:sp>
+        <p:nvSpPr>
+          <p:cNvPr id="2" name="Slide Image Placeholder 1"/>
+          <p:cNvSpPr>
+            <a:spLocks noGrp="1" noRot="1" noChangeAspect="1"/>
+          </p:cNvSpPr>
+          <p:nvPr>
+            <p:ph type="sldImg"/>
+          </p:nvPr>
+        </p:nvSpPr>
+        <p:spPr/>
+      </p:sp>
+      <p:sp>
+        <p:nvSpPr>
+          <p:cNvPr id="3" name="Notes Placeholder 2"/>
+          <p:cNvSpPr>
+            <a:spLocks noGrp="1"/>
+          </p:cNvSpPr>
+          <p:nvPr>
+            <p:ph type="body" idx="1"/>
+          </p:nvPr>
+        </p:nvSpPr>
+        <p:spPr/>
+        <p:txBody>
+          <a:bodyPr/>
+          <a:lstStyle/>
+          <a:p>
+            <a:r>
+              <a:rPr lang="en-US" dirty="0"/>
+              <a:t>These are our customers we are targeting.</a:t>
+            </a:r>
+          </a:p>
+        </p:txBody>
+      </p:sp>
+      <p:sp>
+        <p:nvSpPr>
+          <p:cNvPr id="4" name="Slide Number Placeholder 3"/>
+          <p:cNvSpPr>
+            <a:spLocks noGrp="1"/>
+          </p:cNvSpPr>
+          <p:nvPr>
+            <p:ph type="sldNum" sz="quarter" idx="5"/>
+          </p:nvPr>
+        </p:nvSpPr>
+        <p:spPr/>
+        <p:txBody>
+          <a:bodyPr/>
+          <a:lstStyle/>
+          <a:p>
+            <a:fld id="{41CA2D61-D7AA-44FA-94C7-9D6821A4DB22}" type="slidenum">
+              <a:rPr lang="en-US" smtClean="0"/>
+              <a:t>6</a:t>
+            </a:fld>
+            <a:endParaRPr lang="en-US"/>
+          </a:p>
+        </p:txBody>
+      </p:sp>
+    </p:spTree>
+    <p:extLst>
+      <p:ext uri="{BB962C8B-B14F-4D97-AF65-F5344CB8AC3E}">
+        <p14:creationId xmlns:p14="http://schemas.microsoft.com/office/powerpoint/2010/main" val="551973789"/>
+      </p:ext>
+    </p:extLst>
+  </p:cSld>
+  <p:clrMapOvr>
+    <a:masterClrMapping/>
+  </p:clrMapOvr>
+</p:notes>
+</file>
+
+<file path=ppt/notesSlides/notesSlide7.xml><?xml version="1.0" encoding="utf-8"?>
+<p:notes xmlns:a="http://schemas.openxmlformats.org/drawingml/2006/main" xmlns:r="http://schemas.openxmlformats.org/officeDocument/2006/relationships" xmlns:p="http://schemas.openxmlformats.org/presentationml/2006/main">
+  <p:cSld>
+    <p:spTree>
+      <p:nvGrpSpPr>
+        <p:cNvPr id="1" name=""/>
+        <p:cNvGrpSpPr/>
+        <p:nvPr/>
+      </p:nvGrpSpPr>
+      <p:grpSpPr>
+        <a:xfrm>
+          <a:off x="0" y="0"/>
+          <a:ext cx="0" cy="0"/>
+          <a:chOff x="0" y="0"/>
+          <a:chExt cx="0" cy="0"/>
+        </a:xfrm>
+      </p:grpSpPr>
+      <p:sp>
+        <p:nvSpPr>
+          <p:cNvPr id="2" name="Slide Image Placeholder 1"/>
+          <p:cNvSpPr>
+            <a:spLocks noGrp="1" noRot="1" noChangeAspect="1"/>
+          </p:cNvSpPr>
+          <p:nvPr>
+            <p:ph type="sldImg"/>
+          </p:nvPr>
+        </p:nvSpPr>
+        <p:spPr/>
+      </p:sp>
+      <p:sp>
+        <p:nvSpPr>
+          <p:cNvPr id="3" name="Notes Placeholder 2"/>
+          <p:cNvSpPr>
+            <a:spLocks noGrp="1"/>
+          </p:cNvSpPr>
+          <p:nvPr>
+            <p:ph type="body" idx="1"/>
+          </p:nvPr>
+        </p:nvSpPr>
+        <p:spPr/>
+        <p:txBody>
+          <a:bodyPr/>
+          <a:lstStyle/>
+          <a:p>
+            <a:r>
+              <a:rPr lang="en-US" dirty="0"/>
+              <a:t>These are the industries that we relate to.</a:t>
+            </a:r>
+          </a:p>
+        </p:txBody>
+      </p:sp>
+      <p:sp>
+        <p:nvSpPr>
+          <p:cNvPr id="4" name="Slide Number Placeholder 3"/>
+          <p:cNvSpPr>
+            <a:spLocks noGrp="1"/>
+          </p:cNvSpPr>
+          <p:nvPr>
+            <p:ph type="sldNum" sz="quarter" idx="5"/>
+          </p:nvPr>
+        </p:nvSpPr>
+        <p:spPr/>
+        <p:txBody>
+          <a:bodyPr/>
+          <a:lstStyle/>
+          <a:p>
+            <a:fld id="{41CA2D61-D7AA-44FA-94C7-9D6821A4DB22}" type="slidenum">
+              <a:rPr lang="en-US" smtClean="0"/>
+              <a:t>7</a:t>
+            </a:fld>
+            <a:endParaRPr lang="en-US"/>
+          </a:p>
+        </p:txBody>
+      </p:sp>
+    </p:spTree>
+    <p:extLst>
+      <p:ext uri="{BB962C8B-B14F-4D97-AF65-F5344CB8AC3E}">
+        <p14:creationId xmlns:p14="http://schemas.microsoft.com/office/powerpoint/2010/main" val="4248386153"/>
+      </p:ext>
+    </p:extLst>
+  </p:cSld>
+  <p:clrMapOvr>
+    <a:masterClrMapping/>
+  </p:clrMapOvr>
+</p:notes>
+</file>
+
+<file path=ppt/notesSlides/notesSlide8.xml><?xml version="1.0" encoding="utf-8"?>
+<p:notes xmlns:a="http://schemas.openxmlformats.org/drawingml/2006/main" xmlns:r="http://schemas.openxmlformats.org/officeDocument/2006/relationships" xmlns:p="http://schemas.openxmlformats.org/presentationml/2006/main">
+  <p:cSld>
+    <p:spTree>
+      <p:nvGrpSpPr>
+        <p:cNvPr id="1" name=""/>
+        <p:cNvGrpSpPr/>
+        <p:nvPr/>
+      </p:nvGrpSpPr>
+      <p:grpSpPr>
+        <a:xfrm>
+          <a:off x="0" y="0"/>
+          <a:ext cx="0" cy="0"/>
+          <a:chOff x="0" y="0"/>
+          <a:chExt cx="0" cy="0"/>
+        </a:xfrm>
+      </p:grpSpPr>
+      <p:sp>
+        <p:nvSpPr>
+          <p:cNvPr id="2" name="Slide Image Placeholder 1"/>
+          <p:cNvSpPr>
+            <a:spLocks noGrp="1" noRot="1" noChangeAspect="1"/>
+          </p:cNvSpPr>
+          <p:nvPr>
+            <p:ph type="sldImg"/>
+          </p:nvPr>
+        </p:nvSpPr>
+        <p:spPr/>
+      </p:sp>
+      <p:sp>
+        <p:nvSpPr>
+          <p:cNvPr id="3" name="Notes Placeholder 2"/>
+          <p:cNvSpPr>
+            <a:spLocks noGrp="1"/>
+          </p:cNvSpPr>
+          <p:nvPr>
+            <p:ph type="body" idx="1"/>
+          </p:nvPr>
+        </p:nvSpPr>
+        <p:spPr/>
+        <p:txBody>
+          <a:bodyPr/>
+          <a:lstStyle/>
+          <a:p>
+            <a:r>
+              <a:rPr lang="en-US" dirty="0"/>
+              <a:t>So what are we offering? Not just hardware, but software as well.</a:t>
+            </a:r>
+          </a:p>
+        </p:txBody>
+      </p:sp>
+      <p:sp>
+        <p:nvSpPr>
+          <p:cNvPr id="4" name="Slide Number Placeholder 3"/>
+          <p:cNvSpPr>
+            <a:spLocks noGrp="1"/>
+          </p:cNvSpPr>
+          <p:nvPr>
+            <p:ph type="sldNum" sz="quarter" idx="5"/>
+          </p:nvPr>
+        </p:nvSpPr>
+        <p:spPr/>
+        <p:txBody>
+          <a:bodyPr/>
+          <a:lstStyle/>
+          <a:p>
+            <a:fld id="{41CA2D61-D7AA-44FA-94C7-9D6821A4DB22}" type="slidenum">
+              <a:rPr lang="en-US" smtClean="0"/>
+              <a:t>8</a:t>
+            </a:fld>
+            <a:endParaRPr lang="en-US"/>
+          </a:p>
+        </p:txBody>
+      </p:sp>
+    </p:spTree>
+    <p:extLst>
+      <p:ext uri="{BB962C8B-B14F-4D97-AF65-F5344CB8AC3E}">
+        <p14:creationId xmlns:p14="http://schemas.microsoft.com/office/powerpoint/2010/main" val="43314243"/>
+      </p:ext>
+    </p:extLst>
+  </p:cSld>
+  <p:clrMapOvr>
+    <a:masterClrMapping/>
+  </p:clrMapOvr>
+</p:notes>
+</file>
+
+<file path=ppt/notesSlides/notesSlide9.xml><?xml version="1.0" encoding="utf-8"?>
+<p:notes xmlns:a="http://schemas.openxmlformats.org/drawingml/2006/main" xmlns:r="http://schemas.openxmlformats.org/officeDocument/2006/relationships" xmlns:p="http://schemas.openxmlformats.org/presentationml/2006/main">
+  <p:cSld>
+    <p:spTree>
+      <p:nvGrpSpPr>
+        <p:cNvPr id="1" name=""/>
+        <p:cNvGrpSpPr/>
+        <p:nvPr/>
+      </p:nvGrpSpPr>
+      <p:grpSpPr>
+        <a:xfrm>
+          <a:off x="0" y="0"/>
+          <a:ext cx="0" cy="0"/>
+          <a:chOff x="0" y="0"/>
+          <a:chExt cx="0" cy="0"/>
+        </a:xfrm>
+      </p:grpSpPr>
+      <p:sp>
+        <p:nvSpPr>
+          <p:cNvPr id="2" name="Slide Image Placeholder 1"/>
+          <p:cNvSpPr>
+            <a:spLocks noGrp="1" noRot="1" noChangeAspect="1"/>
+          </p:cNvSpPr>
+          <p:nvPr>
+            <p:ph type="sldImg"/>
+          </p:nvPr>
+        </p:nvSpPr>
+        <p:spPr/>
+      </p:sp>
+      <p:sp>
+        <p:nvSpPr>
+          <p:cNvPr id="3" name="Notes Placeholder 2"/>
+          <p:cNvSpPr>
+            <a:spLocks noGrp="1"/>
+          </p:cNvSpPr>
+          <p:nvPr>
+            <p:ph type="body" idx="1"/>
+          </p:nvPr>
+        </p:nvSpPr>
+        <p:spPr/>
+        <p:txBody>
+          <a:bodyPr/>
+          <a:lstStyle/>
+          <a:p>
+            <a:pPr marL="0" marR="0" lvl="0" indent="0" algn="l" defTabSz="914400" rtl="0" eaLnBrk="1" fontAlgn="auto" latinLnBrk="0" hangingPunct="1">
+              <a:lnSpc>
+                <a:spcPct val="100000"/>
+              </a:lnSpc>
+              <a:spcBef>
+                <a:spcPts val="0"/>
+              </a:spcBef>
+              <a:spcAft>
+                <a:spcPts val="0"/>
+              </a:spcAft>
+              <a:buClrTx/>
+              <a:buSzTx/>
+              <a:buFontTx/>
+              <a:buNone/>
+              <a:tabLst/>
+              <a:defRPr/>
+            </a:pPr>
+            <a:r>
+              <a:rPr lang="en-US" dirty="0"/>
+              <a:t>Introducing Drones as a platform. To capture more value from our hardware, we are building them into platforms, where third-party developers get a chance to make software that runs on our hardware…</a:t>
+            </a:r>
+          </a:p>
+        </p:txBody>
+      </p:sp>
+      <p:sp>
+        <p:nvSpPr>
+          <p:cNvPr id="4" name="Slide Number Placeholder 3"/>
+          <p:cNvSpPr>
+            <a:spLocks noGrp="1"/>
+          </p:cNvSpPr>
+          <p:nvPr>
+            <p:ph type="sldNum" sz="quarter" idx="5"/>
+          </p:nvPr>
+        </p:nvSpPr>
+        <p:spPr/>
+        <p:txBody>
+          <a:bodyPr/>
+          <a:lstStyle/>
+          <a:p>
+            <a:fld id="{41CA2D61-D7AA-44FA-94C7-9D6821A4DB22}" type="slidenum">
+              <a:rPr lang="en-US" smtClean="0"/>
+              <a:t>9</a:t>
+            </a:fld>
+            <a:endParaRPr lang="en-US"/>
+          </a:p>
+        </p:txBody>
+      </p:sp>
+    </p:spTree>
+    <p:extLst>
+      <p:ext uri="{BB962C8B-B14F-4D97-AF65-F5344CB8AC3E}">
+        <p14:creationId xmlns:p14="http://schemas.microsoft.com/office/powerpoint/2010/main" val="474803442"/>
+      </p:ext>
+    </p:extLst>
+  </p:cSld>
+  <p:clrMapOvr>
+    <a:masterClrMapping/>
+  </p:clrMapOvr>
+</p:notes>
 </file>
 
 <file path=ppt/slideLayouts/slideLayout1.xml><?xml version="1.0" encoding="utf-8"?>
@@ -20809,7 +22552,7 @@
               <a:rPr lang="en-US" sz="2000" dirty="0">
                 <a:latin typeface="Arial" panose="02080604020202020204" pitchFamily="34" charset="0"/>
                 <a:cs typeface="Arial" panose="02080604020202020204" pitchFamily="34" charset="0"/>
-                <a:hlinkClick r:id="rId2"/>
+                <a:hlinkClick r:id="rId3"/>
               </a:rPr>
               <a:t>Keshav.simple.123@gmail.com</a:t>
             </a:r>
@@ -21207,6 +22950,3302 @@
       </p:grpSpPr>
       <p:sp>
         <p:nvSpPr>
+          <p:cNvPr id="9" name="Rectangle 8"/>
+          <p:cNvSpPr/>
+          <p:nvPr/>
+        </p:nvSpPr>
+        <p:spPr>
+          <a:xfrm>
+            <a:off x="0" y="0"/>
+            <a:ext cx="12192000" cy="6858000"/>
+          </a:xfrm>
+          <a:prstGeom prst="rect">
+            <a:avLst/>
+          </a:prstGeom>
+          <a:solidFill>
+            <a:schemeClr val="lt1"/>
+          </a:solidFill>
+          <a:ln>
+            <a:solidFill>
+              <a:schemeClr val="accent1">
+                <a:lumMod val="40000"/>
+                <a:lumOff val="60000"/>
+              </a:schemeClr>
+            </a:solidFill>
+          </a:ln>
+        </p:spPr>
+        <p:style>
+          <a:lnRef idx="2">
+            <a:schemeClr val="accent6"/>
+          </a:lnRef>
+          <a:fillRef idx="1">
+            <a:schemeClr val="lt1"/>
+          </a:fillRef>
+          <a:effectRef idx="0">
+            <a:schemeClr val="accent6"/>
+          </a:effectRef>
+          <a:fontRef idx="minor">
+            <a:schemeClr val="dk1"/>
+          </a:fontRef>
+        </p:style>
+        <p:txBody>
+          <a:bodyPr rtlCol="0" anchor="ctr"/>
+          <a:lstStyle/>
+          <a:p>
+            <a:endParaRPr lang="en-US" sz="1800" dirty="0">
+              <a:latin typeface="Arial" panose="02080604020202020204" pitchFamily="34" charset="0"/>
+              <a:cs typeface="Arial" panose="02080604020202020204" pitchFamily="34" charset="0"/>
+            </a:endParaRPr>
+          </a:p>
+        </p:txBody>
+      </p:sp>
+      <p:sp>
+        <p:nvSpPr>
+          <p:cNvPr id="10" name="TextBox 9"/>
+          <p:cNvSpPr txBox="1"/>
+          <p:nvPr/>
+        </p:nvSpPr>
+        <p:spPr>
+          <a:xfrm>
+            <a:off x="748164" y="340095"/>
+            <a:ext cx="10695672" cy="861774"/>
+          </a:xfrm>
+          <a:prstGeom prst="rect">
+            <a:avLst/>
+          </a:prstGeom>
+          <a:noFill/>
+        </p:spPr>
+        <p:txBody>
+          <a:bodyPr wrap="square" rtlCol="0">
+            <a:spAutoFit/>
+          </a:bodyPr>
+          <a:lstStyle/>
+          <a:p>
+            <a:pPr algn="ctr"/>
+            <a:r>
+              <a:rPr lang="en-US" sz="5000" dirty="0">
+                <a:solidFill>
+                  <a:schemeClr val="accent2"/>
+                </a:solidFill>
+                <a:latin typeface="Roboto Black" panose="02000000000000000000" pitchFamily="2" charset="0"/>
+                <a:ea typeface="Roboto Black" panose="02000000000000000000" pitchFamily="2" charset="0"/>
+              </a:rPr>
+              <a:t>As Revolutionary as the smartphone</a:t>
+            </a:r>
+            <a:endParaRPr lang="en-US" sz="5000" dirty="0">
+              <a:solidFill>
+                <a:schemeClr val="accent2"/>
+              </a:solidFill>
+              <a:effectLst/>
+              <a:latin typeface="Roboto Black" panose="02000000000000000000" pitchFamily="2" charset="0"/>
+              <a:ea typeface="Roboto Black" panose="02000000000000000000" pitchFamily="2" charset="0"/>
+            </a:endParaRPr>
+          </a:p>
+        </p:txBody>
+      </p:sp>
+      <p:sp>
+        <p:nvSpPr>
+          <p:cNvPr id="4" name="TextBox 3"/>
+          <p:cNvSpPr txBox="1"/>
+          <p:nvPr/>
+        </p:nvSpPr>
+        <p:spPr>
+          <a:xfrm>
+            <a:off x="1131411" y="5901020"/>
+            <a:ext cx="3101899" cy="400110"/>
+          </a:xfrm>
+          <a:prstGeom prst="rect">
+            <a:avLst/>
+          </a:prstGeom>
+          <a:noFill/>
+        </p:spPr>
+        <p:txBody>
+          <a:bodyPr wrap="square" rtlCol="0" anchor="ctr">
+            <a:spAutoFit/>
+          </a:bodyPr>
+          <a:lstStyle/>
+          <a:p>
+            <a:pPr algn="ctr"/>
+            <a:r>
+              <a:rPr lang="en-US" sz="2000" b="1" i="0" dirty="0">
+                <a:solidFill>
+                  <a:srgbClr val="374151"/>
+                </a:solidFill>
+                <a:effectLst/>
+                <a:latin typeface="Arial" panose="02080604020202020204" pitchFamily="34" charset="0"/>
+                <a:cs typeface="Arial" panose="02080604020202020204" pitchFamily="34" charset="0"/>
+              </a:rPr>
+              <a:t>Software subscriptions</a:t>
+            </a:r>
+            <a:endParaRPr lang="en-US" sz="1900" b="1" dirty="0">
+              <a:latin typeface="Arial" panose="02080604020202020204" pitchFamily="34" charset="0"/>
+              <a:cs typeface="Arial" panose="02080604020202020204" pitchFamily="34" charset="0"/>
+            </a:endParaRPr>
+          </a:p>
+        </p:txBody>
+      </p:sp>
+      <p:sp>
+        <p:nvSpPr>
+          <p:cNvPr id="7" name="TextBox 6"/>
+          <p:cNvSpPr txBox="1"/>
+          <p:nvPr/>
+        </p:nvSpPr>
+        <p:spPr>
+          <a:xfrm>
+            <a:off x="5223109" y="5901020"/>
+            <a:ext cx="1866435" cy="400110"/>
+          </a:xfrm>
+          <a:prstGeom prst="rect">
+            <a:avLst/>
+          </a:prstGeom>
+          <a:noFill/>
+        </p:spPr>
+        <p:txBody>
+          <a:bodyPr wrap="square" rtlCol="0" anchor="ctr">
+            <a:spAutoFit/>
+          </a:bodyPr>
+          <a:lstStyle/>
+          <a:p>
+            <a:pPr algn="ctr"/>
+            <a:r>
+              <a:rPr lang="en-US" sz="2000" b="1" i="0" dirty="0">
+                <a:solidFill>
+                  <a:srgbClr val="374151"/>
+                </a:solidFill>
+                <a:effectLst/>
+                <a:latin typeface="Arial" panose="02080604020202020204" pitchFamily="34" charset="0"/>
+                <a:cs typeface="Arial" panose="02080604020202020204" pitchFamily="34" charset="0"/>
+              </a:rPr>
+              <a:t>Service fees</a:t>
+            </a:r>
+            <a:endParaRPr lang="en-US" sz="1900" b="1" dirty="0">
+              <a:latin typeface="Arial" panose="02080604020202020204" pitchFamily="34" charset="0"/>
+              <a:cs typeface="Arial" panose="02080604020202020204" pitchFamily="34" charset="0"/>
+            </a:endParaRPr>
+          </a:p>
+        </p:txBody>
+      </p:sp>
+      <p:sp>
+        <p:nvSpPr>
+          <p:cNvPr id="11" name="TextBox 10"/>
+          <p:cNvSpPr txBox="1"/>
+          <p:nvPr/>
+        </p:nvSpPr>
+        <p:spPr>
+          <a:xfrm>
+            <a:off x="8621259" y="5901020"/>
+            <a:ext cx="1597426" cy="400110"/>
+          </a:xfrm>
+          <a:prstGeom prst="rect">
+            <a:avLst/>
+          </a:prstGeom>
+          <a:noFill/>
+        </p:spPr>
+        <p:txBody>
+          <a:bodyPr wrap="square" rtlCol="0" anchor="ctr">
+            <a:spAutoFit/>
+          </a:bodyPr>
+          <a:lstStyle/>
+          <a:p>
+            <a:pPr algn="ctr"/>
+            <a:r>
+              <a:rPr lang="en-US" sz="2000" b="1" i="0" dirty="0">
+                <a:solidFill>
+                  <a:srgbClr val="374151"/>
+                </a:solidFill>
+                <a:effectLst/>
+                <a:latin typeface="Arial" panose="02080604020202020204" pitchFamily="34" charset="0"/>
+                <a:cs typeface="Arial" panose="02080604020202020204" pitchFamily="34" charset="0"/>
+              </a:rPr>
+              <a:t>Data sales</a:t>
+            </a:r>
+            <a:endParaRPr lang="en-US" sz="1900" b="1" dirty="0">
+              <a:latin typeface="Arial" panose="02080604020202020204" pitchFamily="34" charset="0"/>
+              <a:cs typeface="Arial" panose="02080604020202020204" pitchFamily="34" charset="0"/>
+            </a:endParaRPr>
+          </a:p>
+        </p:txBody>
+      </p:sp>
+      <p:sp>
+        <p:nvSpPr>
+          <p:cNvPr id="5" name="TextBox 4"/>
+          <p:cNvSpPr txBox="1"/>
+          <p:nvPr/>
+        </p:nvSpPr>
+        <p:spPr>
+          <a:xfrm>
+            <a:off x="337418" y="2136759"/>
+            <a:ext cx="10859317" cy="1287532"/>
+          </a:xfrm>
+          <a:prstGeom prst="rect">
+            <a:avLst/>
+          </a:prstGeom>
+          <a:noFill/>
+        </p:spPr>
+        <p:txBody>
+          <a:bodyPr wrap="square" rtlCol="0" anchor="t">
+            <a:spAutoFit/>
+          </a:bodyPr>
+          <a:lstStyle/>
+          <a:p>
+            <a:pPr>
+              <a:lnSpc>
+                <a:spcPct val="150000"/>
+              </a:lnSpc>
+            </a:pPr>
+            <a:r>
+              <a:rPr lang="en-US" dirty="0">
+                <a:latin typeface="Arial" panose="02080604020202020204" pitchFamily="34" charset="0"/>
+                <a:cs typeface="Arial" panose="02080604020202020204" pitchFamily="34" charset="0"/>
+              </a:rPr>
+              <a:t>These drones are much more capable than a smartphone.</a:t>
+            </a:r>
+          </a:p>
+          <a:p>
+            <a:pPr>
+              <a:lnSpc>
+                <a:spcPct val="150000"/>
+              </a:lnSpc>
+            </a:pPr>
+            <a:endParaRPr lang="en-US" dirty="0">
+              <a:latin typeface="Arial" panose="02080604020202020204" pitchFamily="34" charset="0"/>
+              <a:cs typeface="Arial" panose="02080604020202020204" pitchFamily="34" charset="0"/>
+            </a:endParaRPr>
+          </a:p>
+          <a:p>
+            <a:pPr>
+              <a:lnSpc>
+                <a:spcPct val="150000"/>
+              </a:lnSpc>
+            </a:pPr>
+            <a:r>
+              <a:rPr lang="en-US" dirty="0">
+                <a:latin typeface="Arial" panose="02080604020202020204" pitchFamily="34" charset="0"/>
+                <a:cs typeface="Arial" panose="02080604020202020204" pitchFamily="34" charset="0"/>
+              </a:rPr>
+              <a:t>They are able to just as productive and communicative as the revolutionary smartphones.</a:t>
+            </a:r>
+          </a:p>
+        </p:txBody>
+      </p:sp>
+      <p:pic>
+        <p:nvPicPr>
+          <p:cNvPr id="12" name="Picture 11"/>
+          <p:cNvPicPr>
+            <a:picLocks noChangeAspect="1"/>
+          </p:cNvPicPr>
+          <p:nvPr/>
+        </p:nvPicPr>
+        <p:blipFill>
+          <a:blip r:embed="rId3" cstate="print">
+            <a:extLst>
+              <a:ext uri="{28A0092B-C50C-407E-A947-70E740481C1C}">
+                <a14:useLocalDpi xmlns:a14="http://schemas.microsoft.com/office/drawing/2010/main" val="0"/>
+              </a:ext>
+            </a:extLst>
+          </a:blip>
+          <a:stretch>
+            <a:fillRect/>
+          </a:stretch>
+        </p:blipFill>
+        <p:spPr>
+          <a:xfrm>
+            <a:off x="8187297" y="1036925"/>
+            <a:ext cx="3835994" cy="1917997"/>
+          </a:xfrm>
+          <a:prstGeom prst="rect">
+            <a:avLst/>
+          </a:prstGeom>
+        </p:spPr>
+      </p:pic>
+    </p:spTree>
+  </p:cSld>
+  <p:clrMapOvr>
+    <a:masterClrMapping/>
+  </p:clrMapOvr>
+  <mc:AlternateContent xmlns:mc="http://schemas.openxmlformats.org/markup-compatibility/2006" xmlns:p159="http://schemas.microsoft.com/office/powerpoint/2015/09/main">
+    <mc:Choice Requires="p159">
+      <p:transition xmlns:p14="http://schemas.microsoft.com/office/powerpoint/2010/main" spd="slow" p14:dur="2000">
+        <p159:morph option="byObject"/>
+      </p:transition>
+    </mc:Choice>
+    <mc:Fallback xmlns="">
+      <p:transition spd="slow">
+        <p:fade/>
+      </p:transition>
+    </mc:Fallback>
+  </mc:AlternateContent>
+</p:sld>
+</file>
+
+<file path=ppt/slides/slide11.xml><?xml version="1.0" encoding="utf-8"?>
+<p:sld xmlns:a="http://schemas.openxmlformats.org/drawingml/2006/main" xmlns:r="http://schemas.openxmlformats.org/officeDocument/2006/relationships" xmlns:p="http://schemas.openxmlformats.org/presentationml/2006/main">
+  <p:cSld>
+    <p:spTree>
+      <p:nvGrpSpPr>
+        <p:cNvPr id="1" name=""/>
+        <p:cNvGrpSpPr/>
+        <p:nvPr/>
+      </p:nvGrpSpPr>
+      <p:grpSpPr>
+        <a:xfrm>
+          <a:off x="0" y="0"/>
+          <a:ext cx="0" cy="0"/>
+          <a:chOff x="0" y="0"/>
+          <a:chExt cx="0" cy="0"/>
+        </a:xfrm>
+      </p:grpSpPr>
+      <p:sp>
+        <p:nvSpPr>
+          <p:cNvPr id="6" name="Rectangle 5"/>
+          <p:cNvSpPr/>
+          <p:nvPr/>
+        </p:nvSpPr>
+        <p:spPr>
+          <a:xfrm>
+            <a:off x="0" y="0"/>
+            <a:ext cx="12192000" cy="6858000"/>
+          </a:xfrm>
+          <a:prstGeom prst="rect">
+            <a:avLst/>
+          </a:prstGeom>
+          <a:solidFill>
+            <a:schemeClr val="lt1"/>
+          </a:solidFill>
+          <a:ln>
+            <a:solidFill>
+              <a:schemeClr val="accent1">
+                <a:lumMod val="40000"/>
+                <a:lumOff val="60000"/>
+              </a:schemeClr>
+            </a:solidFill>
+          </a:ln>
+        </p:spPr>
+        <p:style>
+          <a:lnRef idx="2">
+            <a:schemeClr val="accent6"/>
+          </a:lnRef>
+          <a:fillRef idx="1">
+            <a:schemeClr val="lt1"/>
+          </a:fillRef>
+          <a:effectRef idx="0">
+            <a:schemeClr val="accent6"/>
+          </a:effectRef>
+          <a:fontRef idx="minor">
+            <a:schemeClr val="dk1"/>
+          </a:fontRef>
+        </p:style>
+        <p:txBody>
+          <a:bodyPr rtlCol="0" anchor="ctr"/>
+          <a:lstStyle/>
+          <a:p>
+            <a:endParaRPr lang="en-US" sz="1800" dirty="0">
+              <a:latin typeface="Arial" panose="02080604020202020204" pitchFamily="34" charset="0"/>
+              <a:cs typeface="Arial" panose="02080604020202020204" pitchFamily="34" charset="0"/>
+            </a:endParaRPr>
+          </a:p>
+        </p:txBody>
+      </p:sp>
+      <p:pic>
+        <p:nvPicPr>
+          <p:cNvPr id="4" name="Picture 3"/>
+          <p:cNvPicPr>
+            <a:picLocks noChangeAspect="1"/>
+          </p:cNvPicPr>
+          <p:nvPr/>
+        </p:nvPicPr>
+        <p:blipFill>
+          <a:blip r:embed="rId3" cstate="print">
+            <a:extLst>
+              <a:ext uri="{28A0092B-C50C-407E-A947-70E740481C1C}">
+                <a14:useLocalDpi xmlns:a14="http://schemas.microsoft.com/office/drawing/2010/main" val="0"/>
+              </a:ext>
+            </a:extLst>
+          </a:blip>
+          <a:stretch>
+            <a:fillRect/>
+          </a:stretch>
+        </p:blipFill>
+        <p:spPr>
+          <a:xfrm>
+            <a:off x="9740556" y="1148493"/>
+            <a:ext cx="1609573" cy="1609573"/>
+          </a:xfrm>
+          <a:prstGeom prst="rect">
+            <a:avLst/>
+          </a:prstGeom>
+        </p:spPr>
+      </p:pic>
+      <p:pic>
+        <p:nvPicPr>
+          <p:cNvPr id="5" name="Picture 4"/>
+          <p:cNvPicPr>
+            <a:picLocks noChangeAspect="1"/>
+          </p:cNvPicPr>
+          <p:nvPr/>
+        </p:nvPicPr>
+        <p:blipFill>
+          <a:blip r:embed="rId4" cstate="print">
+            <a:extLst>
+              <a:ext uri="{28A0092B-C50C-407E-A947-70E740481C1C}">
+                <a14:useLocalDpi xmlns:a14="http://schemas.microsoft.com/office/drawing/2010/main" val="0"/>
+              </a:ext>
+            </a:extLst>
+          </a:blip>
+          <a:stretch>
+            <a:fillRect/>
+          </a:stretch>
+        </p:blipFill>
+        <p:spPr>
+          <a:xfrm>
+            <a:off x="7285439" y="3079789"/>
+            <a:ext cx="6172093" cy="3244498"/>
+          </a:xfrm>
+          <a:prstGeom prst="rect">
+            <a:avLst/>
+          </a:prstGeom>
+        </p:spPr>
+      </p:pic>
+      <p:pic>
+        <p:nvPicPr>
+          <p:cNvPr id="8" name="3D Model 7"/>
+          <p:cNvPicPr>
+            <a:picLocks noGrp="1" noRot="1" noChangeAspect="1" noMove="1" noResize="1" noEditPoints="1" noAdjustHandles="1" noChangeArrowheads="1" noChangeShapeType="1" noCrop="1"/>
+          </p:cNvPicPr>
+          <p:nvPr/>
+        </p:nvPicPr>
+        <p:blipFill>
+          <a:blip r:embed="rId5"/>
+          <a:stretch>
+            <a:fillRect/>
+          </a:stretch>
+        </p:blipFill>
+        <p:spPr>
+          <a:xfrm>
+            <a:off x="579772" y="3169101"/>
+            <a:ext cx="5247410" cy="2405649"/>
+          </a:xfrm>
+          <a:prstGeom prst="rect">
+            <a:avLst/>
+          </a:prstGeom>
+        </p:spPr>
+      </p:pic>
+      <p:pic>
+        <p:nvPicPr>
+          <p:cNvPr id="10" name="3D Model 9"/>
+          <p:cNvPicPr>
+            <a:picLocks noGrp="1" noRot="1" noChangeAspect="1" noMove="1" noResize="1" noEditPoints="1" noAdjustHandles="1" noChangeArrowheads="1" noChangeShapeType="1" noCrop="1"/>
+          </p:cNvPicPr>
+          <p:nvPr/>
+        </p:nvPicPr>
+        <p:blipFill>
+          <a:blip r:embed="rId6"/>
+          <a:stretch>
+            <a:fillRect/>
+          </a:stretch>
+        </p:blipFill>
+        <p:spPr>
+          <a:xfrm>
+            <a:off x="-6869470" y="1054296"/>
+            <a:ext cx="6447275" cy="3514097"/>
+          </a:xfrm>
+          <a:prstGeom prst="rect">
+            <a:avLst/>
+          </a:prstGeom>
+        </p:spPr>
+      </p:pic>
+      <p:sp>
+        <p:nvSpPr>
+          <p:cNvPr id="2" name="Title 1"/>
+          <p:cNvSpPr txBox="1"/>
+          <p:nvPr/>
+        </p:nvSpPr>
+        <p:spPr>
+          <a:xfrm>
+            <a:off x="579772" y="1417279"/>
+            <a:ext cx="3069771" cy="611994"/>
+          </a:xfrm>
+          <a:prstGeom prst="rect">
+            <a:avLst/>
+          </a:prstGeom>
+        </p:spPr>
+        <p:txBody>
+          <a:bodyPr vert="horz" lIns="91440" tIns="45720" rIns="91440" bIns="45720" rtlCol="0" anchor="ctr">
+            <a:normAutofit/>
+          </a:bodyPr>
+          <a:lstStyle>
+            <a:lvl1pPr algn="l" defTabSz="914400" rtl="0" eaLnBrk="1" latinLnBrk="0" hangingPunct="1">
+              <a:lnSpc>
+                <a:spcPct val="80000"/>
+              </a:lnSpc>
+              <a:spcBef>
+                <a:spcPct val="0"/>
+              </a:spcBef>
+              <a:buNone/>
+              <a:defRPr sz="5000" kern="1200" cap="all" spc="100" baseline="0">
+                <a:solidFill>
+                  <a:schemeClr val="tx1">
+                    <a:lumMod val="95000"/>
+                    <a:lumOff val="5000"/>
+                  </a:schemeClr>
+                </a:solidFill>
+                <a:latin typeface="+mj-lt"/>
+                <a:ea typeface="+mj-ea"/>
+                <a:cs typeface="+mj-cs"/>
+              </a:defRPr>
+            </a:lvl1pPr>
+          </a:lstStyle>
+          <a:p>
+            <a:r>
+              <a:rPr lang="en-US" sz="4000" dirty="0">
+                <a:solidFill>
+                  <a:schemeClr val="tx1"/>
+                </a:solidFill>
+                <a:latin typeface="Roboto Black" panose="02000000000000000000" pitchFamily="2" charset="0"/>
+                <a:ea typeface="Roboto Black" panose="02000000000000000000" pitchFamily="2" charset="0"/>
+              </a:rPr>
+              <a:t>FPV</a:t>
+            </a:r>
+            <a:r>
+              <a:rPr lang="en-US" sz="4000" dirty="0">
+                <a:solidFill>
+                  <a:schemeClr val="tx1"/>
+                </a:solidFill>
+              </a:rPr>
+              <a:t> </a:t>
+            </a:r>
+            <a:r>
+              <a:rPr lang="en-US" sz="4000" dirty="0">
+                <a:solidFill>
+                  <a:schemeClr val="tx1"/>
+                </a:solidFill>
+                <a:latin typeface="Roboto" panose="02000000000000000000" pitchFamily="2" charset="0"/>
+                <a:ea typeface="Roboto" panose="02000000000000000000" pitchFamily="2" charset="0"/>
+              </a:rPr>
+              <a:t>Life</a:t>
+            </a:r>
+          </a:p>
+        </p:txBody>
+      </p:sp>
+      <p:sp>
+        <p:nvSpPr>
+          <p:cNvPr id="3" name="Subtitle 2"/>
+          <p:cNvSpPr txBox="1"/>
+          <p:nvPr/>
+        </p:nvSpPr>
+        <p:spPr>
+          <a:xfrm>
+            <a:off x="579772" y="2359348"/>
+            <a:ext cx="5729853" cy="343185"/>
+          </a:xfrm>
+          <a:prstGeom prst="rect">
+            <a:avLst/>
+          </a:prstGeom>
+        </p:spPr>
+        <p:txBody>
+          <a:bodyPr vert="horz" lIns="45720" tIns="45720" rIns="45720" bIns="45720" rtlCol="0">
+            <a:noAutofit/>
+          </a:bodyPr>
+          <a:lstStyle>
+            <a:lvl1pPr marL="91440" indent="-91440" algn="l" defTabSz="914400" rtl="0" eaLnBrk="1" latinLnBrk="0" hangingPunct="1">
+              <a:lnSpc>
+                <a:spcPct val="90000"/>
+              </a:lnSpc>
+              <a:spcBef>
+                <a:spcPts val="1200"/>
+              </a:spcBef>
+              <a:spcAft>
+                <a:spcPts val="200"/>
+              </a:spcAft>
+              <a:buClr>
+                <a:schemeClr val="accent1"/>
+              </a:buClr>
+              <a:buSzPct val="100000"/>
+              <a:buFont typeface="Tw Cen MT" panose="020B0602020104020603" pitchFamily="34" charset="0"/>
+              <a:buChar char=" "/>
+              <a:defRPr sz="2200" kern="1200">
+                <a:solidFill>
+                  <a:schemeClr val="tx1"/>
+                </a:solidFill>
+                <a:latin typeface="+mn-lt"/>
+                <a:ea typeface="+mn-ea"/>
+                <a:cs typeface="+mn-cs"/>
+              </a:defRPr>
+            </a:lvl1pPr>
+            <a:lvl2pPr marL="265430" indent="-137160" algn="l" defTabSz="914400" rtl="0" eaLnBrk="1" latinLnBrk="0" hangingPunct="1">
+              <a:lnSpc>
+                <a:spcPct val="90000"/>
+              </a:lnSpc>
+              <a:spcBef>
+                <a:spcPts val="200"/>
+              </a:spcBef>
+              <a:spcAft>
+                <a:spcPts val="400"/>
+              </a:spcAft>
+              <a:buClr>
+                <a:schemeClr val="accent1"/>
+              </a:buClr>
+              <a:buFont typeface="Wingdings 3" pitchFamily="18" charset="2"/>
+              <a:buChar char=""/>
+              <a:defRPr sz="1800" kern="1200">
+                <a:solidFill>
+                  <a:schemeClr val="tx1"/>
+                </a:solidFill>
+                <a:latin typeface="+mn-lt"/>
+                <a:ea typeface="+mn-ea"/>
+                <a:cs typeface="+mn-cs"/>
+              </a:defRPr>
+            </a:lvl2pPr>
+            <a:lvl3pPr marL="448310" indent="-137160" algn="l" defTabSz="914400" rtl="0" eaLnBrk="1" latinLnBrk="0" hangingPunct="1">
+              <a:lnSpc>
+                <a:spcPct val="90000"/>
+              </a:lnSpc>
+              <a:spcBef>
+                <a:spcPts val="200"/>
+              </a:spcBef>
+              <a:spcAft>
+                <a:spcPts val="400"/>
+              </a:spcAft>
+              <a:buClr>
+                <a:schemeClr val="accent1"/>
+              </a:buClr>
+              <a:buFont typeface="Wingdings 3" pitchFamily="18" charset="2"/>
+              <a:buChar char=""/>
+              <a:defRPr sz="1400" kern="1200">
+                <a:solidFill>
+                  <a:schemeClr val="tx1"/>
+                </a:solidFill>
+                <a:latin typeface="+mn-lt"/>
+                <a:ea typeface="+mn-ea"/>
+                <a:cs typeface="+mn-cs"/>
+              </a:defRPr>
+            </a:lvl3pPr>
+            <a:lvl4pPr marL="594360" indent="-137160" algn="l" defTabSz="914400" rtl="0" eaLnBrk="1" latinLnBrk="0" hangingPunct="1">
+              <a:lnSpc>
+                <a:spcPct val="90000"/>
+              </a:lnSpc>
+              <a:spcBef>
+                <a:spcPts val="200"/>
+              </a:spcBef>
+              <a:spcAft>
+                <a:spcPts val="400"/>
+              </a:spcAft>
+              <a:buClr>
+                <a:schemeClr val="accent1"/>
+              </a:buClr>
+              <a:buFont typeface="Wingdings 3" pitchFamily="18" charset="2"/>
+              <a:buChar char=""/>
+              <a:defRPr sz="1400" kern="1200">
+                <a:solidFill>
+                  <a:schemeClr val="tx1"/>
+                </a:solidFill>
+                <a:latin typeface="+mn-lt"/>
+                <a:ea typeface="+mn-ea"/>
+                <a:cs typeface="+mn-cs"/>
+              </a:defRPr>
+            </a:lvl4pPr>
+            <a:lvl5pPr marL="777240" indent="-137160" algn="l" defTabSz="914400" rtl="0" eaLnBrk="1" latinLnBrk="0" hangingPunct="1">
+              <a:lnSpc>
+                <a:spcPct val="90000"/>
+              </a:lnSpc>
+              <a:spcBef>
+                <a:spcPts val="200"/>
+              </a:spcBef>
+              <a:spcAft>
+                <a:spcPts val="400"/>
+              </a:spcAft>
+              <a:buClr>
+                <a:schemeClr val="accent1"/>
+              </a:buClr>
+              <a:buFont typeface="Wingdings 3" pitchFamily="18" charset="2"/>
+              <a:buChar char=""/>
+              <a:defRPr sz="1400" kern="1200">
+                <a:solidFill>
+                  <a:schemeClr val="tx1"/>
+                </a:solidFill>
+                <a:latin typeface="+mn-lt"/>
+                <a:ea typeface="+mn-ea"/>
+                <a:cs typeface="+mn-cs"/>
+              </a:defRPr>
+            </a:lvl5pPr>
+            <a:lvl6pPr marL="914400" indent="-137160" algn="l" defTabSz="914400" rtl="0" eaLnBrk="1" latinLnBrk="0" hangingPunct="1">
+              <a:lnSpc>
+                <a:spcPct val="90000"/>
+              </a:lnSpc>
+              <a:spcBef>
+                <a:spcPts val="200"/>
+              </a:spcBef>
+              <a:spcAft>
+                <a:spcPts val="400"/>
+              </a:spcAft>
+              <a:buClr>
+                <a:schemeClr val="accent1"/>
+              </a:buClr>
+              <a:buFont typeface="Wingdings 3" pitchFamily="18" charset="2"/>
+              <a:buChar char=""/>
+              <a:defRPr sz="1400" kern="1200">
+                <a:solidFill>
+                  <a:schemeClr val="tx1"/>
+                </a:solidFill>
+                <a:latin typeface="+mn-lt"/>
+                <a:ea typeface="+mn-ea"/>
+                <a:cs typeface="+mn-cs"/>
+              </a:defRPr>
+            </a:lvl6pPr>
+            <a:lvl7pPr marL="1060450" indent="-137160" algn="l" defTabSz="914400" rtl="0" eaLnBrk="1" latinLnBrk="0" hangingPunct="1">
+              <a:lnSpc>
+                <a:spcPct val="90000"/>
+              </a:lnSpc>
+              <a:spcBef>
+                <a:spcPts val="200"/>
+              </a:spcBef>
+              <a:spcAft>
+                <a:spcPts val="400"/>
+              </a:spcAft>
+              <a:buClr>
+                <a:schemeClr val="accent1"/>
+              </a:buClr>
+              <a:buFont typeface="Wingdings 3" pitchFamily="18" charset="2"/>
+              <a:buChar char=""/>
+              <a:defRPr sz="1400" kern="1200">
+                <a:solidFill>
+                  <a:schemeClr val="tx1"/>
+                </a:solidFill>
+                <a:latin typeface="+mn-lt"/>
+                <a:ea typeface="+mn-ea"/>
+                <a:cs typeface="+mn-cs"/>
+              </a:defRPr>
+            </a:lvl7pPr>
+            <a:lvl8pPr marL="1216025" indent="-137160" algn="l" defTabSz="914400" rtl="0" eaLnBrk="1" latinLnBrk="0" hangingPunct="1">
+              <a:lnSpc>
+                <a:spcPct val="90000"/>
+              </a:lnSpc>
+              <a:spcBef>
+                <a:spcPts val="200"/>
+              </a:spcBef>
+              <a:spcAft>
+                <a:spcPts val="400"/>
+              </a:spcAft>
+              <a:buClr>
+                <a:schemeClr val="accent1"/>
+              </a:buClr>
+              <a:buFont typeface="Wingdings 3" pitchFamily="18" charset="2"/>
+              <a:buChar char=""/>
+              <a:defRPr sz="1400" kern="1200">
+                <a:solidFill>
+                  <a:schemeClr val="tx1"/>
+                </a:solidFill>
+                <a:latin typeface="+mn-lt"/>
+                <a:ea typeface="+mn-ea"/>
+                <a:cs typeface="+mn-cs"/>
+              </a:defRPr>
+            </a:lvl8pPr>
+            <a:lvl9pPr marL="1362710" indent="-137160" algn="l" defTabSz="914400" rtl="0" eaLnBrk="1" latinLnBrk="0" hangingPunct="1">
+              <a:lnSpc>
+                <a:spcPct val="90000"/>
+              </a:lnSpc>
+              <a:spcBef>
+                <a:spcPts val="200"/>
+              </a:spcBef>
+              <a:spcAft>
+                <a:spcPts val="400"/>
+              </a:spcAft>
+              <a:buClr>
+                <a:schemeClr val="accent1"/>
+              </a:buClr>
+              <a:buFont typeface="Wingdings 3" pitchFamily="18" charset="2"/>
+              <a:buChar char=""/>
+              <a:defRPr sz="1400" kern="1200">
+                <a:solidFill>
+                  <a:schemeClr val="tx1"/>
+                </a:solidFill>
+                <a:latin typeface="+mn-lt"/>
+                <a:ea typeface="+mn-ea"/>
+                <a:cs typeface="+mn-cs"/>
+              </a:defRPr>
+            </a:lvl9pPr>
+          </a:lstStyle>
+          <a:p>
+            <a:r>
+              <a:rPr lang="en-US" sz="1800" dirty="0">
+                <a:latin typeface="Roboto light" panose="020B0604020202020204" pitchFamily="2" charset="0"/>
+                <a:ea typeface="Roboto light" panose="020B0604020202020204" pitchFamily="2" charset="0"/>
+              </a:rPr>
+              <a:t>Autonomous drones for Police Patrolling</a:t>
+            </a:r>
+          </a:p>
+        </p:txBody>
+      </p:sp>
+      <p:pic>
+        <p:nvPicPr>
+          <p:cNvPr id="11" name="Picture 10">
+            <a:extLst>
+              <a:ext uri="{FF2B5EF4-FFF2-40B4-BE49-F238E27FC236}">
+                <a16:creationId xmlns:a16="http://schemas.microsoft.com/office/drawing/2014/main" id="{64922FC5-E5BA-236E-81D1-AD23FF23E535}"/>
+              </a:ext>
+            </a:extLst>
+          </p:cNvPr>
+          <p:cNvPicPr>
+            <a:picLocks noChangeAspect="1"/>
+          </p:cNvPicPr>
+          <p:nvPr/>
+        </p:nvPicPr>
+        <p:blipFill>
+          <a:blip r:embed="rId7">
+            <a:extLst>
+              <a:ext uri="{28A0092B-C50C-407E-A947-70E740481C1C}">
+                <a14:useLocalDpi xmlns:a14="http://schemas.microsoft.com/office/drawing/2010/main" val="0"/>
+              </a:ext>
+            </a:extLst>
+          </a:blip>
+          <a:stretch>
+            <a:fillRect/>
+          </a:stretch>
+        </p:blipFill>
+        <p:spPr>
+          <a:xfrm>
+            <a:off x="5857301" y="2436344"/>
+            <a:ext cx="1933246" cy="3871161"/>
+          </a:xfrm>
+          <a:prstGeom prst="rect">
+            <a:avLst/>
+          </a:prstGeom>
+        </p:spPr>
+      </p:pic>
+      <p:sp>
+        <p:nvSpPr>
+          <p:cNvPr id="12" name="TextBox 11">
+            <a:extLst>
+              <a:ext uri="{FF2B5EF4-FFF2-40B4-BE49-F238E27FC236}">
+                <a16:creationId xmlns:a16="http://schemas.microsoft.com/office/drawing/2014/main" id="{FC6AE1D5-4E59-B9D1-977A-42CA1F1C8942}"/>
+              </a:ext>
+            </a:extLst>
+          </p:cNvPr>
+          <p:cNvSpPr txBox="1"/>
+          <p:nvPr/>
+        </p:nvSpPr>
+        <p:spPr>
+          <a:xfrm>
+            <a:off x="5770352" y="1456570"/>
+            <a:ext cx="2126193" cy="400110"/>
+          </a:xfrm>
+          <a:prstGeom prst="rect">
+            <a:avLst/>
+          </a:prstGeom>
+          <a:noFill/>
+        </p:spPr>
+        <p:txBody>
+          <a:bodyPr wrap="square" rtlCol="0">
+            <a:spAutoFit/>
+          </a:bodyPr>
+          <a:lstStyle/>
+          <a:p>
+            <a:r>
+              <a:rPr lang="en-US" sz="2000" b="1" dirty="0">
+                <a:latin typeface="Arial" panose="020B0604020202020204" pitchFamily="34" charset="0"/>
+                <a:cs typeface="Arial" panose="020B0604020202020204" pitchFamily="34" charset="0"/>
+              </a:rPr>
+              <a:t>Apple iPhone</a:t>
+            </a:r>
+          </a:p>
+        </p:txBody>
+      </p:sp>
+    </p:spTree>
+  </p:cSld>
+  <p:clrMapOvr>
+    <a:masterClrMapping/>
+  </p:clrMapOvr>
+  <mc:AlternateContent xmlns:mc="http://schemas.openxmlformats.org/markup-compatibility/2006" xmlns:p159="http://schemas.microsoft.com/office/powerpoint/2015/09/main">
+    <mc:Choice Requires="p159">
+      <p:transition xmlns:p14="http://schemas.microsoft.com/office/powerpoint/2010/main" spd="slow" p14:dur="2000" advTm="1155">
+        <p159:morph option="byObject"/>
+      </p:transition>
+    </mc:Choice>
+    <mc:Fallback xmlns="">
+      <p:transition spd="slow" advTm="1155">
+        <p:fade/>
+      </p:transition>
+    </mc:Fallback>
+  </mc:AlternateContent>
+  <p:timing>
+    <p:tnLst>
+      <p:par>
+        <p:cTn id="1" dur="indefinite" restart="never" nodeType="tmRoot">
+          <p:childTnLst>
+            <p:seq concurrent="1" nextAc="seek">
+              <p:cTn id="2" dur="indefinite" nodeType="mainSeq">
+                <p:childTnLst>
+                  <p:par>
+                    <p:cTn id="3" fill="hold">
+                      <p:stCondLst>
+                        <p:cond delay="indefinite"/>
+                      </p:stCondLst>
+                      <p:childTnLst>
+                        <p:par>
+                          <p:cTn id="4" fill="hold">
+                            <p:stCondLst>
+                              <p:cond delay="0"/>
+                            </p:stCondLst>
+                            <p:childTnLst>
+                              <p:par>
+                                <p:cTn id="5" presetID="39" presetClass="emph" presetSubtype="2" fill="hold" nodeType="clickEffect">
+                                  <p:stCondLst>
+                                    <p:cond delay="0"/>
+                                  </p:stCondLst>
+                                  <p:childTnLst>
+                                    <p:anim calcmode="lin" valueType="num">
+                                      <p:cBhvr additive="sum">
+                                        <p:cTn id="6" dur="2000" fill="hold"/>
+                                        <p:tgtEl>
+                                          <p:spTgt spid="8"/>
+                                        </p:tgtEl>
+                                      </p:cBhvr>
+                                      <p:tavLst>
+                                        <p:tav tm="0">
+                                          <p:val>
+                                            <p:fltVal val="0"/>
+                                          </p:val>
+                                        </p:tav>
+                                        <p:tav tm="1100">
+                                          <p:val>
+                                            <p:fltVal val="-0.0012"/>
+                                          </p:val>
+                                        </p:tav>
+                                        <p:tav tm="2300">
+                                          <p:val>
+                                            <p:fltVal val="-0.0098"/>
+                                          </p:val>
+                                        </p:tav>
+                                        <p:tav tm="3400">
+                                          <p:val>
+                                            <p:fltVal val="-0.033"/>
+                                          </p:val>
+                                        </p:tav>
+                                        <p:tav tm="4500">
+                                          <p:val>
+                                            <p:fltVal val="-0.0789"/>
+                                          </p:val>
+                                        </p:tav>
+                                        <p:tav tm="5600">
+                                          <p:val>
+                                            <p:fltVal val="-0.1548"/>
+                                          </p:val>
+                                        </p:tav>
+                                        <p:tav tm="6700">
+                                          <p:val>
+                                            <p:fltVal val="-0.267"/>
+                                          </p:val>
+                                        </p:tav>
+                                        <p:tav tm="7900">
+                                          <p:val>
+                                            <p:fltVal val="-0.4235"/>
+                                          </p:val>
+                                        </p:tav>
+                                        <p:tav tm="9000">
+                                          <p:val>
+                                            <p:fltVal val="-0.6337"/>
+                                          </p:val>
+                                        </p:tav>
+                                        <p:tav tm="10100">
+                                          <p:val>
+                                            <p:fltVal val="-0.9013"/>
+                                          </p:val>
+                                        </p:tav>
+                                        <p:tav tm="11200">
+                                          <p:val>
+                                            <p:fltVal val="-1.2353"/>
+                                          </p:val>
+                                        </p:tav>
+                                        <p:tav tm="12400">
+                                          <p:val>
+                                            <p:fltVal val="-1.647"/>
+                                          </p:val>
+                                        </p:tav>
+                                        <p:tav tm="13500">
+                                          <p:val>
+                                            <p:fltVal val="-2.0869"/>
+                                          </p:val>
+                                        </p:tav>
+                                        <p:tav tm="14600">
+                                          <p:val>
+                                            <p:fltVal val="-2.4538"/>
+                                          </p:val>
+                                        </p:tav>
+                                        <p:tav tm="15700">
+                                          <p:val>
+                                            <p:fltVal val="-2.7534"/>
+                                          </p:val>
+                                        </p:tav>
+                                        <p:tav tm="16900">
+                                          <p:val>
+                                            <p:fltVal val="-2.9876"/>
+                                          </p:val>
+                                        </p:tav>
+                                        <p:tav tm="18000">
+                                          <p:val>
+                                            <p:fltVal val="-3.1669"/>
+                                          </p:val>
+                                        </p:tav>
+                                        <p:tav tm="19100">
+                                          <p:val>
+                                            <p:fltVal val="-3.2996"/>
+                                          </p:val>
+                                        </p:tav>
+                                        <p:tav tm="20200">
+                                          <p:val>
+                                            <p:fltVal val="-3.3906"/>
+                                          </p:val>
+                                        </p:tav>
+                                        <p:tav tm="21400">
+                                          <p:val>
+                                            <p:fltVal val="-3.4488"/>
+                                          </p:val>
+                                        </p:tav>
+                                        <p:tav tm="22500">
+                                          <p:val>
+                                            <p:fltVal val="-3.4815"/>
+                                          </p:val>
+                                        </p:tav>
+                                        <p:tav tm="23600">
+                                          <p:val>
+                                            <p:fltVal val="-3.4961"/>
+                                          </p:val>
+                                        </p:tav>
+                                        <p:tav tm="24700">
+                                          <p:val>
+                                            <p:fltVal val="-3.4998"/>
+                                          </p:val>
+                                        </p:tav>
+                                        <p:tav tm="25800">
+                                          <p:val>
+                                            <p:fltVal val="-3.0301"/>
+                                          </p:val>
+                                        </p:tav>
+                                        <p:tav tm="27000">
+                                          <p:val>
+                                            <p:fltVal val="-0.9661"/>
+                                          </p:val>
+                                        </p:tav>
+                                        <p:tav tm="28100">
+                                          <p:val>
+                                            <p:fltVal val="2.1525"/>
+                                          </p:val>
+                                        </p:tav>
+                                        <p:tav tm="29200">
+                                          <p:val>
+                                            <p:fltVal val="6.1215"/>
+                                          </p:val>
+                                        </p:tav>
+                                        <p:tav tm="30300">
+                                          <p:val>
+                                            <p:fltVal val="10.8322"/>
+                                          </p:val>
+                                        </p:tav>
+                                        <p:tav tm="31500">
+                                          <p:val>
+                                            <p:fltVal val="16.2132"/>
+                                          </p:val>
+                                        </p:tav>
+                                        <p:tav tm="32600">
+                                          <p:val>
+                                            <p:fltVal val="22.2128"/>
+                                          </p:val>
+                                        </p:tav>
+                                        <p:tav tm="33700">
+                                          <p:val>
+                                            <p:fltVal val="28.7297"/>
+                                          </p:val>
+                                        </p:tav>
+                                        <p:tav tm="34800">
+                                          <p:val>
+                                            <p:fltVal val="35.8493"/>
+                                          </p:val>
+                                        </p:tav>
+                                        <p:tav tm="36000">
+                                          <p:val>
+                                            <p:fltVal val="43.4888"/>
+                                          </p:val>
+                                        </p:tav>
+                                        <p:tav tm="37100">
+                                          <p:val>
+                                            <p:fltVal val="51.6257"/>
+                                          </p:val>
+                                        </p:tav>
+                                        <p:tav tm="38200">
+                                          <p:val>
+                                            <p:fltVal val="60.2402"/>
+                                          </p:val>
+                                        </p:tav>
+                                        <p:tav tm="39300">
+                                          <p:val>
+                                            <p:fltVal val="69.3155"/>
+                                          </p:val>
+                                        </p:tav>
+                                        <p:tav tm="40500">
+                                          <p:val>
+                                            <p:fltVal val="78.8364"/>
+                                          </p:val>
+                                        </p:tav>
+                                        <p:tav tm="41600">
+                                          <p:val>
+                                            <p:fltVal val="88.6987"/>
+                                          </p:val>
+                                        </p:tav>
+                                        <p:tav tm="42700">
+                                          <p:val>
+                                            <p:fltVal val="99.0679"/>
+                                          </p:val>
+                                        </p:tav>
+                                        <p:tav tm="43800">
+                                          <p:val>
+                                            <p:fltVal val="109.8461"/>
+                                          </p:val>
+                                        </p:tav>
+                                        <p:tav tm="44900">
+                                          <p:val>
+                                            <p:fltVal val="121.0232"/>
+                                          </p:val>
+                                        </p:tav>
+                                        <p:tav tm="46100">
+                                          <p:val>
+                                            <p:fltVal val="132.5899"/>
+                                          </p:val>
+                                        </p:tav>
+                                        <p:tav tm="47200">
+                                          <p:val>
+                                            <p:fltVal val="144.5376"/>
+                                          </p:val>
+                                        </p:tav>
+                                        <p:tav tm="48300">
+                                          <p:val>
+                                            <p:fltVal val="156.85851"/>
+                                          </p:val>
+                                        </p:tav>
+                                        <p:tav tm="49400">
+                                          <p:val>
+                                            <p:fltVal val="169.43021"/>
+                                          </p:val>
+                                        </p:tav>
+                                        <p:tav tm="50600">
+                                          <p:val>
+                                            <p:fltVal val="182.34309"/>
+                                          </p:val>
+                                        </p:tav>
+                                        <p:tav tm="51700">
+                                          <p:val>
+                                            <p:fltVal val="195.1411"/>
+                                          </p:val>
+                                        </p:tav>
+                                        <p:tav tm="52800">
+                                          <p:val>
+                                            <p:fltVal val="207.6945"/>
+                                          </p:val>
+                                        </p:tav>
+                                        <p:tav tm="53900">
+                                          <p:val>
+                                            <p:fltVal val="219.77251"/>
+                                          </p:val>
+                                        </p:tav>
+                                        <p:tav tm="55100">
+                                          <p:val>
+                                            <p:fltVal val="231.4814"/>
+                                          </p:val>
+                                        </p:tav>
+                                        <p:tav tm="56200">
+                                          <p:val>
+                                            <p:fltVal val="242.91341"/>
+                                          </p:val>
+                                        </p:tav>
+                                        <p:tav tm="57300">
+                                          <p:val>
+                                            <p:fltVal val="253.8558"/>
+                                          </p:val>
+                                        </p:tav>
+                                        <p:tav tm="58400">
+                                          <p:val>
+                                            <p:fltVal val="264.40329"/>
+                                          </p:val>
+                                        </p:tav>
+                                        <p:tav tm="59600">
+                                          <p:val>
+                                            <p:fltVal val="274.63501"/>
+                                          </p:val>
+                                        </p:tav>
+                                        <p:tav tm="60700">
+                                          <p:val>
+                                            <p:fltVal val="284.35721"/>
+                                          </p:val>
+                                        </p:tav>
+                                        <p:tav tm="61800">
+                                          <p:val>
+                                            <p:fltVal val="293.6507"/>
+                                          </p:val>
+                                        </p:tav>
+                                        <p:tav tm="62900">
+                                          <p:val>
+                                            <p:fltVal val="302.57959"/>
+                                          </p:val>
+                                        </p:tav>
+                                        <p:tav tm="64000">
+                                          <p:val>
+                                            <p:fltVal val="310.96921"/>
+                                          </p:val>
+                                        </p:tav>
+                                        <p:tav tm="65200">
+                                          <p:val>
+                                            <p:fltVal val="318.88379"/>
+                                          </p:val>
+                                        </p:tav>
+                                        <p:tav tm="66300">
+                                          <p:val>
+                                            <p:fltVal val="326.36801"/>
+                                          </p:val>
+                                        </p:tav>
+                                        <p:tav tm="67400">
+                                          <p:val>
+                                            <p:fltVal val="333.26511"/>
+                                          </p:val>
+                                        </p:tav>
+                                        <p:tav tm="68500">
+                                          <p:val>
+                                            <p:fltVal val="339.6712"/>
+                                          </p:val>
+                                        </p:tav>
+                                        <p:tav tm="69700">
+                                          <p:val>
+                                            <p:fltVal val="345.43851"/>
+                                          </p:val>
+                                        </p:tav>
+                                        <p:tav tm="70800">
+                                          <p:val>
+                                            <p:fltVal val="350.58469"/>
+                                          </p:val>
+                                        </p:tav>
+                                        <p:tav tm="71900">
+                                          <p:val>
+                                            <p:fltVal val="355.09189"/>
+                                          </p:val>
+                                        </p:tav>
+                                        <p:tav tm="73000">
+                                          <p:val>
+                                            <p:fltVal val="358.80179"/>
+                                          </p:val>
+                                        </p:tav>
+                                        <p:tav tm="74200">
+                                          <p:val>
+                                            <p:fltVal val="361.63531"/>
+                                          </p:val>
+                                        </p:tav>
+                                        <p:tav tm="75300">
+                                          <p:val>
+                                            <p:fltVal val="363.345"/>
+                                          </p:val>
+                                        </p:tav>
+                                        <p:tav tm="76400">
+                                          <p:val>
+                                            <p:fltVal val="363.4978"/>
+                                          </p:val>
+                                        </p:tav>
+                                        <p:tav tm="77500">
+                                          <p:val>
+                                            <p:fltVal val="363.47061"/>
+                                          </p:val>
+                                        </p:tav>
+                                        <p:tav tm="78700">
+                                          <p:val>
+                                            <p:fltVal val="363.38339"/>
+                                          </p:val>
+                                        </p:tav>
+                                        <p:tav tm="79800">
+                                          <p:val>
+                                            <p:fltVal val="363.20349"/>
+                                          </p:val>
+                                        </p:tav>
+                                        <p:tav tm="80900">
+                                          <p:val>
+                                            <p:fltVal val="362.8963"/>
+                                          </p:val>
+                                        </p:tav>
+                                        <p:tav tm="82000">
+                                          <p:val>
+                                            <p:fltVal val="362.4227"/>
+                                          </p:val>
+                                        </p:tav>
+                                        <p:tav tm="83200">
+                                          <p:val>
+                                            <p:fltVal val="361.7569"/>
+                                          </p:val>
+                                        </p:tav>
+                                        <p:tav tm="84300">
+                                          <p:val>
+                                            <p:fltVal val="361.0874"/>
+                                          </p:val>
+                                        </p:tav>
+                                        <p:tav tm="85400">
+                                          <p:val>
+                                            <p:fltVal val="360.6105"/>
+                                          </p:val>
+                                        </p:tav>
+                                        <p:tav tm="86500">
+                                          <p:val>
+                                            <p:fltVal val="360.30069"/>
+                                          </p:val>
+                                        </p:tav>
+                                        <p:tav tm="87600">
+                                          <p:val>
+                                            <p:fltVal val="360.1188"/>
+                                          </p:val>
+                                        </p:tav>
+                                        <p:tav tm="88800">
+                                          <p:val>
+                                            <p:fltVal val="360.03021"/>
+                                          </p:val>
+                                        </p:tav>
+                                        <p:tav tm="89900">
+                                          <p:val>
+                                            <p:fltVal val="360.00229"/>
+                                          </p:val>
+                                        </p:tav>
+                                        <p:tav tm="91000">
+                                          <p:val>
+                                            <p:fltVal val="360"/>
+                                          </p:val>
+                                        </p:tav>
+                                        <p:tav tm="92100">
+                                          <p:val>
+                                            <p:fltVal val="360"/>
+                                          </p:val>
+                                        </p:tav>
+                                        <p:tav tm="93300">
+                                          <p:val>
+                                            <p:fltVal val="360"/>
+                                          </p:val>
+                                        </p:tav>
+                                        <p:tav tm="94400">
+                                          <p:val>
+                                            <p:fltVal val="360"/>
+                                          </p:val>
+                                        </p:tav>
+                                        <p:tav tm="95500">
+                                          <p:val>
+                                            <p:fltVal val="360"/>
+                                          </p:val>
+                                        </p:tav>
+                                        <p:tav tm="96600">
+                                          <p:val>
+                                            <p:fltVal val="360"/>
+                                          </p:val>
+                                        </p:tav>
+                                        <p:tav tm="97800">
+                                          <p:val>
+                                            <p:fltVal val="360"/>
+                                          </p:val>
+                                        </p:tav>
+                                        <p:tav tm="98900">
+                                          <p:val>
+                                            <p:fltVal val="360"/>
+                                          </p:val>
+                                        </p:tav>
+                                        <p:tav tm="100000">
+                                          <p:val>
+                                            <p:fltVal val="360"/>
+                                          </p:val>
+                                        </p:tav>
+                                      </p:tavLst>
+                                    </p:anim>
+                                    <p:anim calcmode="lin" valueType="num">
+                                      <p:cBhvr additive="sum">
+                                        <p:cTn id="7" dur="2000" fill="hold"/>
+                                        <p:tgtEl>
+                                          <p:spTgt spid="8"/>
+                                        </p:tgtEl>
+                                      </p:cBhvr>
+                                      <p:tavLst>
+                                        <p:tav tm="0">
+                                          <p:val>
+                                            <p:fltVal val="0"/>
+                                          </p:val>
+                                        </p:tav>
+                                        <p:tav tm="1100">
+                                          <p:val>
+                                            <p:fltVal val="0"/>
+                                          </p:val>
+                                        </p:tav>
+                                        <p:tav tm="2300">
+                                          <p:val>
+                                            <p:fltVal val="-10E-5"/>
+                                          </p:val>
+                                        </p:tav>
+                                        <p:tav tm="3400">
+                                          <p:val>
+                                            <p:fltVal val="-0.0004"/>
+                                          </p:val>
+                                        </p:tav>
+                                        <p:tav tm="4500">
+                                          <p:val>
+                                            <p:fltVal val="-0.0011"/>
+                                          </p:val>
+                                        </p:tav>
+                                        <p:tav tm="5600">
+                                          <p:val>
+                                            <p:fltVal val="-0.0021"/>
+                                          </p:val>
+                                        </p:tav>
+                                        <p:tav tm="6700">
+                                          <p:val>
+                                            <p:fltVal val="-0.0037"/>
+                                          </p:val>
+                                        </p:tav>
+                                        <p:tav tm="7900">
+                                          <p:val>
+                                            <p:fltVal val="-0.0059"/>
+                                          </p:val>
+                                        </p:tav>
+                                        <p:tav tm="9000">
+                                          <p:val>
+                                            <p:fltVal val="-0.0088"/>
+                                          </p:val>
+                                        </p:tav>
+                                        <p:tav tm="10100">
+                                          <p:val>
+                                            <p:fltVal val="-0.0125"/>
+                                          </p:val>
+                                        </p:tav>
+                                        <p:tav tm="11200">
+                                          <p:val>
+                                            <p:fltVal val="-0.0162"/>
+                                          </p:val>
+                                        </p:tav>
+                                        <p:tav tm="12400">
+                                          <p:val>
+                                            <p:fltVal val="-0.0191"/>
+                                          </p:val>
+                                        </p:tav>
+                                        <p:tav tm="13500">
+                                          <p:val>
+                                            <p:fltVal val="-0.0213"/>
+                                          </p:val>
+                                        </p:tav>
+                                        <p:tav tm="14600">
+                                          <p:val>
+                                            <p:fltVal val="-0.0228"/>
+                                          </p:val>
+                                        </p:tav>
+                                        <p:tav tm="15700">
+                                          <p:val>
+                                            <p:fltVal val="-0.0239"/>
+                                          </p:val>
+                                        </p:tav>
+                                        <p:tav tm="16900">
+                                          <p:val>
+                                            <p:fltVal val="-0.0245"/>
+                                          </p:val>
+                                        </p:tav>
+                                        <p:tav tm="18000">
+                                          <p:val>
+                                            <p:fltVal val="-0.0248"/>
+                                          </p:val>
+                                        </p:tav>
+                                        <p:tav tm="19100">
+                                          <p:val>
+                                            <p:fltVal val="-0.0249"/>
+                                          </p:val>
+                                        </p:tav>
+                                        <p:tav tm="20200">
+                                          <p:val>
+                                            <p:fltVal val="-0.0249"/>
+                                          </p:val>
+                                        </p:tav>
+                                        <p:tav tm="21400">
+                                          <p:val>
+                                            <p:fltVal val="-0.0248"/>
+                                          </p:val>
+                                        </p:tav>
+                                        <p:tav tm="22500">
+                                          <p:val>
+                                            <p:fltVal val="-0.0241"/>
+                                          </p:val>
+                                        </p:tav>
+                                        <p:tav tm="23600">
+                                          <p:val>
+                                            <p:fltVal val="-0.022"/>
+                                          </p:val>
+                                        </p:tav>
+                                        <p:tav tm="24700">
+                                          <p:val>
+                                            <p:fltVal val="-0.0179"/>
+                                          </p:val>
+                                        </p:tav>
+                                        <p:tav tm="25800">
+                                          <p:val>
+                                            <p:fltVal val="-0.0113"/>
+                                          </p:val>
+                                        </p:tav>
+                                        <p:tav tm="27000">
+                                          <p:val>
+                                            <p:fltVal val="-0.0013"/>
+                                          </p:val>
+                                        </p:tav>
+                                        <p:tav tm="28100">
+                                          <p:val>
+                                            <p:fltVal val="0.0124"/>
+                                          </p:val>
+                                        </p:tav>
+                                        <p:tav tm="29200">
+                                          <p:val>
+                                            <p:fltVal val="0.0309"/>
+                                          </p:val>
+                                        </p:tav>
+                                        <p:tav tm="30300">
+                                          <p:val>
+                                            <p:fltVal val="0.0546"/>
+                                          </p:val>
+                                        </p:tav>
+                                        <p:tav tm="31500">
+                                          <p:val>
+                                            <p:fltVal val="0.0842"/>
+                                          </p:val>
+                                        </p:tav>
+                                        <p:tav tm="32600">
+                                          <p:val>
+                                            <p:fltVal val="0.1204"/>
+                                          </p:val>
+                                        </p:tav>
+                                        <p:tav tm="33700">
+                                          <p:val>
+                                            <p:fltVal val="0.1634"/>
+                                          </p:val>
+                                        </p:tav>
+                                        <p:tav tm="34800">
+                                          <p:val>
+                                            <p:fltVal val="0.2145"/>
+                                          </p:val>
+                                        </p:tav>
+                                        <p:tav tm="36000">
+                                          <p:val>
+                                            <p:fltVal val="0.2711"/>
+                                          </p:val>
+                                        </p:tav>
+                                        <p:tav tm="37100">
+                                          <p:val>
+                                            <p:fltVal val="0.3207"/>
+                                          </p:val>
+                                        </p:tav>
+                                        <p:tav tm="38200">
+                                          <p:val>
+                                            <p:fltVal val="0.3625"/>
+                                          </p:val>
+                                        </p:tav>
+                                        <p:tav tm="39300">
+                                          <p:val>
+                                            <p:fltVal val="0.3973"/>
+                                          </p:val>
+                                        </p:tav>
+                                        <p:tav tm="40500">
+                                          <p:val>
+                                            <p:fltVal val="0.4256"/>
+                                          </p:val>
+                                        </p:tav>
+                                        <p:tav tm="41600">
+                                          <p:val>
+                                            <p:fltVal val="0.448"/>
+                                          </p:val>
+                                        </p:tav>
+                                        <p:tav tm="42700">
+                                          <p:val>
+                                            <p:fltVal val="0.4655"/>
+                                          </p:val>
+                                        </p:tav>
+                                        <p:tav tm="43800">
+                                          <p:val>
+                                            <p:fltVal val="0.4786"/>
+                                          </p:val>
+                                        </p:tav>
+                                        <p:tav tm="44900">
+                                          <p:val>
+                                            <p:fltVal val="0.4878"/>
+                                          </p:val>
+                                        </p:tav>
+                                        <p:tav tm="46100">
+                                          <p:val>
+                                            <p:fltVal val="0.4939"/>
+                                          </p:val>
+                                        </p:tav>
+                                        <p:tav tm="47200">
+                                          <p:val>
+                                            <p:fltVal val="0.4975"/>
+                                          </p:val>
+                                        </p:tav>
+                                        <p:tav tm="48300">
+                                          <p:val>
+                                            <p:fltVal val="0.4993"/>
+                                          </p:val>
+                                        </p:tav>
+                                        <p:tav tm="49400">
+                                          <p:val>
+                                            <p:fltVal val="0.4999"/>
+                                          </p:val>
+                                        </p:tav>
+                                        <p:tav tm="50600">
+                                          <p:val>
+                                            <p:fltVal val="0.4999"/>
+                                          </p:val>
+                                        </p:tav>
+                                        <p:tav tm="51700">
+                                          <p:val>
+                                            <p:fltVal val="0.4998"/>
+                                          </p:val>
+                                        </p:tav>
+                                        <p:tav tm="52800">
+                                          <p:val>
+                                            <p:fltVal val="0.4988"/>
+                                          </p:val>
+                                        </p:tav>
+                                        <p:tav tm="53900">
+                                          <p:val>
+                                            <p:fltVal val="0.4965"/>
+                                          </p:val>
+                                        </p:tav>
+                                        <p:tav tm="55100">
+                                          <p:val>
+                                            <p:fltVal val="0.4921"/>
+                                          </p:val>
+                                        </p:tav>
+                                        <p:tav tm="56200">
+                                          <p:val>
+                                            <p:fltVal val="0.485"/>
+                                          </p:val>
+                                        </p:tav>
+                                        <p:tav tm="57300">
+                                          <p:val>
+                                            <p:fltVal val="0.4746"/>
+                                          </p:val>
+                                        </p:tav>
+                                        <p:tav tm="58400">
+                                          <p:val>
+                                            <p:fltVal val="0.4603"/>
+                                          </p:val>
+                                        </p:tav>
+                                        <p:tav tm="59600">
+                                          <p:val>
+                                            <p:fltVal val="0.4411"/>
+                                          </p:val>
+                                        </p:tav>
+                                        <p:tav tm="60700">
+                                          <p:val>
+                                            <p:fltVal val="0.4169"/>
+                                          </p:val>
+                                        </p:tav>
+                                        <p:tav tm="61800">
+                                          <p:val>
+                                            <p:fltVal val="0.3868"/>
+                                          </p:val>
+                                        </p:tav>
+                                        <p:tav tm="62900">
+                                          <p:val>
+                                            <p:fltVal val="0.3499"/>
+                                          </p:val>
+                                        </p:tav>
+                                        <p:tav tm="64000">
+                                          <p:val>
+                                            <p:fltVal val="0.306"/>
+                                          </p:val>
+                                        </p:tav>
+                                        <p:tav tm="65200">
+                                          <p:val>
+                                            <p:fltVal val="0.2544"/>
+                                          </p:val>
+                                        </p:tav>
+                                        <p:tav tm="66300">
+                                          <p:val>
+                                            <p:fltVal val="0.1981"/>
+                                          </p:val>
+                                        </p:tav>
+                                        <p:tav tm="67400">
+                                          <p:val>
+                                            <p:fltVal val="0.1498"/>
+                                          </p:val>
+                                        </p:tav>
+                                        <p:tav tm="68500">
+                                          <p:val>
+                                            <p:fltVal val="0.1087"/>
+                                          </p:val>
+                                        </p:tav>
+                                        <p:tav tm="69700">
+                                          <p:val>
+                                            <p:fltVal val="0.0748"/>
+                                          </p:val>
+                                        </p:tav>
+                                        <p:tav tm="70800">
+                                          <p:val>
+                                            <p:fltVal val="0.0473"/>
+                                          </p:val>
+                                        </p:tav>
+                                        <p:tav tm="71900">
+                                          <p:val>
+                                            <p:fltVal val="0.0251"/>
+                                          </p:val>
+                                        </p:tav>
+                                        <p:tav tm="73000">
+                                          <p:val>
+                                            <p:fltVal val="0.0082"/>
+                                          </p:val>
+                                        </p:tav>
+                                        <p:tav tm="74200">
+                                          <p:val>
+                                            <p:fltVal val="-0.0044"/>
+                                          </p:val>
+                                        </p:tav>
+                                        <p:tav tm="75300">
+                                          <p:val>
+                                            <p:fltVal val="-0.0134"/>
+                                          </p:val>
+                                        </p:tav>
+                                        <p:tav tm="76400">
+                                          <p:val>
+                                            <p:fltVal val="-0.0192"/>
+                                          </p:val>
+                                        </p:tav>
+                                        <p:tav tm="77500">
+                                          <p:val>
+                                            <p:fltVal val="-0.0227"/>
+                                          </p:val>
+                                        </p:tav>
+                                        <p:tav tm="78700">
+                                          <p:val>
+                                            <p:fltVal val="-0.0244"/>
+                                          </p:val>
+                                        </p:tav>
+                                        <p:tav tm="79800">
+                                          <p:val>
+                                            <p:fltVal val="-0.0249"/>
+                                          </p:val>
+                                        </p:tav>
+                                        <p:tav tm="80900">
+                                          <p:val>
+                                            <p:fltVal val="-0.0249"/>
+                                          </p:val>
+                                        </p:tav>
+                                        <p:tav tm="82000">
+                                          <p:val>
+                                            <p:fltVal val="-0.0244"/>
+                                          </p:val>
+                                        </p:tav>
+                                        <p:tav tm="83200">
+                                          <p:val>
+                                            <p:fltVal val="-0.0219"/>
+                                          </p:val>
+                                        </p:tav>
+                                        <p:tav tm="84300">
+                                          <p:val>
+                                            <p:fltVal val="-0.0156"/>
+                                          </p:val>
+                                        </p:tav>
+                                        <p:tav tm="85400">
+                                          <p:val>
+                                            <p:fltVal val="-0.0039"/>
+                                          </p:val>
+                                        </p:tav>
+                                        <p:tav tm="86500">
+                                          <p:val>
+                                            <p:fltVal val="0.0104"/>
+                                          </p:val>
+                                        </p:tav>
+                                        <p:tav tm="87600">
+                                          <p:val>
+                                            <p:fltVal val="0.0192"/>
+                                          </p:val>
+                                        </p:tav>
+                                        <p:tav tm="88800">
+                                          <p:val>
+                                            <p:fltVal val="0.0235"/>
+                                          </p:val>
+                                        </p:tav>
+                                        <p:tav tm="89900">
+                                          <p:val>
+                                            <p:fltVal val="0.0248"/>
+                                          </p:val>
+                                        </p:tav>
+                                        <p:tav tm="91000">
+                                          <p:val>
+                                            <p:fltVal val="0.0249"/>
+                                          </p:val>
+                                        </p:tav>
+                                        <p:tav tm="92100">
+                                          <p:val>
+                                            <p:fltVal val="0.0247"/>
+                                          </p:val>
+                                        </p:tav>
+                                        <p:tav tm="93300">
+                                          <p:val>
+                                            <p:fltVal val="0.0234"/>
+                                          </p:val>
+                                        </p:tav>
+                                        <p:tav tm="94400">
+                                          <p:val>
+                                            <p:fltVal val="0.0202"/>
+                                          </p:val>
+                                        </p:tav>
+                                        <p:tav tm="95500">
+                                          <p:val>
+                                            <p:fltVal val="0.0143"/>
+                                          </p:val>
+                                        </p:tav>
+                                        <p:tav tm="96600">
+                                          <p:val>
+                                            <p:fltVal val="0.0071"/>
+                                          </p:val>
+                                        </p:tav>
+                                        <p:tav tm="97800">
+                                          <p:val>
+                                            <p:fltVal val="0.0027"/>
+                                          </p:val>
+                                        </p:tav>
+                                        <p:tav tm="98900">
+                                          <p:val>
+                                            <p:fltVal val="0.0007"/>
+                                          </p:val>
+                                        </p:tav>
+                                        <p:tav tm="100000">
+                                          <p:val>
+                                            <p:fltVal val="0"/>
+                                          </p:val>
+                                        </p:tav>
+                                      </p:tavLst>
+                                    </p:anim>
+                                    <p:anim calcmode="lin" valueType="num">
+                                      <p:cBhvr additive="mult">
+                                        <p:cTn id="8" dur="2000" fill="hold"/>
+                                        <p:tgtEl>
+                                          <p:spTgt spid="8"/>
+                                        </p:tgtEl>
+                                      </p:cBhvr>
+                                      <p:tavLst>
+                                        <p:tav tm="0">
+                                          <p:val>
+                                            <p:fltVal val="1"/>
+                                          </p:val>
+                                        </p:tav>
+                                        <p:tav tm="1100">
+                                          <p:val>
+                                            <p:fltVal val="1"/>
+                                          </p:val>
+                                        </p:tav>
+                                        <p:tav tm="2300">
+                                          <p:val>
+                                            <p:fltVal val="1.0002"/>
+                                          </p:val>
+                                        </p:tav>
+                                        <p:tav tm="3400">
+                                          <p:val>
+                                            <p:fltVal val="1.0009"/>
+                                          </p:val>
+                                        </p:tav>
+                                        <p:tav tm="4500">
+                                          <p:val>
+                                            <p:fltVal val="1.0023"/>
+                                          </p:val>
+                                        </p:tav>
+                                        <p:tav tm="5600">
+                                          <p:val>
+                                            <p:fltVal val="1.0046"/>
+                                          </p:val>
+                                        </p:tav>
+                                        <p:tav tm="6700">
+                                          <p:val>
+                                            <p:fltVal val="1.008"/>
+                                          </p:val>
+                                        </p:tav>
+                                        <p:tav tm="7900">
+                                          <p:val>
+                                            <p:fltVal val="1.0127"/>
+                                          </p:val>
+                                        </p:tav>
+                                        <p:tav tm="9000">
+                                          <p:val>
+                                            <p:fltVal val="1.019"/>
+                                          </p:val>
+                                        </p:tav>
+                                        <p:tav tm="10100">
+                                          <p:val>
+                                            <p:fltVal val="1.0271"/>
+                                          </p:val>
+                                        </p:tav>
+                                        <p:tav tm="11200">
+                                          <p:val>
+                                            <p:fltVal val="1.0351"/>
+                                          </p:val>
+                                        </p:tav>
+                                        <p:tav tm="12400">
+                                          <p:val>
+                                            <p:fltVal val="1.0414"/>
+                                          </p:val>
+                                        </p:tav>
+                                        <p:tav tm="13500">
+                                          <p:val>
+                                            <p:fltVal val="1.046"/>
+                                          </p:val>
+                                        </p:tav>
+                                        <p:tav tm="14600">
+                                          <p:val>
+                                            <p:fltVal val="1.0494"/>
+                                          </p:val>
+                                        </p:tav>
+                                        <p:tav tm="15700">
+                                          <p:val>
+                                            <p:fltVal val="1.0516"/>
+                                          </p:val>
+                                        </p:tav>
+                                        <p:tav tm="16900">
+                                          <p:val>
+                                            <p:fltVal val="1.053"/>
+                                          </p:val>
+                                        </p:tav>
+                                        <p:tav tm="18000">
+                                          <p:val>
+                                            <p:fltVal val="1.0537"/>
+                                          </p:val>
+                                        </p:tav>
+                                        <p:tav tm="19100">
+                                          <p:val>
+                                            <p:fltVal val="1.0539"/>
+                                          </p:val>
+                                        </p:tav>
+                                        <p:tav tm="20200">
+                                          <p:val>
+                                            <p:fltVal val="1.054"/>
+                                          </p:val>
+                                        </p:tav>
+                                        <p:tav tm="21400">
+                                          <p:val>
+                                            <p:fltVal val="1.0536"/>
+                                          </p:val>
+                                        </p:tav>
+                                        <p:tav tm="22500">
+                                          <p:val>
+                                            <p:fltVal val="1.0515"/>
+                                          </p:val>
+                                        </p:tav>
+                                        <p:tav tm="23600">
+                                          <p:val>
+                                            <p:fltVal val="1.0457"/>
+                                          </p:val>
+                                        </p:tav>
+                                        <p:tav tm="24700">
+                                          <p:val>
+                                            <p:fltVal val="1.0344"/>
+                                          </p:val>
+                                        </p:tav>
+                                        <p:tav tm="25800">
+                                          <p:val>
+                                            <p:fltVal val="1.0183"/>
+                                          </p:val>
+                                        </p:tav>
+                                        <p:tav tm="27000">
+                                          <p:val>
+                                            <p:fltVal val="1.0076"/>
+                                          </p:val>
+                                        </p:tav>
+                                        <p:tav tm="28100">
+                                          <p:val>
+                                            <p:fltVal val="1.0021"/>
+                                          </p:val>
+                                        </p:tav>
+                                        <p:tav tm="29200">
+                                          <p:val>
+                                            <p:fltVal val="1.0002"/>
+                                          </p:val>
+                                        </p:tav>
+                                        <p:tav tm="30300">
+                                          <p:val>
+                                            <p:fltVal val="1"/>
+                                          </p:val>
+                                        </p:tav>
+                                        <p:tav tm="31500">
+                                          <p:val>
+                                            <p:fltVal val="1"/>
+                                          </p:val>
+                                        </p:tav>
+                                        <p:tav tm="32600">
+                                          <p:val>
+                                            <p:fltVal val="1"/>
+                                          </p:val>
+                                        </p:tav>
+                                        <p:tav tm="33700">
+                                          <p:val>
+                                            <p:fltVal val="1"/>
+                                          </p:val>
+                                        </p:tav>
+                                        <p:tav tm="34800">
+                                          <p:val>
+                                            <p:fltVal val="1"/>
+                                          </p:val>
+                                        </p:tav>
+                                        <p:tav tm="36000">
+                                          <p:val>
+                                            <p:fltVal val="1"/>
+                                          </p:val>
+                                        </p:tav>
+                                        <p:tav tm="37100">
+                                          <p:val>
+                                            <p:fltVal val="1"/>
+                                          </p:val>
+                                        </p:tav>
+                                        <p:tav tm="38200">
+                                          <p:val>
+                                            <p:fltVal val="1"/>
+                                          </p:val>
+                                        </p:tav>
+                                        <p:tav tm="39300">
+                                          <p:val>
+                                            <p:fltVal val="1"/>
+                                          </p:val>
+                                        </p:tav>
+                                        <p:tav tm="40500">
+                                          <p:val>
+                                            <p:fltVal val="1"/>
+                                          </p:val>
+                                        </p:tav>
+                                        <p:tav tm="41600">
+                                          <p:val>
+                                            <p:fltVal val="1"/>
+                                          </p:val>
+                                        </p:tav>
+                                        <p:tav tm="42700">
+                                          <p:val>
+                                            <p:fltVal val="1"/>
+                                          </p:val>
+                                        </p:tav>
+                                        <p:tav tm="43800">
+                                          <p:val>
+                                            <p:fltVal val="1"/>
+                                          </p:val>
+                                        </p:tav>
+                                        <p:tav tm="44900">
+                                          <p:val>
+                                            <p:fltVal val="1"/>
+                                          </p:val>
+                                        </p:tav>
+                                        <p:tav tm="46100">
+                                          <p:val>
+                                            <p:fltVal val="1"/>
+                                          </p:val>
+                                        </p:tav>
+                                        <p:tav tm="47200">
+                                          <p:val>
+                                            <p:fltVal val="1"/>
+                                          </p:val>
+                                        </p:tav>
+                                        <p:tav tm="48300">
+                                          <p:val>
+                                            <p:fltVal val="1"/>
+                                          </p:val>
+                                        </p:tav>
+                                        <p:tav tm="49400">
+                                          <p:val>
+                                            <p:fltVal val="1"/>
+                                          </p:val>
+                                        </p:tav>
+                                        <p:tav tm="50600">
+                                          <p:val>
+                                            <p:fltVal val="1"/>
+                                          </p:val>
+                                        </p:tav>
+                                        <p:tav tm="51700">
+                                          <p:val>
+                                            <p:fltVal val="1"/>
+                                          </p:val>
+                                        </p:tav>
+                                        <p:tav tm="52800">
+                                          <p:val>
+                                            <p:fltVal val="1"/>
+                                          </p:val>
+                                        </p:tav>
+                                        <p:tav tm="53900">
+                                          <p:val>
+                                            <p:fltVal val="1"/>
+                                          </p:val>
+                                        </p:tav>
+                                        <p:tav tm="55100">
+                                          <p:val>
+                                            <p:fltVal val="1"/>
+                                          </p:val>
+                                        </p:tav>
+                                        <p:tav tm="56200">
+                                          <p:val>
+                                            <p:fltVal val="1"/>
+                                          </p:val>
+                                        </p:tav>
+                                        <p:tav tm="57300">
+                                          <p:val>
+                                            <p:fltVal val="1"/>
+                                          </p:val>
+                                        </p:tav>
+                                        <p:tav tm="58400">
+                                          <p:val>
+                                            <p:fltVal val="1"/>
+                                          </p:val>
+                                        </p:tav>
+                                        <p:tav tm="59600">
+                                          <p:val>
+                                            <p:fltVal val="1"/>
+                                          </p:val>
+                                        </p:tav>
+                                        <p:tav tm="60700">
+                                          <p:val>
+                                            <p:fltVal val="1"/>
+                                          </p:val>
+                                        </p:tav>
+                                        <p:tav tm="61800">
+                                          <p:val>
+                                            <p:fltVal val="1"/>
+                                          </p:val>
+                                        </p:tav>
+                                        <p:tav tm="62900">
+                                          <p:val>
+                                            <p:fltVal val="1"/>
+                                          </p:val>
+                                        </p:tav>
+                                        <p:tav tm="64000">
+                                          <p:val>
+                                            <p:fltVal val="1"/>
+                                          </p:val>
+                                        </p:tav>
+                                        <p:tav tm="65200">
+                                          <p:val>
+                                            <p:fltVal val="1"/>
+                                          </p:val>
+                                        </p:tav>
+                                        <p:tav tm="66300">
+                                          <p:val>
+                                            <p:fltVal val="1"/>
+                                          </p:val>
+                                        </p:tav>
+                                        <p:tav tm="67400">
+                                          <p:val>
+                                            <p:fltVal val="1"/>
+                                          </p:val>
+                                        </p:tav>
+                                        <p:tav tm="68500">
+                                          <p:val>
+                                            <p:fltVal val="1.0006"/>
+                                          </p:val>
+                                        </p:tav>
+                                        <p:tav tm="69700">
+                                          <p:val>
+                                            <p:fltVal val="1.0024"/>
+                                          </p:val>
+                                        </p:tav>
+                                        <p:tav tm="70800">
+                                          <p:val>
+                                            <p:fltVal val="1.006"/>
+                                          </p:val>
+                                        </p:tav>
+                                        <p:tav tm="71900">
+                                          <p:val>
+                                            <p:fltVal val="1.0121"/>
+                                          </p:val>
+                                        </p:tav>
+                                        <p:tav tm="73000">
+                                          <p:val>
+                                            <p:fltVal val="1.0213"/>
+                                          </p:val>
+                                        </p:tav>
+                                        <p:tav tm="74200">
+                                          <p:val>
+                                            <p:fltVal val="1.0331"/>
+                                          </p:val>
+                                        </p:tav>
+                                        <p:tav tm="75300">
+                                          <p:val>
+                                            <p:fltVal val="1.0422"/>
+                                          </p:val>
+                                        </p:tav>
+                                        <p:tav tm="76400">
+                                          <p:val>
+                                            <p:fltVal val="1.0482"/>
+                                          </p:val>
+                                        </p:tav>
+                                        <p:tav tm="77500">
+                                          <p:val>
+                                            <p:fltVal val="1.0516"/>
+                                          </p:val>
+                                        </p:tav>
+                                        <p:tav tm="78700">
+                                          <p:val>
+                                            <p:fltVal val="1.0534"/>
+                                          </p:val>
+                                        </p:tav>
+                                        <p:tav tm="79800">
+                                          <p:val>
+                                            <p:fltVal val="1.0539"/>
+                                          </p:val>
+                                        </p:tav>
+                                        <p:tav tm="80900">
+                                          <p:val>
+                                            <p:fltVal val="1.0539"/>
+                                          </p:val>
+                                        </p:tav>
+                                        <p:tav tm="82000">
+                                          <p:val>
+                                            <p:fltVal val="1.0534"/>
+                                          </p:val>
+                                        </p:tav>
+                                        <p:tav tm="83200">
+                                          <p:val>
+                                            <p:fltVal val="1.0506"/>
+                                          </p:val>
+                                        </p:tav>
+                                        <p:tav tm="84300">
+                                          <p:val>
+                                            <p:fltVal val="1.0439"/>
+                                          </p:val>
+                                        </p:tav>
+                                        <p:tav tm="85400">
+                                          <p:val>
+                                            <p:fltVal val="1.0312"/>
+                                          </p:val>
+                                        </p:tav>
+                                        <p:tav tm="86500">
+                                          <p:val>
+                                            <p:fltVal val="1.0156"/>
+                                          </p:val>
+                                        </p:tav>
+                                        <p:tav tm="87600">
+                                          <p:val>
+                                            <p:fltVal val="1.0061"/>
+                                          </p:val>
+                                        </p:tav>
+                                        <p:tav tm="88800">
+                                          <p:val>
+                                            <p:fltVal val="1.0015"/>
+                                          </p:val>
+                                        </p:tav>
+                                        <p:tav tm="89900">
+                                          <p:val>
+                                            <p:fltVal val="1.0001"/>
+                                          </p:val>
+                                        </p:tav>
+                                        <p:tav tm="91000">
+                                          <p:val>
+                                            <p:fltVal val="1"/>
+                                          </p:val>
+                                        </p:tav>
+                                        <p:tav tm="92100">
+                                          <p:val>
+                                            <p:fltVal val="1"/>
+                                          </p:val>
+                                        </p:tav>
+                                        <p:tav tm="93300">
+                                          <p:val>
+                                            <p:fltVal val="1"/>
+                                          </p:val>
+                                        </p:tav>
+                                        <p:tav tm="94400">
+                                          <p:val>
+                                            <p:fltVal val="1"/>
+                                          </p:val>
+                                        </p:tav>
+                                        <p:tav tm="95500">
+                                          <p:val>
+                                            <p:fltVal val="1"/>
+                                          </p:val>
+                                        </p:tav>
+                                        <p:tav tm="96600">
+                                          <p:val>
+                                            <p:fltVal val="1"/>
+                                          </p:val>
+                                        </p:tav>
+                                        <p:tav tm="97800">
+                                          <p:val>
+                                            <p:fltVal val="1"/>
+                                          </p:val>
+                                        </p:tav>
+                                        <p:tav tm="98900">
+                                          <p:val>
+                                            <p:fltVal val="1"/>
+                                          </p:val>
+                                        </p:tav>
+                                        <p:tav tm="100000">
+                                          <p:val>
+                                            <p:fltVal val="1"/>
+                                          </p:val>
+                                        </p:tav>
+                                      </p:tavLst>
+                                    </p:anim>
+                                    <p:anim calcmode="lin" valueType="num">
+                                      <p:cBhvr additive="mult">
+                                        <p:cTn id="9" dur="2000" fill="hold"/>
+                                        <p:tgtEl>
+                                          <p:spTgt spid="8"/>
+                                        </p:tgtEl>
+                                      </p:cBhvr>
+                                      <p:tavLst>
+                                        <p:tav tm="0">
+                                          <p:val>
+                                            <p:fltVal val="1"/>
+                                          </p:val>
+                                        </p:tav>
+                                        <p:tav tm="1100">
+                                          <p:val>
+                                            <p:fltVal val="0.9999"/>
+                                          </p:val>
+                                        </p:tav>
+                                        <p:tav tm="2300">
+                                          <p:val>
+                                            <p:fltVal val="0.9994"/>
+                                          </p:val>
+                                        </p:tav>
+                                        <p:tav tm="3400">
+                                          <p:val>
+                                            <p:fltVal val="0.9981"/>
+                                          </p:val>
+                                        </p:tav>
+                                        <p:tav tm="4500">
+                                          <p:val>
+                                            <p:fltVal val="0.9955"/>
+                                          </p:val>
+                                        </p:tav>
+                                        <p:tav tm="5600">
+                                          <p:val>
+                                            <p:fltVal val="0.9913"/>
+                                          </p:val>
+                                        </p:tav>
+                                        <p:tav tm="6700">
+                                          <p:val>
+                                            <p:fltVal val="0.985"/>
+                                          </p:val>
+                                        </p:tav>
+                                        <p:tav tm="7900">
+                                          <p:val>
+                                            <p:fltVal val="0.9763"/>
+                                          </p:val>
+                                        </p:tav>
+                                        <p:tav tm="9000">
+                                          <p:val>
+                                            <p:fltVal val="0.9646"/>
+                                          </p:val>
+                                        </p:tav>
+                                        <p:tav tm="10100">
+                                          <p:val>
+                                            <p:fltVal val="0.9497"/>
+                                          </p:val>
+                                        </p:tav>
+                                        <p:tav tm="11200">
+                                          <p:val>
+                                            <p:fltVal val="0.9348"/>
+                                          </p:val>
+                                        </p:tav>
+                                        <p:tav tm="12400">
+                                          <p:val>
+                                            <p:fltVal val="0.9232"/>
+                                          </p:val>
+                                        </p:tav>
+                                        <p:tav tm="13500">
+                                          <p:val>
+                                            <p:fltVal val="0.9146"/>
+                                          </p:val>
+                                        </p:tav>
+                                        <p:tav tm="14600">
+                                          <p:val>
+                                            <p:fltVal val="0.9084"/>
+                                          </p:val>
+                                        </p:tav>
+                                        <p:tav tm="15700">
+                                          <p:val>
+                                            <p:fltVal val="0.9042"/>
+                                          </p:val>
+                                        </p:tav>
+                                        <p:tav tm="16900">
+                                          <p:val>
+                                            <p:fltVal val="0.9017"/>
+                                          </p:val>
+                                        </p:tav>
+                                        <p:tav tm="18000">
+                                          <p:val>
+                                            <p:fltVal val="0.9005"/>
+                                          </p:val>
+                                        </p:tav>
+                                        <p:tav tm="19100">
+                                          <p:val>
+                                            <p:fltVal val="0.9"/>
+                                          </p:val>
+                                        </p:tav>
+                                        <p:tav tm="20200">
+                                          <p:val>
+                                            <p:fltVal val="0.8999"/>
+                                          </p:val>
+                                        </p:tav>
+                                        <p:tav tm="21400">
+                                          <p:val>
+                                            <p:fltVal val="0.9006"/>
+                                          </p:val>
+                                        </p:tav>
+                                        <p:tav tm="22500">
+                                          <p:val>
+                                            <p:fltVal val="0.9046"/>
+                                          </p:val>
+                                        </p:tav>
+                                        <p:tav tm="23600">
+                                          <p:val>
+                                            <p:fltVal val="0.9153"/>
+                                          </p:val>
+                                        </p:tav>
+                                        <p:tav tm="24700">
+                                          <p:val>
+                                            <p:fltVal val="0.9362"/>
+                                          </p:val>
+                                        </p:tav>
+                                        <p:tav tm="25800">
+                                          <p:val>
+                                            <p:fltVal val="0.9659"/>
+                                          </p:val>
+                                        </p:tav>
+                                        <p:tav tm="27000">
+                                          <p:val>
+                                            <p:fltVal val="0.9858"/>
+                                          </p:val>
+                                        </p:tav>
+                                        <p:tav tm="28100">
+                                          <p:val>
+                                            <p:fltVal val="0.9959"/>
+                                          </p:val>
+                                        </p:tav>
+                                        <p:tav tm="29200">
+                                          <p:val>
+                                            <p:fltVal val="0.9995"/>
+                                          </p:val>
+                                        </p:tav>
+                                        <p:tav tm="30300">
+                                          <p:val>
+                                            <p:fltVal val="1"/>
+                                          </p:val>
+                                        </p:tav>
+                                        <p:tav tm="31500">
+                                          <p:val>
+                                            <p:fltVal val="1"/>
+                                          </p:val>
+                                        </p:tav>
+                                        <p:tav tm="32600">
+                                          <p:val>
+                                            <p:fltVal val="1"/>
+                                          </p:val>
+                                        </p:tav>
+                                        <p:tav tm="33700">
+                                          <p:val>
+                                            <p:fltVal val="1"/>
+                                          </p:val>
+                                        </p:tav>
+                                        <p:tav tm="34800">
+                                          <p:val>
+                                            <p:fltVal val="1"/>
+                                          </p:val>
+                                        </p:tav>
+                                        <p:tav tm="36000">
+                                          <p:val>
+                                            <p:fltVal val="1"/>
+                                          </p:val>
+                                        </p:tav>
+                                        <p:tav tm="37100">
+                                          <p:val>
+                                            <p:fltVal val="1"/>
+                                          </p:val>
+                                        </p:tav>
+                                        <p:tav tm="38200">
+                                          <p:val>
+                                            <p:fltVal val="1"/>
+                                          </p:val>
+                                        </p:tav>
+                                        <p:tav tm="39300">
+                                          <p:val>
+                                            <p:fltVal val="1"/>
+                                          </p:val>
+                                        </p:tav>
+                                        <p:tav tm="40500">
+                                          <p:val>
+                                            <p:fltVal val="1"/>
+                                          </p:val>
+                                        </p:tav>
+                                        <p:tav tm="41600">
+                                          <p:val>
+                                            <p:fltVal val="1"/>
+                                          </p:val>
+                                        </p:tav>
+                                        <p:tav tm="42700">
+                                          <p:val>
+                                            <p:fltVal val="1"/>
+                                          </p:val>
+                                        </p:tav>
+                                        <p:tav tm="43800">
+                                          <p:val>
+                                            <p:fltVal val="1"/>
+                                          </p:val>
+                                        </p:tav>
+                                        <p:tav tm="44900">
+                                          <p:val>
+                                            <p:fltVal val="1"/>
+                                          </p:val>
+                                        </p:tav>
+                                        <p:tav tm="46100">
+                                          <p:val>
+                                            <p:fltVal val="1"/>
+                                          </p:val>
+                                        </p:tav>
+                                        <p:tav tm="47200">
+                                          <p:val>
+                                            <p:fltVal val="1"/>
+                                          </p:val>
+                                        </p:tav>
+                                        <p:tav tm="48300">
+                                          <p:val>
+                                            <p:fltVal val="1"/>
+                                          </p:val>
+                                        </p:tav>
+                                        <p:tav tm="49400">
+                                          <p:val>
+                                            <p:fltVal val="1"/>
+                                          </p:val>
+                                        </p:tav>
+                                        <p:tav tm="50600">
+                                          <p:val>
+                                            <p:fltVal val="1"/>
+                                          </p:val>
+                                        </p:tav>
+                                        <p:tav tm="51700">
+                                          <p:val>
+                                            <p:fltVal val="1"/>
+                                          </p:val>
+                                        </p:tav>
+                                        <p:tav tm="52800">
+                                          <p:val>
+                                            <p:fltVal val="1"/>
+                                          </p:val>
+                                        </p:tav>
+                                        <p:tav tm="53900">
+                                          <p:val>
+                                            <p:fltVal val="1"/>
+                                          </p:val>
+                                        </p:tav>
+                                        <p:tav tm="55100">
+                                          <p:val>
+                                            <p:fltVal val="1"/>
+                                          </p:val>
+                                        </p:tav>
+                                        <p:tav tm="56200">
+                                          <p:val>
+                                            <p:fltVal val="1"/>
+                                          </p:val>
+                                        </p:tav>
+                                        <p:tav tm="57300">
+                                          <p:val>
+                                            <p:fltVal val="1"/>
+                                          </p:val>
+                                        </p:tav>
+                                        <p:tav tm="58400">
+                                          <p:val>
+                                            <p:fltVal val="1"/>
+                                          </p:val>
+                                        </p:tav>
+                                        <p:tav tm="59600">
+                                          <p:val>
+                                            <p:fltVal val="1"/>
+                                          </p:val>
+                                        </p:tav>
+                                        <p:tav tm="60700">
+                                          <p:val>
+                                            <p:fltVal val="1"/>
+                                          </p:val>
+                                        </p:tav>
+                                        <p:tav tm="61800">
+                                          <p:val>
+                                            <p:fltVal val="1"/>
+                                          </p:val>
+                                        </p:tav>
+                                        <p:tav tm="62900">
+                                          <p:val>
+                                            <p:fltVal val="1"/>
+                                          </p:val>
+                                        </p:tav>
+                                        <p:tav tm="64000">
+                                          <p:val>
+                                            <p:fltVal val="1"/>
+                                          </p:val>
+                                        </p:tav>
+                                        <p:tav tm="65200">
+                                          <p:val>
+                                            <p:fltVal val="1"/>
+                                          </p:val>
+                                        </p:tav>
+                                        <p:tav tm="66300">
+                                          <p:val>
+                                            <p:fltVal val="1"/>
+                                          </p:val>
+                                        </p:tav>
+                                        <p:tav tm="67400">
+                                          <p:val>
+                                            <p:fltVal val="0.9998"/>
+                                          </p:val>
+                                        </p:tav>
+                                        <p:tav tm="68500">
+                                          <p:val>
+                                            <p:fltVal val="0.9987"/>
+                                          </p:val>
+                                        </p:tav>
+                                        <p:tav tm="69700">
+                                          <p:val>
+                                            <p:fltVal val="0.9955"/>
+                                          </p:val>
+                                        </p:tav>
+                                        <p:tav tm="70800">
+                                          <p:val>
+                                            <p:fltVal val="0.9888"/>
+                                          </p:val>
+                                        </p:tav>
+                                        <p:tav tm="71900">
+                                          <p:val>
+                                            <p:fltVal val="0.9775"/>
+                                          </p:val>
+                                        </p:tav>
+                                        <p:tav tm="73000">
+                                          <p:val>
+                                            <p:fltVal val="0.9605"/>
+                                          </p:val>
+                                        </p:tav>
+                                        <p:tav tm="74200">
+                                          <p:val>
+                                            <p:fltVal val="0.9385"/>
+                                          </p:val>
+                                        </p:tav>
+                                        <p:tav tm="75300">
+                                          <p:val>
+                                            <p:fltVal val="0.9217"/>
+                                          </p:val>
+                                        </p:tav>
+                                        <p:tav tm="76400">
+                                          <p:val>
+                                            <p:fltVal val="0.9107"/>
+                                          </p:val>
+                                        </p:tav>
+                                        <p:tav tm="77500">
+                                          <p:val>
+                                            <p:fltVal val="0.9042"/>
+                                          </p:val>
+                                        </p:tav>
+                                        <p:tav tm="78700">
+                                          <p:val>
+                                            <p:fltVal val="0.901"/>
+                                          </p:val>
+                                        </p:tav>
+                                        <p:tav tm="79800">
+                                          <p:val>
+                                            <p:fltVal val="0.9"/>
+                                          </p:val>
+                                        </p:tav>
+                                        <p:tav tm="80900">
+                                          <p:val>
+                                            <p:fltVal val="0.9"/>
+                                          </p:val>
+                                        </p:tav>
+                                        <p:tav tm="82000">
+                                          <p:val>
+                                            <p:fltVal val="0.901"/>
+                                          </p:val>
+                                        </p:tav>
+                                        <p:tav tm="83200">
+                                          <p:val>
+                                            <p:fltVal val="0.9061"/>
+                                          </p:val>
+                                        </p:tav>
+                                        <p:tav tm="84300">
+                                          <p:val>
+                                            <p:fltVal val="0.9186"/>
+                                          </p:val>
+                                        </p:tav>
+                                        <p:tav tm="85400">
+                                          <p:val>
+                                            <p:fltVal val="0.942"/>
+                                          </p:val>
+                                        </p:tav>
+                                        <p:tav tm="86500">
+                                          <p:val>
+                                            <p:fltVal val="0.9709"/>
+                                          </p:val>
+                                        </p:tav>
+                                        <p:tav tm="87600">
+                                          <p:val>
+                                            <p:fltVal val="0.9885"/>
+                                          </p:val>
+                                        </p:tav>
+                                        <p:tav tm="88800">
+                                          <p:val>
+                                            <p:fltVal val="0.997"/>
+                                          </p:val>
+                                        </p:tav>
+                                        <p:tav tm="89900">
+                                          <p:val>
+                                            <p:fltVal val="0.9997"/>
+                                          </p:val>
+                                        </p:tav>
+                                        <p:tav tm="91000">
+                                          <p:val>
+                                            <p:fltVal val="1"/>
+                                          </p:val>
+                                        </p:tav>
+                                        <p:tav tm="92100">
+                                          <p:val>
+                                            <p:fltVal val="1"/>
+                                          </p:val>
+                                        </p:tav>
+                                        <p:tav tm="93300">
+                                          <p:val>
+                                            <p:fltVal val="1"/>
+                                          </p:val>
+                                        </p:tav>
+                                        <p:tav tm="94400">
+                                          <p:val>
+                                            <p:fltVal val="1"/>
+                                          </p:val>
+                                        </p:tav>
+                                        <p:tav tm="95500">
+                                          <p:val>
+                                            <p:fltVal val="1"/>
+                                          </p:val>
+                                        </p:tav>
+                                        <p:tav tm="96600">
+                                          <p:val>
+                                            <p:fltVal val="1"/>
+                                          </p:val>
+                                        </p:tav>
+                                        <p:tav tm="97800">
+                                          <p:val>
+                                            <p:fltVal val="1"/>
+                                          </p:val>
+                                        </p:tav>
+                                        <p:tav tm="98900">
+                                          <p:val>
+                                            <p:fltVal val="1"/>
+                                          </p:val>
+                                        </p:tav>
+                                        <p:tav tm="100000">
+                                          <p:val>
+                                            <p:fltVal val="1"/>
+                                          </p:val>
+                                        </p:tav>
+                                      </p:tavLst>
+                                    </p:anim>
+                                    <p:anim calcmode="lin" valueType="num">
+                                      <p:cBhvr additive="mult">
+                                        <p:cTn id="10" dur="2000" fill="hold"/>
+                                        <p:tgtEl>
+                                          <p:spTgt spid="8"/>
+                                        </p:tgtEl>
+                                      </p:cBhvr>
+                                      <p:tavLst>
+                                        <p:tav tm="0">
+                                          <p:val>
+                                            <p:fltVal val="1"/>
+                                          </p:val>
+                                        </p:tav>
+                                        <p:tav tm="1100">
+                                          <p:val>
+                                            <p:fltVal val="1"/>
+                                          </p:val>
+                                        </p:tav>
+                                        <p:tav tm="2300">
+                                          <p:val>
+                                            <p:fltVal val="1.0002"/>
+                                          </p:val>
+                                        </p:tav>
+                                        <p:tav tm="3400">
+                                          <p:val>
+                                            <p:fltVal val="1.0009"/>
+                                          </p:val>
+                                        </p:tav>
+                                        <p:tav tm="4500">
+                                          <p:val>
+                                            <p:fltVal val="1.0023"/>
+                                          </p:val>
+                                        </p:tav>
+                                        <p:tav tm="5600">
+                                          <p:val>
+                                            <p:fltVal val="1.0046"/>
+                                          </p:val>
+                                        </p:tav>
+                                        <p:tav tm="6700">
+                                          <p:val>
+                                            <p:fltVal val="1.008"/>
+                                          </p:val>
+                                        </p:tav>
+                                        <p:tav tm="7900">
+                                          <p:val>
+                                            <p:fltVal val="1.0127"/>
+                                          </p:val>
+                                        </p:tav>
+                                        <p:tav tm="9000">
+                                          <p:val>
+                                            <p:fltVal val="1.019"/>
+                                          </p:val>
+                                        </p:tav>
+                                        <p:tav tm="10100">
+                                          <p:val>
+                                            <p:fltVal val="1.0271"/>
+                                          </p:val>
+                                        </p:tav>
+                                        <p:tav tm="11200">
+                                          <p:val>
+                                            <p:fltVal val="1.0351"/>
+                                          </p:val>
+                                        </p:tav>
+                                        <p:tav tm="12400">
+                                          <p:val>
+                                            <p:fltVal val="1.0414"/>
+                                          </p:val>
+                                        </p:tav>
+                                        <p:tav tm="13500">
+                                          <p:val>
+                                            <p:fltVal val="1.046"/>
+                                          </p:val>
+                                        </p:tav>
+                                        <p:tav tm="14600">
+                                          <p:val>
+                                            <p:fltVal val="1.0494"/>
+                                          </p:val>
+                                        </p:tav>
+                                        <p:tav tm="15700">
+                                          <p:val>
+                                            <p:fltVal val="1.0516"/>
+                                          </p:val>
+                                        </p:tav>
+                                        <p:tav tm="16900">
+                                          <p:val>
+                                            <p:fltVal val="1.053"/>
+                                          </p:val>
+                                        </p:tav>
+                                        <p:tav tm="18000">
+                                          <p:val>
+                                            <p:fltVal val="1.0537"/>
+                                          </p:val>
+                                        </p:tav>
+                                        <p:tav tm="19100">
+                                          <p:val>
+                                            <p:fltVal val="1.0539"/>
+                                          </p:val>
+                                        </p:tav>
+                                        <p:tav tm="20200">
+                                          <p:val>
+                                            <p:fltVal val="1.054"/>
+                                          </p:val>
+                                        </p:tav>
+                                        <p:tav tm="21400">
+                                          <p:val>
+                                            <p:fltVal val="1.0536"/>
+                                          </p:val>
+                                        </p:tav>
+                                        <p:tav tm="22500">
+                                          <p:val>
+                                            <p:fltVal val="1.0515"/>
+                                          </p:val>
+                                        </p:tav>
+                                        <p:tav tm="23600">
+                                          <p:val>
+                                            <p:fltVal val="1.0457"/>
+                                          </p:val>
+                                        </p:tav>
+                                        <p:tav tm="24700">
+                                          <p:val>
+                                            <p:fltVal val="1.0344"/>
+                                          </p:val>
+                                        </p:tav>
+                                        <p:tav tm="25800">
+                                          <p:val>
+                                            <p:fltVal val="1.0183"/>
+                                          </p:val>
+                                        </p:tav>
+                                        <p:tav tm="27000">
+                                          <p:val>
+                                            <p:fltVal val="1.0076"/>
+                                          </p:val>
+                                        </p:tav>
+                                        <p:tav tm="28100">
+                                          <p:val>
+                                            <p:fltVal val="1.0021"/>
+                                          </p:val>
+                                        </p:tav>
+                                        <p:tav tm="29200">
+                                          <p:val>
+                                            <p:fltVal val="1.0002"/>
+                                          </p:val>
+                                        </p:tav>
+                                        <p:tav tm="30300">
+                                          <p:val>
+                                            <p:fltVal val="1"/>
+                                          </p:val>
+                                        </p:tav>
+                                        <p:tav tm="31500">
+                                          <p:val>
+                                            <p:fltVal val="1"/>
+                                          </p:val>
+                                        </p:tav>
+                                        <p:tav tm="32600">
+                                          <p:val>
+                                            <p:fltVal val="1"/>
+                                          </p:val>
+                                        </p:tav>
+                                        <p:tav tm="33700">
+                                          <p:val>
+                                            <p:fltVal val="1"/>
+                                          </p:val>
+                                        </p:tav>
+                                        <p:tav tm="34800">
+                                          <p:val>
+                                            <p:fltVal val="1"/>
+                                          </p:val>
+                                        </p:tav>
+                                        <p:tav tm="36000">
+                                          <p:val>
+                                            <p:fltVal val="1"/>
+                                          </p:val>
+                                        </p:tav>
+                                        <p:tav tm="37100">
+                                          <p:val>
+                                            <p:fltVal val="1"/>
+                                          </p:val>
+                                        </p:tav>
+                                        <p:tav tm="38200">
+                                          <p:val>
+                                            <p:fltVal val="1"/>
+                                          </p:val>
+                                        </p:tav>
+                                        <p:tav tm="39300">
+                                          <p:val>
+                                            <p:fltVal val="1"/>
+                                          </p:val>
+                                        </p:tav>
+                                        <p:tav tm="40500">
+                                          <p:val>
+                                            <p:fltVal val="1"/>
+                                          </p:val>
+                                        </p:tav>
+                                        <p:tav tm="41600">
+                                          <p:val>
+                                            <p:fltVal val="1"/>
+                                          </p:val>
+                                        </p:tav>
+                                        <p:tav tm="42700">
+                                          <p:val>
+                                            <p:fltVal val="1"/>
+                                          </p:val>
+                                        </p:tav>
+                                        <p:tav tm="43800">
+                                          <p:val>
+                                            <p:fltVal val="1"/>
+                                          </p:val>
+                                        </p:tav>
+                                        <p:tav tm="44900">
+                                          <p:val>
+                                            <p:fltVal val="1"/>
+                                          </p:val>
+                                        </p:tav>
+                                        <p:tav tm="46100">
+                                          <p:val>
+                                            <p:fltVal val="1"/>
+                                          </p:val>
+                                        </p:tav>
+                                        <p:tav tm="47200">
+                                          <p:val>
+                                            <p:fltVal val="1"/>
+                                          </p:val>
+                                        </p:tav>
+                                        <p:tav tm="48300">
+                                          <p:val>
+                                            <p:fltVal val="1"/>
+                                          </p:val>
+                                        </p:tav>
+                                        <p:tav tm="49400">
+                                          <p:val>
+                                            <p:fltVal val="1"/>
+                                          </p:val>
+                                        </p:tav>
+                                        <p:tav tm="50600">
+                                          <p:val>
+                                            <p:fltVal val="1"/>
+                                          </p:val>
+                                        </p:tav>
+                                        <p:tav tm="51700">
+                                          <p:val>
+                                            <p:fltVal val="1"/>
+                                          </p:val>
+                                        </p:tav>
+                                        <p:tav tm="52800">
+                                          <p:val>
+                                            <p:fltVal val="1"/>
+                                          </p:val>
+                                        </p:tav>
+                                        <p:tav tm="53900">
+                                          <p:val>
+                                            <p:fltVal val="1"/>
+                                          </p:val>
+                                        </p:tav>
+                                        <p:tav tm="55100">
+                                          <p:val>
+                                            <p:fltVal val="1"/>
+                                          </p:val>
+                                        </p:tav>
+                                        <p:tav tm="56200">
+                                          <p:val>
+                                            <p:fltVal val="1"/>
+                                          </p:val>
+                                        </p:tav>
+                                        <p:tav tm="57300">
+                                          <p:val>
+                                            <p:fltVal val="1"/>
+                                          </p:val>
+                                        </p:tav>
+                                        <p:tav tm="58400">
+                                          <p:val>
+                                            <p:fltVal val="1"/>
+                                          </p:val>
+                                        </p:tav>
+                                        <p:tav tm="59600">
+                                          <p:val>
+                                            <p:fltVal val="1"/>
+                                          </p:val>
+                                        </p:tav>
+                                        <p:tav tm="60700">
+                                          <p:val>
+                                            <p:fltVal val="1"/>
+                                          </p:val>
+                                        </p:tav>
+                                        <p:tav tm="61800">
+                                          <p:val>
+                                            <p:fltVal val="1"/>
+                                          </p:val>
+                                        </p:tav>
+                                        <p:tav tm="62900">
+                                          <p:val>
+                                            <p:fltVal val="1"/>
+                                          </p:val>
+                                        </p:tav>
+                                        <p:tav tm="64000">
+                                          <p:val>
+                                            <p:fltVal val="1"/>
+                                          </p:val>
+                                        </p:tav>
+                                        <p:tav tm="65200">
+                                          <p:val>
+                                            <p:fltVal val="1"/>
+                                          </p:val>
+                                        </p:tav>
+                                        <p:tav tm="66300">
+                                          <p:val>
+                                            <p:fltVal val="1"/>
+                                          </p:val>
+                                        </p:tav>
+                                        <p:tav tm="67400">
+                                          <p:val>
+                                            <p:fltVal val="1"/>
+                                          </p:val>
+                                        </p:tav>
+                                        <p:tav tm="68500">
+                                          <p:val>
+                                            <p:fltVal val="1.0006"/>
+                                          </p:val>
+                                        </p:tav>
+                                        <p:tav tm="69700">
+                                          <p:val>
+                                            <p:fltVal val="1.0024"/>
+                                          </p:val>
+                                        </p:tav>
+                                        <p:tav tm="70800">
+                                          <p:val>
+                                            <p:fltVal val="1.006"/>
+                                          </p:val>
+                                        </p:tav>
+                                        <p:tav tm="71900">
+                                          <p:val>
+                                            <p:fltVal val="1.0121"/>
+                                          </p:val>
+                                        </p:tav>
+                                        <p:tav tm="73000">
+                                          <p:val>
+                                            <p:fltVal val="1.0213"/>
+                                          </p:val>
+                                        </p:tav>
+                                        <p:tav tm="74200">
+                                          <p:val>
+                                            <p:fltVal val="1.0331"/>
+                                          </p:val>
+                                        </p:tav>
+                                        <p:tav tm="75300">
+                                          <p:val>
+                                            <p:fltVal val="1.0422"/>
+                                          </p:val>
+                                        </p:tav>
+                                        <p:tav tm="76400">
+                                          <p:val>
+                                            <p:fltVal val="1.0482"/>
+                                          </p:val>
+                                        </p:tav>
+                                        <p:tav tm="77500">
+                                          <p:val>
+                                            <p:fltVal val="1.0516"/>
+                                          </p:val>
+                                        </p:tav>
+                                        <p:tav tm="78700">
+                                          <p:val>
+                                            <p:fltVal val="1.0534"/>
+                                          </p:val>
+                                        </p:tav>
+                                        <p:tav tm="79800">
+                                          <p:val>
+                                            <p:fltVal val="1.0539"/>
+                                          </p:val>
+                                        </p:tav>
+                                        <p:tav tm="80900">
+                                          <p:val>
+                                            <p:fltVal val="1.0539"/>
+                                          </p:val>
+                                        </p:tav>
+                                        <p:tav tm="82000">
+                                          <p:val>
+                                            <p:fltVal val="1.0534"/>
+                                          </p:val>
+                                        </p:tav>
+                                        <p:tav tm="83200">
+                                          <p:val>
+                                            <p:fltVal val="1.0506"/>
+                                          </p:val>
+                                        </p:tav>
+                                        <p:tav tm="84300">
+                                          <p:val>
+                                            <p:fltVal val="1.0439"/>
+                                          </p:val>
+                                        </p:tav>
+                                        <p:tav tm="85400">
+                                          <p:val>
+                                            <p:fltVal val="1.0312"/>
+                                          </p:val>
+                                        </p:tav>
+                                        <p:tav tm="86500">
+                                          <p:val>
+                                            <p:fltVal val="1.0156"/>
+                                          </p:val>
+                                        </p:tav>
+                                        <p:tav tm="87600">
+                                          <p:val>
+                                            <p:fltVal val="1.0061"/>
+                                          </p:val>
+                                        </p:tav>
+                                        <p:tav tm="88800">
+                                          <p:val>
+                                            <p:fltVal val="1.0015"/>
+                                          </p:val>
+                                        </p:tav>
+                                        <p:tav tm="89900">
+                                          <p:val>
+                                            <p:fltVal val="1.0001"/>
+                                          </p:val>
+                                        </p:tav>
+                                        <p:tav tm="91000">
+                                          <p:val>
+                                            <p:fltVal val="1"/>
+                                          </p:val>
+                                        </p:tav>
+                                        <p:tav tm="92100">
+                                          <p:val>
+                                            <p:fltVal val="1"/>
+                                          </p:val>
+                                        </p:tav>
+                                        <p:tav tm="93300">
+                                          <p:val>
+                                            <p:fltVal val="1"/>
+                                          </p:val>
+                                        </p:tav>
+                                        <p:tav tm="94400">
+                                          <p:val>
+                                            <p:fltVal val="1"/>
+                                          </p:val>
+                                        </p:tav>
+                                        <p:tav tm="95500">
+                                          <p:val>
+                                            <p:fltVal val="1"/>
+                                          </p:val>
+                                        </p:tav>
+                                        <p:tav tm="96600">
+                                          <p:val>
+                                            <p:fltVal val="1"/>
+                                          </p:val>
+                                        </p:tav>
+                                        <p:tav tm="97800">
+                                          <p:val>
+                                            <p:fltVal val="1"/>
+                                          </p:val>
+                                        </p:tav>
+                                        <p:tav tm="98900">
+                                          <p:val>
+                                            <p:fltVal val="1"/>
+                                          </p:val>
+                                        </p:tav>
+                                        <p:tav tm="100000">
+                                          <p:val>
+                                            <p:fltVal val="1"/>
+                                          </p:val>
+                                        </p:tav>
+                                      </p:tavLst>
+                                    </p:anim>
+                                  </p:childTnLst>
+                                </p:cTn>
+                              </p:par>
+                            </p:childTnLst>
+                          </p:cTn>
+                        </p:par>
+                      </p:childTnLst>
+                    </p:cTn>
+                  </p:par>
+                </p:childTnLst>
+              </p:cTn>
+              <p:prevCondLst>
+                <p:cond evt="onPrev" delay="0">
+                  <p:tgtEl>
+                    <p:sldTgt/>
+                  </p:tgtEl>
+                </p:cond>
+              </p:prevCondLst>
+              <p:nextCondLst>
+                <p:cond evt="onNext" delay="0">
+                  <p:tgtEl>
+                    <p:sldTgt/>
+                  </p:tgtEl>
+                </p:cond>
+              </p:nextCondLst>
+            </p:seq>
+          </p:childTnLst>
+        </p:cTn>
+      </p:par>
+    </p:tnLst>
+  </p:timing>
+</p:sld>
+</file>
+
+<file path=ppt/slides/slide12.xml><?xml version="1.0" encoding="utf-8"?>
+<p:sld xmlns:a="http://schemas.openxmlformats.org/drawingml/2006/main" xmlns:r="http://schemas.openxmlformats.org/officeDocument/2006/relationships" xmlns:p="http://schemas.openxmlformats.org/presentationml/2006/main">
+  <p:cSld>
+    <p:spTree>
+      <p:nvGrpSpPr>
+        <p:cNvPr id="1" name=""/>
+        <p:cNvGrpSpPr/>
+        <p:nvPr/>
+      </p:nvGrpSpPr>
+      <p:grpSpPr>
+        <a:xfrm>
+          <a:off x="0" y="0"/>
+          <a:ext cx="0" cy="0"/>
+          <a:chOff x="0" y="0"/>
+          <a:chExt cx="0" cy="0"/>
+        </a:xfrm>
+      </p:grpSpPr>
+      <p:sp>
+        <p:nvSpPr>
           <p:cNvPr id="6" name="Rectangle 5"/>
           <p:cNvSpPr/>
           <p:nvPr/>
@@ -21265,7 +26304,7 @@
           <p:nvPr/>
         </p:nvPicPr>
         <p:blipFill>
-          <a:blip r:embed="rId2" cstate="print">
+          <a:blip r:embed="rId3" cstate="print">
             <a:extLst>
               <a:ext uri="{28A0092B-C50C-407E-A947-70E740481C1C}">
                 <a14:useLocalDpi xmlns:a14="http://schemas.microsoft.com/office/drawing/2010/main" val="0"/>
@@ -21295,7 +26334,7 @@
           <p:nvPr/>
         </p:nvPicPr>
         <p:blipFill>
-          <a:blip r:embed="rId3" cstate="print">
+          <a:blip r:embed="rId4" cstate="print">
             <a:extLst>
               <a:ext uri="{28A0092B-C50C-407E-A947-70E740481C1C}">
                 <a14:useLocalDpi xmlns:a14="http://schemas.microsoft.com/office/drawing/2010/main" val="0"/>
@@ -21325,7 +26364,7 @@
           <p:nvPr/>
         </p:nvPicPr>
         <p:blipFill>
-          <a:blip r:embed="rId4"/>
+          <a:blip r:embed="rId5"/>
           <a:stretch>
             <a:fillRect/>
           </a:stretch>
@@ -21349,7 +26388,7 @@
           <p:nvPr/>
         </p:nvPicPr>
         <p:blipFill>
-          <a:blip r:embed="rId5"/>
+          <a:blip r:embed="rId6"/>
           <a:stretch>
             <a:fillRect/>
           </a:stretch>
@@ -24173,778 +29212,6 @@
 </p:sld>
 </file>
 
-<file path=ppt/slides/slide11.xml><?xml version="1.0" encoding="utf-8"?>
-<p:sld xmlns:a="http://schemas.openxmlformats.org/drawingml/2006/main" xmlns:r="http://schemas.openxmlformats.org/officeDocument/2006/relationships" xmlns:p="http://schemas.openxmlformats.org/presentationml/2006/main">
-  <p:cSld>
-    <p:spTree>
-      <p:nvGrpSpPr>
-        <p:cNvPr id="1" name=""/>
-        <p:cNvGrpSpPr/>
-        <p:nvPr/>
-      </p:nvGrpSpPr>
-      <p:grpSpPr>
-        <a:xfrm>
-          <a:off x="0" y="0"/>
-          <a:ext cx="0" cy="0"/>
-          <a:chOff x="0" y="0"/>
-          <a:chExt cx="0" cy="0"/>
-        </a:xfrm>
-      </p:grpSpPr>
-      <p:sp>
-        <p:nvSpPr>
-          <p:cNvPr id="9" name="Rectangle 8"/>
-          <p:cNvSpPr/>
-          <p:nvPr/>
-        </p:nvSpPr>
-        <p:spPr>
-          <a:xfrm>
-            <a:off x="0" y="0"/>
-            <a:ext cx="12192000" cy="6858000"/>
-          </a:xfrm>
-          <a:prstGeom prst="rect">
-            <a:avLst/>
-          </a:prstGeom>
-          <a:solidFill>
-            <a:schemeClr val="lt1"/>
-          </a:solidFill>
-          <a:ln>
-            <a:solidFill>
-              <a:schemeClr val="accent1">
-                <a:lumMod val="40000"/>
-                <a:lumOff val="60000"/>
-              </a:schemeClr>
-            </a:solidFill>
-          </a:ln>
-        </p:spPr>
-        <p:style>
-          <a:lnRef idx="2">
-            <a:schemeClr val="accent6"/>
-          </a:lnRef>
-          <a:fillRef idx="1">
-            <a:schemeClr val="lt1"/>
-          </a:fillRef>
-          <a:effectRef idx="0">
-            <a:schemeClr val="accent6"/>
-          </a:effectRef>
-          <a:fontRef idx="minor">
-            <a:schemeClr val="dk1"/>
-          </a:fontRef>
-        </p:style>
-        <p:txBody>
-          <a:bodyPr rtlCol="0" anchor="ctr"/>
-          <a:lstStyle/>
-          <a:p>
-            <a:endParaRPr lang="en-US" sz="1800" dirty="0">
-              <a:latin typeface="Arial" panose="02080604020202020204" pitchFamily="34" charset="0"/>
-              <a:cs typeface="Arial" panose="02080604020202020204" pitchFamily="34" charset="0"/>
-            </a:endParaRPr>
-          </a:p>
-        </p:txBody>
-      </p:sp>
-      <p:sp>
-        <p:nvSpPr>
-          <p:cNvPr id="10" name="TextBox 9"/>
-          <p:cNvSpPr txBox="1"/>
-          <p:nvPr/>
-        </p:nvSpPr>
-        <p:spPr>
-          <a:xfrm>
-            <a:off x="1327619" y="323107"/>
-            <a:ext cx="9536761" cy="861774"/>
-          </a:xfrm>
-          <a:prstGeom prst="rect">
-            <a:avLst/>
-          </a:prstGeom>
-          <a:noFill/>
-        </p:spPr>
-        <p:txBody>
-          <a:bodyPr wrap="square" rtlCol="0">
-            <a:spAutoFit/>
-          </a:bodyPr>
-          <a:lstStyle/>
-          <a:p>
-            <a:pPr algn="ctr"/>
-            <a:r>
-              <a:rPr lang="en-US" sz="5000" dirty="0">
-                <a:solidFill>
-                  <a:schemeClr val="accent2"/>
-                </a:solidFill>
-                <a:latin typeface="Roboto Black" panose="02000000000000000000" pitchFamily="2" charset="0"/>
-                <a:ea typeface="Roboto Black" panose="02000000000000000000" pitchFamily="2" charset="0"/>
-              </a:rPr>
-              <a:t>Introducing Drone as a Platform</a:t>
-            </a:r>
-            <a:endParaRPr lang="en-US" sz="5000" dirty="0">
-              <a:solidFill>
-                <a:schemeClr val="accent2"/>
-              </a:solidFill>
-              <a:effectLst/>
-              <a:latin typeface="Roboto Black" panose="02000000000000000000" pitchFamily="2" charset="0"/>
-              <a:ea typeface="Roboto Black" panose="02000000000000000000" pitchFamily="2" charset="0"/>
-            </a:endParaRPr>
-          </a:p>
-        </p:txBody>
-      </p:sp>
-      <p:sp>
-        <p:nvSpPr>
-          <p:cNvPr id="4" name="TextBox 3"/>
-          <p:cNvSpPr txBox="1"/>
-          <p:nvPr/>
-        </p:nvSpPr>
-        <p:spPr>
-          <a:xfrm>
-            <a:off x="1150073" y="5901020"/>
-            <a:ext cx="3101899" cy="400110"/>
-          </a:xfrm>
-          <a:prstGeom prst="rect">
-            <a:avLst/>
-          </a:prstGeom>
-          <a:noFill/>
-        </p:spPr>
-        <p:txBody>
-          <a:bodyPr wrap="square" rtlCol="0" anchor="ctr">
-            <a:spAutoFit/>
-          </a:bodyPr>
-          <a:lstStyle/>
-          <a:p>
-            <a:pPr algn="ctr"/>
-            <a:r>
-              <a:rPr lang="en-US" sz="2000" b="1" i="0" dirty="0">
-                <a:solidFill>
-                  <a:srgbClr val="374151"/>
-                </a:solidFill>
-                <a:effectLst/>
-                <a:latin typeface="Arial" panose="02080604020202020204" pitchFamily="34" charset="0"/>
-                <a:cs typeface="Arial" panose="02080604020202020204" pitchFamily="34" charset="0"/>
-              </a:rPr>
-              <a:t>Software subscriptions</a:t>
-            </a:r>
-            <a:endParaRPr lang="en-US" sz="1900" b="1" dirty="0">
-              <a:latin typeface="Arial" panose="02080604020202020204" pitchFamily="34" charset="0"/>
-              <a:cs typeface="Arial" panose="02080604020202020204" pitchFamily="34" charset="0"/>
-            </a:endParaRPr>
-          </a:p>
-        </p:txBody>
-      </p:sp>
-      <p:sp>
-        <p:nvSpPr>
-          <p:cNvPr id="7" name="TextBox 6"/>
-          <p:cNvSpPr txBox="1"/>
-          <p:nvPr/>
-        </p:nvSpPr>
-        <p:spPr>
-          <a:xfrm>
-            <a:off x="5279095" y="5901020"/>
-            <a:ext cx="1866435" cy="400110"/>
-          </a:xfrm>
-          <a:prstGeom prst="rect">
-            <a:avLst/>
-          </a:prstGeom>
-          <a:noFill/>
-        </p:spPr>
-        <p:txBody>
-          <a:bodyPr wrap="square" rtlCol="0" anchor="ctr">
-            <a:spAutoFit/>
-          </a:bodyPr>
-          <a:lstStyle/>
-          <a:p>
-            <a:pPr algn="ctr"/>
-            <a:r>
-              <a:rPr lang="en-US" sz="2000" b="1" i="0" dirty="0">
-                <a:solidFill>
-                  <a:srgbClr val="374151"/>
-                </a:solidFill>
-                <a:effectLst/>
-                <a:latin typeface="Arial" panose="02080604020202020204" pitchFamily="34" charset="0"/>
-                <a:cs typeface="Arial" panose="02080604020202020204" pitchFamily="34" charset="0"/>
-              </a:rPr>
-              <a:t>Service fees</a:t>
-            </a:r>
-            <a:endParaRPr lang="en-US" sz="1900" b="1" dirty="0">
-              <a:latin typeface="Arial" panose="02080604020202020204" pitchFamily="34" charset="0"/>
-              <a:cs typeface="Arial" panose="02080604020202020204" pitchFamily="34" charset="0"/>
-            </a:endParaRPr>
-          </a:p>
-        </p:txBody>
-      </p:sp>
-      <p:sp>
-        <p:nvSpPr>
-          <p:cNvPr id="11" name="TextBox 10"/>
-          <p:cNvSpPr txBox="1"/>
-          <p:nvPr/>
-        </p:nvSpPr>
-        <p:spPr>
-          <a:xfrm>
-            <a:off x="8593266" y="5901020"/>
-            <a:ext cx="1597426" cy="400110"/>
-          </a:xfrm>
-          <a:prstGeom prst="rect">
-            <a:avLst/>
-          </a:prstGeom>
-          <a:noFill/>
-        </p:spPr>
-        <p:txBody>
-          <a:bodyPr wrap="square" rtlCol="0" anchor="ctr">
-            <a:spAutoFit/>
-          </a:bodyPr>
-          <a:lstStyle/>
-          <a:p>
-            <a:pPr algn="ctr"/>
-            <a:r>
-              <a:rPr lang="en-US" sz="2000" b="1" i="0" dirty="0">
-                <a:solidFill>
-                  <a:srgbClr val="374151"/>
-                </a:solidFill>
-                <a:effectLst/>
-                <a:latin typeface="Arial" panose="02080604020202020204" pitchFamily="34" charset="0"/>
-                <a:cs typeface="Arial" panose="02080604020202020204" pitchFamily="34" charset="0"/>
-              </a:rPr>
-              <a:t>Data sales</a:t>
-            </a:r>
-            <a:endParaRPr lang="en-US" sz="1900" b="1" dirty="0">
-              <a:latin typeface="Arial" panose="02080604020202020204" pitchFamily="34" charset="0"/>
-              <a:cs typeface="Arial" panose="02080604020202020204" pitchFamily="34" charset="0"/>
-            </a:endParaRPr>
-          </a:p>
-        </p:txBody>
-      </p:sp>
-      <p:sp>
-        <p:nvSpPr>
-          <p:cNvPr id="5" name="TextBox 4"/>
-          <p:cNvSpPr txBox="1"/>
-          <p:nvPr/>
-        </p:nvSpPr>
-        <p:spPr>
-          <a:xfrm>
-            <a:off x="356080" y="2108766"/>
-            <a:ext cx="11517164" cy="3108223"/>
-          </a:xfrm>
-          <a:prstGeom prst="rect">
-            <a:avLst/>
-          </a:prstGeom>
-          <a:noFill/>
-        </p:spPr>
-        <p:txBody>
-          <a:bodyPr wrap="square" rtlCol="0">
-            <a:spAutoFit/>
-          </a:bodyPr>
-          <a:lstStyle/>
-          <a:p>
-            <a:pPr>
-              <a:lnSpc>
-                <a:spcPct val="150000"/>
-              </a:lnSpc>
-            </a:pPr>
-            <a:r>
-              <a:rPr lang="en-US" sz="1900" dirty="0">
-                <a:latin typeface="Arial" panose="02080604020202020204" pitchFamily="34" charset="0"/>
-                <a:cs typeface="Arial" panose="02080604020202020204" pitchFamily="34" charset="0"/>
-              </a:rPr>
-              <a:t>Welcome to the new model of drones that have never been seen before.</a:t>
-            </a:r>
-          </a:p>
-          <a:p>
-            <a:pPr>
-              <a:lnSpc>
-                <a:spcPct val="150000"/>
-              </a:lnSpc>
-            </a:pPr>
-            <a:endParaRPr lang="en-US" sz="1900" dirty="0">
-              <a:latin typeface="Arial" panose="02080604020202020204" pitchFamily="34" charset="0"/>
-              <a:cs typeface="Arial" panose="02080604020202020204" pitchFamily="34" charset="0"/>
-            </a:endParaRPr>
-          </a:p>
-          <a:p>
-            <a:pPr>
-              <a:lnSpc>
-                <a:spcPct val="150000"/>
-              </a:lnSpc>
-            </a:pPr>
-            <a:r>
-              <a:rPr lang="en-US" sz="1900" dirty="0">
-                <a:latin typeface="Arial" panose="02080604020202020204" pitchFamily="34" charset="0"/>
-                <a:cs typeface="Arial" panose="02080604020202020204" pitchFamily="34" charset="0"/>
-              </a:rPr>
-              <a:t>We introduce to you Drones as a Platform interface:</a:t>
-            </a:r>
-          </a:p>
-          <a:p>
-            <a:pPr>
-              <a:lnSpc>
-                <a:spcPct val="150000"/>
-              </a:lnSpc>
-            </a:pPr>
-            <a:endParaRPr lang="en-US" sz="1900" dirty="0">
-              <a:latin typeface="Arial" panose="02080604020202020204" pitchFamily="34" charset="0"/>
-              <a:cs typeface="Arial" panose="02080604020202020204" pitchFamily="34" charset="0"/>
-            </a:endParaRPr>
-          </a:p>
-          <a:p>
-            <a:pPr>
-              <a:lnSpc>
-                <a:spcPct val="150000"/>
-              </a:lnSpc>
-            </a:pPr>
-            <a:r>
-              <a:rPr lang="en-US" sz="1900" dirty="0">
-                <a:latin typeface="Arial" panose="02080604020202020204" pitchFamily="34" charset="0"/>
-                <a:cs typeface="Arial" panose="02080604020202020204" pitchFamily="34" charset="0"/>
-              </a:rPr>
-              <a:t> </a:t>
-            </a:r>
-            <a:r>
-              <a:rPr lang="en-US" sz="1900" dirty="0">
-                <a:highlight>
-                  <a:srgbClr val="EDEDED"/>
-                </a:highlight>
-                <a:latin typeface="Arial" panose="02080604020202020204" pitchFamily="34" charset="0"/>
-                <a:cs typeface="Arial" panose="02080604020202020204" pitchFamily="34" charset="0"/>
-              </a:rPr>
-              <a:t>  For third-party developers to use our hardware and build software and experiences on top of it.</a:t>
-            </a:r>
-            <a:endParaRPr lang="en-US" sz="1900" dirty="0">
-              <a:latin typeface="Arial" panose="02080604020202020204" pitchFamily="34" charset="0"/>
-              <a:cs typeface="Arial" panose="02080604020202020204" pitchFamily="34" charset="0"/>
-            </a:endParaRPr>
-          </a:p>
-          <a:p>
-            <a:pPr>
-              <a:lnSpc>
-                <a:spcPct val="150000"/>
-              </a:lnSpc>
-            </a:pPr>
-            <a:endParaRPr lang="en-US" sz="1900" dirty="0">
-              <a:latin typeface="Arial" panose="02080604020202020204" pitchFamily="34" charset="0"/>
-              <a:cs typeface="Arial" panose="02080604020202020204" pitchFamily="34" charset="0"/>
-            </a:endParaRPr>
-          </a:p>
-          <a:p>
-            <a:pPr>
-              <a:lnSpc>
-                <a:spcPct val="150000"/>
-              </a:lnSpc>
-            </a:pPr>
-            <a:r>
-              <a:rPr lang="en-US" sz="1900" dirty="0">
-                <a:latin typeface="Arial" panose="02080604020202020204" pitchFamily="34" charset="0"/>
-                <a:cs typeface="Arial" panose="02080604020202020204" pitchFamily="34" charset="0"/>
-              </a:rPr>
-              <a:t>This will allow us to capture the value already created and create </a:t>
-            </a:r>
-            <a:r>
-              <a:rPr lang="en-US" sz="1900" i="1" dirty="0">
-                <a:latin typeface="Arial" panose="02080604020202020204" pitchFamily="34" charset="0"/>
-                <a:cs typeface="Arial" panose="02080604020202020204" pitchFamily="34" charset="0"/>
-              </a:rPr>
-              <a:t>additional revenue stream</a:t>
-            </a:r>
-            <a:r>
-              <a:rPr lang="en-US" sz="1900" dirty="0">
-                <a:latin typeface="Arial" panose="02080604020202020204" pitchFamily="34" charset="0"/>
-                <a:cs typeface="Arial" panose="02080604020202020204" pitchFamily="34" charset="0"/>
-              </a:rPr>
-              <a:t>:</a:t>
-            </a:r>
-          </a:p>
-        </p:txBody>
-      </p:sp>
-      <p:pic>
-        <p:nvPicPr>
-          <p:cNvPr id="12" name="Picture 11"/>
-          <p:cNvPicPr>
-            <a:picLocks noChangeAspect="1"/>
-          </p:cNvPicPr>
-          <p:nvPr/>
-        </p:nvPicPr>
-        <p:blipFill>
-          <a:blip r:embed="rId2" cstate="print">
-            <a:extLst>
-              <a:ext uri="{28A0092B-C50C-407E-A947-70E740481C1C}">
-                <a14:useLocalDpi xmlns:a14="http://schemas.microsoft.com/office/drawing/2010/main" val="0"/>
-              </a:ext>
-            </a:extLst>
-          </a:blip>
-          <a:stretch>
-            <a:fillRect/>
-          </a:stretch>
-        </p:blipFill>
-        <p:spPr>
-          <a:xfrm>
-            <a:off x="8187297" y="896965"/>
-            <a:ext cx="3835994" cy="1917997"/>
-          </a:xfrm>
-          <a:prstGeom prst="rect">
-            <a:avLst/>
-          </a:prstGeom>
-        </p:spPr>
-      </p:pic>
-    </p:spTree>
-  </p:cSld>
-  <p:clrMapOvr>
-    <a:masterClrMapping/>
-  </p:clrMapOvr>
-  <mc:AlternateContent xmlns:mc="http://schemas.openxmlformats.org/markup-compatibility/2006" xmlns:p159="http://schemas.microsoft.com/office/powerpoint/2015/09/main">
-    <mc:Choice Requires="p159">
-      <p:transition xmlns:p14="http://schemas.microsoft.com/office/powerpoint/2010/main" spd="slow" p14:dur="2000">
-        <p159:morph option="byObject"/>
-      </p:transition>
-    </mc:Choice>
-    <mc:Fallback xmlns="">
-      <p:transition spd="slow">
-        <p:fade/>
-      </p:transition>
-    </mc:Fallback>
-  </mc:AlternateContent>
-</p:sld>
-</file>
-
-<file path=ppt/slides/slide12.xml><?xml version="1.0" encoding="utf-8"?>
-<p:sld xmlns:a="http://schemas.openxmlformats.org/drawingml/2006/main" xmlns:r="http://schemas.openxmlformats.org/officeDocument/2006/relationships" xmlns:p="http://schemas.openxmlformats.org/presentationml/2006/main">
-  <p:cSld>
-    <p:spTree>
-      <p:nvGrpSpPr>
-        <p:cNvPr id="1" name=""/>
-        <p:cNvGrpSpPr/>
-        <p:nvPr/>
-      </p:nvGrpSpPr>
-      <p:grpSpPr>
-        <a:xfrm>
-          <a:off x="0" y="0"/>
-          <a:ext cx="0" cy="0"/>
-          <a:chOff x="0" y="0"/>
-          <a:chExt cx="0" cy="0"/>
-        </a:xfrm>
-      </p:grpSpPr>
-      <p:sp>
-        <p:nvSpPr>
-          <p:cNvPr id="9" name="Rectangle 8"/>
-          <p:cNvSpPr/>
-          <p:nvPr/>
-        </p:nvSpPr>
-        <p:spPr>
-          <a:xfrm>
-            <a:off x="0" y="0"/>
-            <a:ext cx="12192000" cy="6858000"/>
-          </a:xfrm>
-          <a:prstGeom prst="rect">
-            <a:avLst/>
-          </a:prstGeom>
-          <a:solidFill>
-            <a:schemeClr val="lt1"/>
-          </a:solidFill>
-          <a:ln>
-            <a:solidFill>
-              <a:schemeClr val="accent1">
-                <a:lumMod val="40000"/>
-                <a:lumOff val="60000"/>
-              </a:schemeClr>
-            </a:solidFill>
-          </a:ln>
-        </p:spPr>
-        <p:style>
-          <a:lnRef idx="2">
-            <a:schemeClr val="accent6"/>
-          </a:lnRef>
-          <a:fillRef idx="1">
-            <a:schemeClr val="lt1"/>
-          </a:fillRef>
-          <a:effectRef idx="0">
-            <a:schemeClr val="accent6"/>
-          </a:effectRef>
-          <a:fontRef idx="minor">
-            <a:schemeClr val="dk1"/>
-          </a:fontRef>
-        </p:style>
-        <p:txBody>
-          <a:bodyPr rtlCol="0" anchor="ctr"/>
-          <a:lstStyle/>
-          <a:p>
-            <a:endParaRPr lang="en-US" sz="1800" dirty="0">
-              <a:latin typeface="Arial" panose="02080604020202020204" pitchFamily="34" charset="0"/>
-              <a:cs typeface="Arial" panose="02080604020202020204" pitchFamily="34" charset="0"/>
-            </a:endParaRPr>
-          </a:p>
-        </p:txBody>
-      </p:sp>
-      <p:sp>
-        <p:nvSpPr>
-          <p:cNvPr id="10" name="TextBox 9"/>
-          <p:cNvSpPr txBox="1"/>
-          <p:nvPr/>
-        </p:nvSpPr>
-        <p:spPr>
-          <a:xfrm>
-            <a:off x="748164" y="340095"/>
-            <a:ext cx="10695672" cy="861774"/>
-          </a:xfrm>
-          <a:prstGeom prst="rect">
-            <a:avLst/>
-          </a:prstGeom>
-          <a:noFill/>
-        </p:spPr>
-        <p:txBody>
-          <a:bodyPr wrap="square" rtlCol="0">
-            <a:spAutoFit/>
-          </a:bodyPr>
-          <a:lstStyle/>
-          <a:p>
-            <a:pPr algn="ctr"/>
-            <a:r>
-              <a:rPr lang="en-US" sz="5000" dirty="0">
-                <a:solidFill>
-                  <a:schemeClr val="accent2"/>
-                </a:solidFill>
-                <a:latin typeface="Roboto Black" panose="02000000000000000000" pitchFamily="2" charset="0"/>
-                <a:ea typeface="Roboto Black" panose="02000000000000000000" pitchFamily="2" charset="0"/>
-              </a:rPr>
-              <a:t>As Revolutionary as the smartphone</a:t>
-            </a:r>
-            <a:endParaRPr lang="en-US" sz="5000" dirty="0">
-              <a:solidFill>
-                <a:schemeClr val="accent2"/>
-              </a:solidFill>
-              <a:effectLst/>
-              <a:latin typeface="Roboto Black" panose="02000000000000000000" pitchFamily="2" charset="0"/>
-              <a:ea typeface="Roboto Black" panose="02000000000000000000" pitchFamily="2" charset="0"/>
-            </a:endParaRPr>
-          </a:p>
-        </p:txBody>
-      </p:sp>
-      <p:sp>
-        <p:nvSpPr>
-          <p:cNvPr id="4" name="TextBox 3"/>
-          <p:cNvSpPr txBox="1"/>
-          <p:nvPr/>
-        </p:nvSpPr>
-        <p:spPr>
-          <a:xfrm>
-            <a:off x="1131411" y="5901020"/>
-            <a:ext cx="3101899" cy="400110"/>
-          </a:xfrm>
-          <a:prstGeom prst="rect">
-            <a:avLst/>
-          </a:prstGeom>
-          <a:noFill/>
-        </p:spPr>
-        <p:txBody>
-          <a:bodyPr wrap="square" rtlCol="0" anchor="ctr">
-            <a:spAutoFit/>
-          </a:bodyPr>
-          <a:lstStyle/>
-          <a:p>
-            <a:pPr algn="ctr"/>
-            <a:r>
-              <a:rPr lang="en-US" sz="2000" b="1" i="0" dirty="0">
-                <a:solidFill>
-                  <a:srgbClr val="374151"/>
-                </a:solidFill>
-                <a:effectLst/>
-                <a:latin typeface="Arial" panose="02080604020202020204" pitchFamily="34" charset="0"/>
-                <a:cs typeface="Arial" panose="02080604020202020204" pitchFamily="34" charset="0"/>
-              </a:rPr>
-              <a:t>Software subscriptions</a:t>
-            </a:r>
-            <a:endParaRPr lang="en-US" sz="1900" b="1" dirty="0">
-              <a:latin typeface="Arial" panose="02080604020202020204" pitchFamily="34" charset="0"/>
-              <a:cs typeface="Arial" panose="02080604020202020204" pitchFamily="34" charset="0"/>
-            </a:endParaRPr>
-          </a:p>
-        </p:txBody>
-      </p:sp>
-      <p:sp>
-        <p:nvSpPr>
-          <p:cNvPr id="7" name="TextBox 6"/>
-          <p:cNvSpPr txBox="1"/>
-          <p:nvPr/>
-        </p:nvSpPr>
-        <p:spPr>
-          <a:xfrm>
-            <a:off x="5223109" y="5901020"/>
-            <a:ext cx="1866435" cy="400110"/>
-          </a:xfrm>
-          <a:prstGeom prst="rect">
-            <a:avLst/>
-          </a:prstGeom>
-          <a:noFill/>
-        </p:spPr>
-        <p:txBody>
-          <a:bodyPr wrap="square" rtlCol="0" anchor="ctr">
-            <a:spAutoFit/>
-          </a:bodyPr>
-          <a:lstStyle/>
-          <a:p>
-            <a:pPr algn="ctr"/>
-            <a:r>
-              <a:rPr lang="en-US" sz="2000" b="1" i="0" dirty="0">
-                <a:solidFill>
-                  <a:srgbClr val="374151"/>
-                </a:solidFill>
-                <a:effectLst/>
-                <a:latin typeface="Arial" panose="02080604020202020204" pitchFamily="34" charset="0"/>
-                <a:cs typeface="Arial" panose="02080604020202020204" pitchFamily="34" charset="0"/>
-              </a:rPr>
-              <a:t>Service fees</a:t>
-            </a:r>
-            <a:endParaRPr lang="en-US" sz="1900" b="1" dirty="0">
-              <a:latin typeface="Arial" panose="02080604020202020204" pitchFamily="34" charset="0"/>
-              <a:cs typeface="Arial" panose="02080604020202020204" pitchFamily="34" charset="0"/>
-            </a:endParaRPr>
-          </a:p>
-        </p:txBody>
-      </p:sp>
-      <p:sp>
-        <p:nvSpPr>
-          <p:cNvPr id="11" name="TextBox 10"/>
-          <p:cNvSpPr txBox="1"/>
-          <p:nvPr/>
-        </p:nvSpPr>
-        <p:spPr>
-          <a:xfrm>
-            <a:off x="8621259" y="5901020"/>
-            <a:ext cx="1597426" cy="400110"/>
-          </a:xfrm>
-          <a:prstGeom prst="rect">
-            <a:avLst/>
-          </a:prstGeom>
-          <a:noFill/>
-        </p:spPr>
-        <p:txBody>
-          <a:bodyPr wrap="square" rtlCol="0" anchor="ctr">
-            <a:spAutoFit/>
-          </a:bodyPr>
-          <a:lstStyle/>
-          <a:p>
-            <a:pPr algn="ctr"/>
-            <a:r>
-              <a:rPr lang="en-US" sz="2000" b="1" i="0" dirty="0">
-                <a:solidFill>
-                  <a:srgbClr val="374151"/>
-                </a:solidFill>
-                <a:effectLst/>
-                <a:latin typeface="Arial" panose="02080604020202020204" pitchFamily="34" charset="0"/>
-                <a:cs typeface="Arial" panose="02080604020202020204" pitchFamily="34" charset="0"/>
-              </a:rPr>
-              <a:t>Data sales</a:t>
-            </a:r>
-            <a:endParaRPr lang="en-US" sz="1900" b="1" dirty="0">
-              <a:latin typeface="Arial" panose="02080604020202020204" pitchFamily="34" charset="0"/>
-              <a:cs typeface="Arial" panose="02080604020202020204" pitchFamily="34" charset="0"/>
-            </a:endParaRPr>
-          </a:p>
-        </p:txBody>
-      </p:sp>
-      <p:sp>
-        <p:nvSpPr>
-          <p:cNvPr id="5" name="TextBox 4"/>
-          <p:cNvSpPr txBox="1"/>
-          <p:nvPr/>
-        </p:nvSpPr>
-        <p:spPr>
-          <a:xfrm>
-            <a:off x="337418" y="2136759"/>
-            <a:ext cx="10859317" cy="1287532"/>
-          </a:xfrm>
-          <a:prstGeom prst="rect">
-            <a:avLst/>
-          </a:prstGeom>
-          <a:noFill/>
-        </p:spPr>
-        <p:txBody>
-          <a:bodyPr wrap="square" rtlCol="0" anchor="t">
-            <a:spAutoFit/>
-          </a:bodyPr>
-          <a:lstStyle/>
-          <a:p>
-            <a:pPr>
-              <a:lnSpc>
-                <a:spcPct val="150000"/>
-              </a:lnSpc>
-            </a:pPr>
-            <a:r>
-              <a:rPr lang="en-US" dirty="0">
-                <a:latin typeface="Arial" panose="02080604020202020204" pitchFamily="34" charset="0"/>
-                <a:cs typeface="Arial" panose="02080604020202020204" pitchFamily="34" charset="0"/>
-              </a:rPr>
-              <a:t>These drones are much more capable than a smartphone.</a:t>
-            </a:r>
-          </a:p>
-          <a:p>
-            <a:pPr>
-              <a:lnSpc>
-                <a:spcPct val="150000"/>
-              </a:lnSpc>
-            </a:pPr>
-            <a:endParaRPr lang="en-US" dirty="0">
-              <a:latin typeface="Arial" panose="02080604020202020204" pitchFamily="34" charset="0"/>
-              <a:cs typeface="Arial" panose="02080604020202020204" pitchFamily="34" charset="0"/>
-            </a:endParaRPr>
-          </a:p>
-          <a:p>
-            <a:pPr>
-              <a:lnSpc>
-                <a:spcPct val="150000"/>
-              </a:lnSpc>
-            </a:pPr>
-            <a:r>
-              <a:rPr lang="en-US" dirty="0">
-                <a:latin typeface="Arial" panose="02080604020202020204" pitchFamily="34" charset="0"/>
-                <a:cs typeface="Arial" panose="02080604020202020204" pitchFamily="34" charset="0"/>
-              </a:rPr>
-              <a:t>They are able to just as productive and communicative as the revolutionary smartphones.</a:t>
-            </a:r>
-          </a:p>
-        </p:txBody>
-      </p:sp>
-      <p:pic>
-        <p:nvPicPr>
-          <p:cNvPr id="12" name="Picture 11"/>
-          <p:cNvPicPr>
-            <a:picLocks noChangeAspect="1"/>
-          </p:cNvPicPr>
-          <p:nvPr/>
-        </p:nvPicPr>
-        <p:blipFill>
-          <a:blip r:embed="rId2" cstate="print">
-            <a:extLst>
-              <a:ext uri="{28A0092B-C50C-407E-A947-70E740481C1C}">
-                <a14:useLocalDpi xmlns:a14="http://schemas.microsoft.com/office/drawing/2010/main" val="0"/>
-              </a:ext>
-            </a:extLst>
-          </a:blip>
-          <a:stretch>
-            <a:fillRect/>
-          </a:stretch>
-        </p:blipFill>
-        <p:spPr>
-          <a:xfrm>
-            <a:off x="8187297" y="1036925"/>
-            <a:ext cx="3835994" cy="1917997"/>
-          </a:xfrm>
-          <a:prstGeom prst="rect">
-            <a:avLst/>
-          </a:prstGeom>
-        </p:spPr>
-      </p:pic>
-    </p:spTree>
-  </p:cSld>
-  <p:clrMapOvr>
-    <a:masterClrMapping/>
-  </p:clrMapOvr>
-  <mc:AlternateContent xmlns:mc="http://schemas.openxmlformats.org/markup-compatibility/2006" xmlns:p159="http://schemas.microsoft.com/office/powerpoint/2015/09/main">
-    <mc:Choice Requires="p159">
-      <p:transition xmlns:p14="http://schemas.microsoft.com/office/powerpoint/2010/main" spd="slow" p14:dur="2000">
-        <p159:morph option="byObject"/>
-      </p:transition>
-    </mc:Choice>
-    <mc:Fallback xmlns="">
-      <p:transition spd="slow">
-        <p:fade/>
-      </p:transition>
-    </mc:Fallback>
-  </mc:AlternateContent>
-</p:sld>
-</file>
-
 <file path=ppt/slides/slide13.xml><?xml version="1.0" encoding="utf-8"?>
 <p:sld xmlns:a="http://schemas.openxmlformats.org/drawingml/2006/main" xmlns:r="http://schemas.openxmlformats.org/officeDocument/2006/relationships" xmlns:p="http://schemas.openxmlformats.org/presentationml/2006/main">
   <p:cSld>
@@ -25407,7 +29674,7 @@
           <p:nvPr/>
         </p:nvPicPr>
         <p:blipFill>
-          <a:blip r:embed="rId2" cstate="print">
+          <a:blip r:embed="rId3" cstate="print">
             <a:extLst>
               <a:ext uri="{28A0092B-C50C-407E-A947-70E740481C1C}">
                 <a14:useLocalDpi xmlns:a14="http://schemas.microsoft.com/office/drawing/2010/main" val="0"/>
@@ -26338,7 +30605,7 @@
           <p:nvPr/>
         </p:nvPicPr>
         <p:blipFill>
-          <a:blip r:embed="rId2"/>
+          <a:blip r:embed="rId3"/>
           <a:stretch>
             <a:fillRect/>
           </a:stretch>
@@ -27784,7 +32051,7 @@
           <p:nvPr/>
         </p:nvPicPr>
         <p:blipFill>
-          <a:blip r:embed="rId2">
+          <a:blip r:embed="rId3">
             <a:extLst>
               <a:ext uri="{28A0092B-C50C-407E-A947-70E740481C1C}">
                 <a14:useLocalDpi xmlns:a14="http://schemas.microsoft.com/office/drawing/2010/main" val="0"/>
@@ -28066,7 +32333,7 @@
           <p:nvPr/>
         </p:nvPicPr>
         <p:blipFill>
-          <a:blip r:embed="rId3"/>
+          <a:blip r:embed="rId4"/>
           <a:stretch>
             <a:fillRect/>
           </a:stretch>
@@ -28411,7 +32678,7 @@
           <p:nvPr/>
         </p:nvPicPr>
         <p:blipFill>
-          <a:blip r:embed="rId2"/>
+          <a:blip r:embed="rId3"/>
           <a:stretch>
             <a:fillRect/>
           </a:stretch>
@@ -28926,7 +33193,7 @@
           <p:nvPr/>
         </p:nvPicPr>
         <p:blipFill>
-          <a:blip r:embed="rId2"/>
+          <a:blip r:embed="rId3"/>
           <a:stretch>
             <a:fillRect/>
           </a:stretch>
@@ -29038,7 +33305,7 @@
           <p:nvPr/>
         </p:nvPicPr>
         <p:blipFill>
-          <a:blip r:embed="rId2">
+          <a:blip r:embed="rId3">
             <a:extLst>
               <a:ext uri="{28A0092B-C50C-407E-A947-70E740481C1C}">
                 <a14:useLocalDpi xmlns:a14="http://schemas.microsoft.com/office/drawing/2010/main" val="0"/>
@@ -29646,7 +33913,7 @@
           <p:nvPr/>
         </p:nvPicPr>
         <p:blipFill>
-          <a:blip r:embed="rId2"/>
+          <a:blip r:embed="rId3"/>
           <a:stretch>
             <a:fillRect/>
           </a:stretch>
@@ -29936,7 +34203,7 @@
           <p:nvPr/>
         </p:nvPicPr>
         <p:blipFill>
-          <a:blip r:embed="rId2" cstate="print">
+          <a:blip r:embed="rId3" cstate="print">
             <a:extLst>
               <a:ext uri="{28A0092B-C50C-407E-A947-70E740481C1C}">
                 <a14:useLocalDpi xmlns:a14="http://schemas.microsoft.com/office/drawing/2010/main" val="0"/>
@@ -30062,7 +34329,7 @@
       </p:grpSpPr>
       <p:sp>
         <p:nvSpPr>
-          <p:cNvPr id="6" name="Rectangle 5"/>
+          <p:cNvPr id="9" name="Rectangle 8"/>
           <p:cNvSpPr/>
           <p:nvPr/>
         </p:nvSpPr>
@@ -30111,39 +34378,316 @@
           </a:p>
         </p:txBody>
       </p:sp>
-      <p:pic>
-        <p:nvPicPr>
-          <p:cNvPr id="4" name="Picture 3"/>
-          <p:cNvPicPr>
-            <a:picLocks noChangeAspect="1"/>
-          </p:cNvPicPr>
+      <p:sp>
+        <p:nvSpPr>
+          <p:cNvPr id="10" name="TextBox 9"/>
+          <p:cNvSpPr txBox="1"/>
           <p:nvPr/>
-        </p:nvPicPr>
-        <p:blipFill>
-          <a:blip r:embed="rId2" cstate="print">
-            <a:extLst>
-              <a:ext uri="{28A0092B-C50C-407E-A947-70E740481C1C}">
-                <a14:useLocalDpi xmlns:a14="http://schemas.microsoft.com/office/drawing/2010/main" val="0"/>
-              </a:ext>
-            </a:extLst>
-          </a:blip>
-          <a:stretch>
-            <a:fillRect/>
-          </a:stretch>
-        </p:blipFill>
+        </p:nvSpPr>
         <p:spPr>
           <a:xfrm>
-            <a:off x="9740556" y="1148493"/>
-            <a:ext cx="1609573" cy="1609573"/>
+            <a:off x="1327619" y="323107"/>
+            <a:ext cx="9536761" cy="861774"/>
           </a:xfrm>
           <a:prstGeom prst="rect">
             <a:avLst/>
           </a:prstGeom>
+          <a:noFill/>
         </p:spPr>
-      </p:pic>
+        <p:txBody>
+          <a:bodyPr wrap="square" rtlCol="0">
+            <a:spAutoFit/>
+          </a:bodyPr>
+          <a:lstStyle/>
+          <a:p>
+            <a:pPr algn="ctr"/>
+            <a:r>
+              <a:rPr lang="en-US" sz="5000" dirty="0">
+                <a:solidFill>
+                  <a:schemeClr val="accent2"/>
+                </a:solidFill>
+                <a:latin typeface="Roboto Black" panose="02000000000000000000" pitchFamily="2" charset="0"/>
+                <a:ea typeface="Roboto Black" panose="02000000000000000000" pitchFamily="2" charset="0"/>
+              </a:rPr>
+              <a:t>Introducing Drone as a Platform</a:t>
+            </a:r>
+            <a:endParaRPr lang="en-US" sz="5000" dirty="0">
+              <a:solidFill>
+                <a:schemeClr val="accent2"/>
+              </a:solidFill>
+              <a:effectLst/>
+              <a:latin typeface="Roboto Black" panose="02000000000000000000" pitchFamily="2" charset="0"/>
+              <a:ea typeface="Roboto Black" panose="02000000000000000000" pitchFamily="2" charset="0"/>
+            </a:endParaRPr>
+          </a:p>
+        </p:txBody>
+      </p:sp>
+      <p:sp>
+        <p:nvSpPr>
+          <p:cNvPr id="4" name="TextBox 3"/>
+          <p:cNvSpPr txBox="1"/>
+          <p:nvPr/>
+        </p:nvSpPr>
+        <p:spPr>
+          <a:xfrm>
+            <a:off x="1150073" y="5901020"/>
+            <a:ext cx="3101899" cy="400110"/>
+          </a:xfrm>
+          <a:prstGeom prst="rect">
+            <a:avLst/>
+          </a:prstGeom>
+          <a:noFill/>
+        </p:spPr>
+        <p:txBody>
+          <a:bodyPr wrap="square" rtlCol="0" anchor="ctr">
+            <a:spAutoFit/>
+          </a:bodyPr>
+          <a:lstStyle/>
+          <a:p>
+            <a:pPr algn="ctr"/>
+            <a:r>
+              <a:rPr lang="en-US" sz="2000" b="1" i="0" dirty="0">
+                <a:solidFill>
+                  <a:srgbClr val="374151"/>
+                </a:solidFill>
+                <a:effectLst/>
+                <a:latin typeface="Arial" panose="02080604020202020204" pitchFamily="34" charset="0"/>
+                <a:cs typeface="Arial" panose="02080604020202020204" pitchFamily="34" charset="0"/>
+              </a:rPr>
+              <a:t>Software subscriptions</a:t>
+            </a:r>
+            <a:endParaRPr lang="en-US" sz="1900" b="1" dirty="0">
+              <a:latin typeface="Arial" panose="02080604020202020204" pitchFamily="34" charset="0"/>
+              <a:cs typeface="Arial" panose="02080604020202020204" pitchFamily="34" charset="0"/>
+            </a:endParaRPr>
+          </a:p>
+        </p:txBody>
+      </p:sp>
+      <p:sp>
+        <p:nvSpPr>
+          <p:cNvPr id="7" name="TextBox 6"/>
+          <p:cNvSpPr txBox="1"/>
+          <p:nvPr/>
+        </p:nvSpPr>
+        <p:spPr>
+          <a:xfrm>
+            <a:off x="5279095" y="5901020"/>
+            <a:ext cx="1866435" cy="400110"/>
+          </a:xfrm>
+          <a:prstGeom prst="rect">
+            <a:avLst/>
+          </a:prstGeom>
+          <a:noFill/>
+        </p:spPr>
+        <p:txBody>
+          <a:bodyPr wrap="square" rtlCol="0" anchor="ctr">
+            <a:spAutoFit/>
+          </a:bodyPr>
+          <a:lstStyle/>
+          <a:p>
+            <a:pPr algn="ctr"/>
+            <a:r>
+              <a:rPr lang="en-US" sz="2000" b="1" i="0" dirty="0">
+                <a:solidFill>
+                  <a:srgbClr val="374151"/>
+                </a:solidFill>
+                <a:effectLst/>
+                <a:latin typeface="Arial" panose="02080604020202020204" pitchFamily="34" charset="0"/>
+                <a:cs typeface="Arial" panose="02080604020202020204" pitchFamily="34" charset="0"/>
+              </a:rPr>
+              <a:t>Service fees</a:t>
+            </a:r>
+            <a:endParaRPr lang="en-US" sz="1900" b="1" dirty="0">
+              <a:latin typeface="Arial" panose="02080604020202020204" pitchFamily="34" charset="0"/>
+              <a:cs typeface="Arial" panose="02080604020202020204" pitchFamily="34" charset="0"/>
+            </a:endParaRPr>
+          </a:p>
+        </p:txBody>
+      </p:sp>
+      <p:sp>
+        <p:nvSpPr>
+          <p:cNvPr id="11" name="TextBox 10"/>
+          <p:cNvSpPr txBox="1"/>
+          <p:nvPr/>
+        </p:nvSpPr>
+        <p:spPr>
+          <a:xfrm>
+            <a:off x="8593266" y="5901020"/>
+            <a:ext cx="1597426" cy="400110"/>
+          </a:xfrm>
+          <a:prstGeom prst="rect">
+            <a:avLst/>
+          </a:prstGeom>
+          <a:noFill/>
+        </p:spPr>
+        <p:txBody>
+          <a:bodyPr wrap="square" rtlCol="0" anchor="ctr">
+            <a:spAutoFit/>
+          </a:bodyPr>
+          <a:lstStyle/>
+          <a:p>
+            <a:pPr algn="ctr"/>
+            <a:r>
+              <a:rPr lang="en-US" sz="2000" b="1" i="0" dirty="0">
+                <a:solidFill>
+                  <a:srgbClr val="374151"/>
+                </a:solidFill>
+                <a:effectLst/>
+                <a:latin typeface="Arial" panose="02080604020202020204" pitchFamily="34" charset="0"/>
+                <a:cs typeface="Arial" panose="02080604020202020204" pitchFamily="34" charset="0"/>
+              </a:rPr>
+              <a:t>Data sales</a:t>
+            </a:r>
+            <a:endParaRPr lang="en-US" sz="1900" b="1" dirty="0">
+              <a:latin typeface="Arial" panose="02080604020202020204" pitchFamily="34" charset="0"/>
+              <a:cs typeface="Arial" panose="02080604020202020204" pitchFamily="34" charset="0"/>
+            </a:endParaRPr>
+          </a:p>
+        </p:txBody>
+      </p:sp>
+      <p:sp>
+        <p:nvSpPr>
+          <p:cNvPr id="5" name="TextBox 4"/>
+          <p:cNvSpPr txBox="1"/>
+          <p:nvPr/>
+        </p:nvSpPr>
+        <p:spPr>
+          <a:xfrm>
+            <a:off x="356080" y="2108766"/>
+            <a:ext cx="11517164" cy="3108223"/>
+          </a:xfrm>
+          <a:prstGeom prst="rect">
+            <a:avLst/>
+          </a:prstGeom>
+          <a:noFill/>
+        </p:spPr>
+        <p:txBody>
+          <a:bodyPr wrap="square" rtlCol="0">
+            <a:spAutoFit/>
+          </a:bodyPr>
+          <a:lstStyle/>
+          <a:p>
+            <a:pPr>
+              <a:lnSpc>
+                <a:spcPct val="150000"/>
+              </a:lnSpc>
+            </a:pPr>
+            <a:r>
+              <a:rPr lang="en-US" sz="1900" dirty="0">
+                <a:latin typeface="Arial" panose="02080604020202020204" pitchFamily="34" charset="0"/>
+                <a:cs typeface="Arial" panose="02080604020202020204" pitchFamily="34" charset="0"/>
+              </a:rPr>
+              <a:t>Welcome to the new model of drones that have never been seen before.</a:t>
+            </a:r>
+          </a:p>
+          <a:p>
+            <a:pPr>
+              <a:lnSpc>
+                <a:spcPct val="150000"/>
+              </a:lnSpc>
+            </a:pPr>
+            <a:endParaRPr lang="en-US" sz="1900" dirty="0">
+              <a:latin typeface="Arial" panose="02080604020202020204" pitchFamily="34" charset="0"/>
+              <a:cs typeface="Arial" panose="02080604020202020204" pitchFamily="34" charset="0"/>
+            </a:endParaRPr>
+          </a:p>
+          <a:p>
+            <a:pPr>
+              <a:lnSpc>
+                <a:spcPct val="150000"/>
+              </a:lnSpc>
+            </a:pPr>
+            <a:r>
+              <a:rPr lang="en-US" sz="1900" dirty="0">
+                <a:latin typeface="Arial" panose="02080604020202020204" pitchFamily="34" charset="0"/>
+                <a:cs typeface="Arial" panose="02080604020202020204" pitchFamily="34" charset="0"/>
+              </a:rPr>
+              <a:t>We introduce to you Drones as a Platform interface:</a:t>
+            </a:r>
+          </a:p>
+          <a:p>
+            <a:pPr>
+              <a:lnSpc>
+                <a:spcPct val="150000"/>
+              </a:lnSpc>
+            </a:pPr>
+            <a:endParaRPr lang="en-US" sz="1900" dirty="0">
+              <a:latin typeface="Arial" panose="02080604020202020204" pitchFamily="34" charset="0"/>
+              <a:cs typeface="Arial" panose="02080604020202020204" pitchFamily="34" charset="0"/>
+            </a:endParaRPr>
+          </a:p>
+          <a:p>
+            <a:pPr>
+              <a:lnSpc>
+                <a:spcPct val="150000"/>
+              </a:lnSpc>
+            </a:pPr>
+            <a:r>
+              <a:rPr lang="en-US" sz="1900" dirty="0">
+                <a:latin typeface="Arial" panose="02080604020202020204" pitchFamily="34" charset="0"/>
+                <a:cs typeface="Arial" panose="02080604020202020204" pitchFamily="34" charset="0"/>
+              </a:rPr>
+              <a:t> </a:t>
+            </a:r>
+            <a:r>
+              <a:rPr lang="en-US" sz="1900" dirty="0">
+                <a:highlight>
+                  <a:srgbClr val="EDEDED"/>
+                </a:highlight>
+                <a:latin typeface="Arial" panose="02080604020202020204" pitchFamily="34" charset="0"/>
+                <a:cs typeface="Arial" panose="02080604020202020204" pitchFamily="34" charset="0"/>
+              </a:rPr>
+              <a:t>  For third-party developers to use our hardware and build software and experiences on top of it.</a:t>
+            </a:r>
+            <a:endParaRPr lang="en-US" sz="1900" dirty="0">
+              <a:latin typeface="Arial" panose="02080604020202020204" pitchFamily="34" charset="0"/>
+              <a:cs typeface="Arial" panose="02080604020202020204" pitchFamily="34" charset="0"/>
+            </a:endParaRPr>
+          </a:p>
+          <a:p>
+            <a:pPr>
+              <a:lnSpc>
+                <a:spcPct val="150000"/>
+              </a:lnSpc>
+            </a:pPr>
+            <a:endParaRPr lang="en-US" sz="1900" dirty="0">
+              <a:latin typeface="Arial" panose="02080604020202020204" pitchFamily="34" charset="0"/>
+              <a:cs typeface="Arial" panose="02080604020202020204" pitchFamily="34" charset="0"/>
+            </a:endParaRPr>
+          </a:p>
+          <a:p>
+            <a:pPr>
+              <a:lnSpc>
+                <a:spcPct val="150000"/>
+              </a:lnSpc>
+            </a:pPr>
+            <a:r>
+              <a:rPr lang="en-US" sz="1900" dirty="0">
+                <a:latin typeface="Arial" panose="02080604020202020204" pitchFamily="34" charset="0"/>
+                <a:cs typeface="Arial" panose="02080604020202020204" pitchFamily="34" charset="0"/>
+              </a:rPr>
+              <a:t>This will allow us to capture the value already created and create </a:t>
+            </a:r>
+            <a:r>
+              <a:rPr lang="en-US" sz="1900" i="1" dirty="0">
+                <a:latin typeface="Arial" panose="02080604020202020204" pitchFamily="34" charset="0"/>
+                <a:cs typeface="Arial" panose="02080604020202020204" pitchFamily="34" charset="0"/>
+              </a:rPr>
+              <a:t>additional revenue stream</a:t>
+            </a:r>
+            <a:r>
+              <a:rPr lang="en-US" sz="1900" dirty="0">
+                <a:latin typeface="Arial" panose="02080604020202020204" pitchFamily="34" charset="0"/>
+                <a:cs typeface="Arial" panose="02080604020202020204" pitchFamily="34" charset="0"/>
+              </a:rPr>
+              <a:t>:</a:t>
+            </a:r>
+          </a:p>
+        </p:txBody>
+      </p:sp>
       <p:pic>
         <p:nvPicPr>
-          <p:cNvPr id="5" name="Picture 4"/>
+          <p:cNvPr id="12" name="Picture 11"/>
           <p:cNvPicPr>
             <a:picLocks noChangeAspect="1"/>
           </p:cNvPicPr>
@@ -30163,458 +34707,14 @@
         </p:blipFill>
         <p:spPr>
           <a:xfrm>
-            <a:off x="7285439" y="3079789"/>
-            <a:ext cx="6172093" cy="3244498"/>
+            <a:off x="8187297" y="896965"/>
+            <a:ext cx="3835994" cy="1917997"/>
           </a:xfrm>
           <a:prstGeom prst="rect">
             <a:avLst/>
           </a:prstGeom>
         </p:spPr>
       </p:pic>
-      <p:pic>
-        <p:nvPicPr>
-          <p:cNvPr id="8" name="3D Model 7"/>
-          <p:cNvPicPr>
-            <a:picLocks noGrp="1" noRot="1" noChangeAspect="1" noMove="1" noResize="1" noEditPoints="1" noAdjustHandles="1" noChangeArrowheads="1" noChangeShapeType="1" noCrop="1"/>
-          </p:cNvPicPr>
-          <p:nvPr/>
-        </p:nvPicPr>
-        <p:blipFill>
-          <a:blip r:embed="rId4"/>
-          <a:stretch>
-            <a:fillRect/>
-          </a:stretch>
-        </p:blipFill>
-        <p:spPr>
-          <a:xfrm>
-            <a:off x="579772" y="3169101"/>
-            <a:ext cx="5247410" cy="2405649"/>
-          </a:xfrm>
-          <a:prstGeom prst="rect">
-            <a:avLst/>
-          </a:prstGeom>
-        </p:spPr>
-      </p:pic>
-      <p:pic>
-        <p:nvPicPr>
-          <p:cNvPr id="10" name="3D Model 9"/>
-          <p:cNvPicPr>
-            <a:picLocks noGrp="1" noRot="1" noChangeAspect="1" noMove="1" noResize="1" noEditPoints="1" noAdjustHandles="1" noChangeArrowheads="1" noChangeShapeType="1" noCrop="1"/>
-          </p:cNvPicPr>
-          <p:nvPr/>
-        </p:nvPicPr>
-        <p:blipFill>
-          <a:blip r:embed="rId5"/>
-          <a:stretch>
-            <a:fillRect/>
-          </a:stretch>
-        </p:blipFill>
-        <p:spPr>
-          <a:xfrm>
-            <a:off x="-6869470" y="1054296"/>
-            <a:ext cx="6447275" cy="3514097"/>
-          </a:xfrm>
-          <a:prstGeom prst="rect">
-            <a:avLst/>
-          </a:prstGeom>
-        </p:spPr>
-      </p:pic>
-      <p:sp>
-        <p:nvSpPr>
-          <p:cNvPr id="2" name="Title 1"/>
-          <p:cNvSpPr txBox="1"/>
-          <p:nvPr/>
-        </p:nvSpPr>
-        <p:spPr>
-          <a:xfrm>
-            <a:off x="579772" y="1417279"/>
-            <a:ext cx="3069771" cy="611994"/>
-          </a:xfrm>
-          <a:prstGeom prst="rect">
-            <a:avLst/>
-          </a:prstGeom>
-        </p:spPr>
-        <p:txBody>
-          <a:bodyPr vert="horz" lIns="91440" tIns="45720" rIns="91440" bIns="45720" rtlCol="0" anchor="ctr">
-            <a:normAutofit/>
-          </a:bodyPr>
-          <a:lstStyle>
-            <a:lvl1pPr algn="l" defTabSz="914400" rtl="0" eaLnBrk="1" latinLnBrk="0" hangingPunct="1">
-              <a:lnSpc>
-                <a:spcPct val="80000"/>
-              </a:lnSpc>
-              <a:spcBef>
-                <a:spcPct val="0"/>
-              </a:spcBef>
-              <a:buNone/>
-              <a:defRPr sz="5000" kern="1200" cap="all" spc="100" baseline="0">
-                <a:solidFill>
-                  <a:schemeClr val="tx1">
-                    <a:lumMod val="95000"/>
-                    <a:lumOff val="5000"/>
-                  </a:schemeClr>
-                </a:solidFill>
-                <a:latin typeface="+mj-lt"/>
-                <a:ea typeface="+mj-ea"/>
-                <a:cs typeface="+mj-cs"/>
-              </a:defRPr>
-            </a:lvl1pPr>
-          </a:lstStyle>
-          <a:p>
-            <a:r>
-              <a:rPr lang="en-US" sz="4000" dirty="0">
-                <a:solidFill>
-                  <a:schemeClr val="tx1"/>
-                </a:solidFill>
-                <a:latin typeface="Roboto Black" panose="02000000000000000000" pitchFamily="2" charset="0"/>
-                <a:ea typeface="Roboto Black" panose="02000000000000000000" pitchFamily="2" charset="0"/>
-              </a:rPr>
-              <a:t>FPV</a:t>
-            </a:r>
-            <a:r>
-              <a:rPr lang="en-US" sz="4000" dirty="0">
-                <a:solidFill>
-                  <a:schemeClr val="tx1"/>
-                </a:solidFill>
-              </a:rPr>
-              <a:t> </a:t>
-            </a:r>
-            <a:r>
-              <a:rPr lang="en-US" sz="4000" dirty="0">
-                <a:solidFill>
-                  <a:schemeClr val="tx1"/>
-                </a:solidFill>
-                <a:latin typeface="Roboto" panose="02000000000000000000" pitchFamily="2" charset="0"/>
-                <a:ea typeface="Roboto" panose="02000000000000000000" pitchFamily="2" charset="0"/>
-              </a:rPr>
-              <a:t>Life</a:t>
-            </a:r>
-          </a:p>
-        </p:txBody>
-      </p:sp>
-      <p:sp>
-        <p:nvSpPr>
-          <p:cNvPr id="3" name="Subtitle 2"/>
-          <p:cNvSpPr txBox="1"/>
-          <p:nvPr/>
-        </p:nvSpPr>
-        <p:spPr>
-          <a:xfrm>
-            <a:off x="579772" y="2359348"/>
-            <a:ext cx="5729853" cy="343185"/>
-          </a:xfrm>
-          <a:prstGeom prst="rect">
-            <a:avLst/>
-          </a:prstGeom>
-        </p:spPr>
-        <p:txBody>
-          <a:bodyPr vert="horz" lIns="45720" tIns="45720" rIns="45720" bIns="45720" rtlCol="0">
-            <a:noAutofit/>
-          </a:bodyPr>
-          <a:lstStyle>
-            <a:lvl1pPr marL="91440" indent="-91440" algn="l" defTabSz="914400" rtl="0" eaLnBrk="1" latinLnBrk="0" hangingPunct="1">
-              <a:lnSpc>
-                <a:spcPct val="90000"/>
-              </a:lnSpc>
-              <a:spcBef>
-                <a:spcPts val="1200"/>
-              </a:spcBef>
-              <a:spcAft>
-                <a:spcPts val="200"/>
-              </a:spcAft>
-              <a:buClr>
-                <a:schemeClr val="accent1"/>
-              </a:buClr>
-              <a:buSzPct val="100000"/>
-              <a:buFont typeface="Tw Cen MT" panose="020B0602020104020603" pitchFamily="34" charset="0"/>
-              <a:buChar char=" "/>
-              <a:defRPr sz="2200" kern="1200">
-                <a:solidFill>
-                  <a:schemeClr val="tx1"/>
-                </a:solidFill>
-                <a:latin typeface="+mn-lt"/>
-                <a:ea typeface="+mn-ea"/>
-                <a:cs typeface="+mn-cs"/>
-              </a:defRPr>
-            </a:lvl1pPr>
-            <a:lvl2pPr marL="265430" indent="-137160" algn="l" defTabSz="914400" rtl="0" eaLnBrk="1" latinLnBrk="0" hangingPunct="1">
-              <a:lnSpc>
-                <a:spcPct val="90000"/>
-              </a:lnSpc>
-              <a:spcBef>
-                <a:spcPts val="200"/>
-              </a:spcBef>
-              <a:spcAft>
-                <a:spcPts val="400"/>
-              </a:spcAft>
-              <a:buClr>
-                <a:schemeClr val="accent1"/>
-              </a:buClr>
-              <a:buFont typeface="Wingdings 3" pitchFamily="18" charset="2"/>
-              <a:buChar char=""/>
-              <a:defRPr sz="1800" kern="1200">
-                <a:solidFill>
-                  <a:schemeClr val="tx1"/>
-                </a:solidFill>
-                <a:latin typeface="+mn-lt"/>
-                <a:ea typeface="+mn-ea"/>
-                <a:cs typeface="+mn-cs"/>
-              </a:defRPr>
-            </a:lvl2pPr>
-            <a:lvl3pPr marL="448310" indent="-137160" algn="l" defTabSz="914400" rtl="0" eaLnBrk="1" latinLnBrk="0" hangingPunct="1">
-              <a:lnSpc>
-                <a:spcPct val="90000"/>
-              </a:lnSpc>
-              <a:spcBef>
-                <a:spcPts val="200"/>
-              </a:spcBef>
-              <a:spcAft>
-                <a:spcPts val="400"/>
-              </a:spcAft>
-              <a:buClr>
-                <a:schemeClr val="accent1"/>
-              </a:buClr>
-              <a:buFont typeface="Wingdings 3" pitchFamily="18" charset="2"/>
-              <a:buChar char=""/>
-              <a:defRPr sz="1400" kern="1200">
-                <a:solidFill>
-                  <a:schemeClr val="tx1"/>
-                </a:solidFill>
-                <a:latin typeface="+mn-lt"/>
-                <a:ea typeface="+mn-ea"/>
-                <a:cs typeface="+mn-cs"/>
-              </a:defRPr>
-            </a:lvl3pPr>
-            <a:lvl4pPr marL="594360" indent="-137160" algn="l" defTabSz="914400" rtl="0" eaLnBrk="1" latinLnBrk="0" hangingPunct="1">
-              <a:lnSpc>
-                <a:spcPct val="90000"/>
-              </a:lnSpc>
-              <a:spcBef>
-                <a:spcPts val="200"/>
-              </a:spcBef>
-              <a:spcAft>
-                <a:spcPts val="400"/>
-              </a:spcAft>
-              <a:buClr>
-                <a:schemeClr val="accent1"/>
-              </a:buClr>
-              <a:buFont typeface="Wingdings 3" pitchFamily="18" charset="2"/>
-              <a:buChar char=""/>
-              <a:defRPr sz="1400" kern="1200">
-                <a:solidFill>
-                  <a:schemeClr val="tx1"/>
-                </a:solidFill>
-                <a:latin typeface="+mn-lt"/>
-                <a:ea typeface="+mn-ea"/>
-                <a:cs typeface="+mn-cs"/>
-              </a:defRPr>
-            </a:lvl4pPr>
-            <a:lvl5pPr marL="777240" indent="-137160" algn="l" defTabSz="914400" rtl="0" eaLnBrk="1" latinLnBrk="0" hangingPunct="1">
-              <a:lnSpc>
-                <a:spcPct val="90000"/>
-              </a:lnSpc>
-              <a:spcBef>
-                <a:spcPts val="200"/>
-              </a:spcBef>
-              <a:spcAft>
-                <a:spcPts val="400"/>
-              </a:spcAft>
-              <a:buClr>
-                <a:schemeClr val="accent1"/>
-              </a:buClr>
-              <a:buFont typeface="Wingdings 3" pitchFamily="18" charset="2"/>
-              <a:buChar char=""/>
-              <a:defRPr sz="1400" kern="1200">
-                <a:solidFill>
-                  <a:schemeClr val="tx1"/>
-                </a:solidFill>
-                <a:latin typeface="+mn-lt"/>
-                <a:ea typeface="+mn-ea"/>
-                <a:cs typeface="+mn-cs"/>
-              </a:defRPr>
-            </a:lvl5pPr>
-            <a:lvl6pPr marL="914400" indent="-137160" algn="l" defTabSz="914400" rtl="0" eaLnBrk="1" latinLnBrk="0" hangingPunct="1">
-              <a:lnSpc>
-                <a:spcPct val="90000"/>
-              </a:lnSpc>
-              <a:spcBef>
-                <a:spcPts val="200"/>
-              </a:spcBef>
-              <a:spcAft>
-                <a:spcPts val="400"/>
-              </a:spcAft>
-              <a:buClr>
-                <a:schemeClr val="accent1"/>
-              </a:buClr>
-              <a:buFont typeface="Wingdings 3" pitchFamily="18" charset="2"/>
-              <a:buChar char=""/>
-              <a:defRPr sz="1400" kern="1200">
-                <a:solidFill>
-                  <a:schemeClr val="tx1"/>
-                </a:solidFill>
-                <a:latin typeface="+mn-lt"/>
-                <a:ea typeface="+mn-ea"/>
-                <a:cs typeface="+mn-cs"/>
-              </a:defRPr>
-            </a:lvl6pPr>
-            <a:lvl7pPr marL="1060450" indent="-137160" algn="l" defTabSz="914400" rtl="0" eaLnBrk="1" latinLnBrk="0" hangingPunct="1">
-              <a:lnSpc>
-                <a:spcPct val="90000"/>
-              </a:lnSpc>
-              <a:spcBef>
-                <a:spcPts val="200"/>
-              </a:spcBef>
-              <a:spcAft>
-                <a:spcPts val="400"/>
-              </a:spcAft>
-              <a:buClr>
-                <a:schemeClr val="accent1"/>
-              </a:buClr>
-              <a:buFont typeface="Wingdings 3" pitchFamily="18" charset="2"/>
-              <a:buChar char=""/>
-              <a:defRPr sz="1400" kern="1200">
-                <a:solidFill>
-                  <a:schemeClr val="tx1"/>
-                </a:solidFill>
-                <a:latin typeface="+mn-lt"/>
-                <a:ea typeface="+mn-ea"/>
-                <a:cs typeface="+mn-cs"/>
-              </a:defRPr>
-            </a:lvl7pPr>
-            <a:lvl8pPr marL="1216025" indent="-137160" algn="l" defTabSz="914400" rtl="0" eaLnBrk="1" latinLnBrk="0" hangingPunct="1">
-              <a:lnSpc>
-                <a:spcPct val="90000"/>
-              </a:lnSpc>
-              <a:spcBef>
-                <a:spcPts val="200"/>
-              </a:spcBef>
-              <a:spcAft>
-                <a:spcPts val="400"/>
-              </a:spcAft>
-              <a:buClr>
-                <a:schemeClr val="accent1"/>
-              </a:buClr>
-              <a:buFont typeface="Wingdings 3" pitchFamily="18" charset="2"/>
-              <a:buChar char=""/>
-              <a:defRPr sz="1400" kern="1200">
-                <a:solidFill>
-                  <a:schemeClr val="tx1"/>
-                </a:solidFill>
-                <a:latin typeface="+mn-lt"/>
-                <a:ea typeface="+mn-ea"/>
-                <a:cs typeface="+mn-cs"/>
-              </a:defRPr>
-            </a:lvl8pPr>
-            <a:lvl9pPr marL="1362710" indent="-137160" algn="l" defTabSz="914400" rtl="0" eaLnBrk="1" latinLnBrk="0" hangingPunct="1">
-              <a:lnSpc>
-                <a:spcPct val="90000"/>
-              </a:lnSpc>
-              <a:spcBef>
-                <a:spcPts val="200"/>
-              </a:spcBef>
-              <a:spcAft>
-                <a:spcPts val="400"/>
-              </a:spcAft>
-              <a:buClr>
-                <a:schemeClr val="accent1"/>
-              </a:buClr>
-              <a:buFont typeface="Wingdings 3" pitchFamily="18" charset="2"/>
-              <a:buChar char=""/>
-              <a:defRPr sz="1400" kern="1200">
-                <a:solidFill>
-                  <a:schemeClr val="tx1"/>
-                </a:solidFill>
-                <a:latin typeface="+mn-lt"/>
-                <a:ea typeface="+mn-ea"/>
-                <a:cs typeface="+mn-cs"/>
-              </a:defRPr>
-            </a:lvl9pPr>
-          </a:lstStyle>
-          <a:p>
-            <a:r>
-              <a:rPr lang="en-US" sz="1800" dirty="0">
-                <a:latin typeface="Roboto light" panose="020B0604020202020204" pitchFamily="2" charset="0"/>
-                <a:ea typeface="Roboto light" panose="020B0604020202020204" pitchFamily="2" charset="0"/>
-              </a:rPr>
-              <a:t>Autonomous drones for Police Patrolling</a:t>
-            </a:r>
-          </a:p>
-        </p:txBody>
-      </p:sp>
-      <p:pic>
-        <p:nvPicPr>
-          <p:cNvPr id="11" name="Picture 10">
-            <a:extLst>
-              <a:ext uri="{FF2B5EF4-FFF2-40B4-BE49-F238E27FC236}">
-                <a16:creationId xmlns:a16="http://schemas.microsoft.com/office/drawing/2014/main" id="{64922FC5-E5BA-236E-81D1-AD23FF23E535}"/>
-              </a:ext>
-            </a:extLst>
-          </p:cNvPr>
-          <p:cNvPicPr>
-            <a:picLocks noChangeAspect="1"/>
-          </p:cNvPicPr>
-          <p:nvPr/>
-        </p:nvPicPr>
-        <p:blipFill>
-          <a:blip r:embed="rId6">
-            <a:extLst>
-              <a:ext uri="{28A0092B-C50C-407E-A947-70E740481C1C}">
-                <a14:useLocalDpi xmlns:a14="http://schemas.microsoft.com/office/drawing/2010/main" val="0"/>
-              </a:ext>
-            </a:extLst>
-          </a:blip>
-          <a:stretch>
-            <a:fillRect/>
-          </a:stretch>
-        </p:blipFill>
-        <p:spPr>
-          <a:xfrm>
-            <a:off x="5857301" y="2436344"/>
-            <a:ext cx="1933246" cy="3871161"/>
-          </a:xfrm>
-          <a:prstGeom prst="rect">
-            <a:avLst/>
-          </a:prstGeom>
-        </p:spPr>
-      </p:pic>
-      <p:sp>
-        <p:nvSpPr>
-          <p:cNvPr id="12" name="TextBox 11">
-            <a:extLst>
-              <a:ext uri="{FF2B5EF4-FFF2-40B4-BE49-F238E27FC236}">
-                <a16:creationId xmlns:a16="http://schemas.microsoft.com/office/drawing/2014/main" id="{FC6AE1D5-4E59-B9D1-977A-42CA1F1C8942}"/>
-              </a:ext>
-            </a:extLst>
-          </p:cNvPr>
-          <p:cNvSpPr txBox="1"/>
-          <p:nvPr/>
-        </p:nvSpPr>
-        <p:spPr>
-          <a:xfrm>
-            <a:off x="5770352" y="1456570"/>
-            <a:ext cx="2126193" cy="400110"/>
-          </a:xfrm>
-          <a:prstGeom prst="rect">
-            <a:avLst/>
-          </a:prstGeom>
-          <a:noFill/>
-        </p:spPr>
-        <p:txBody>
-          <a:bodyPr wrap="square" rtlCol="0">
-            <a:spAutoFit/>
-          </a:bodyPr>
-          <a:lstStyle/>
-          <a:p>
-            <a:r>
-              <a:rPr lang="en-US" sz="2000" b="1" dirty="0">
-                <a:latin typeface="Arial" panose="020B0604020202020204" pitchFamily="34" charset="0"/>
-                <a:cs typeface="Arial" panose="020B0604020202020204" pitchFamily="34" charset="0"/>
-              </a:rPr>
-              <a:t>Apple iPhone</a:t>
-            </a:r>
-          </a:p>
-        </p:txBody>
-      </p:sp>
     </p:spTree>
   </p:cSld>
   <p:clrMapOvr>
@@ -30622,2373 +34722,16 @@
   </p:clrMapOvr>
   <mc:AlternateContent xmlns:mc="http://schemas.openxmlformats.org/markup-compatibility/2006" xmlns:p159="http://schemas.microsoft.com/office/powerpoint/2015/09/main">
     <mc:Choice Requires="p159">
-      <p:transition xmlns:p14="http://schemas.microsoft.com/office/powerpoint/2010/main" spd="slow" p14:dur="2000" advTm="1155">
+      <p:transition xmlns:p14="http://schemas.microsoft.com/office/powerpoint/2010/main" spd="slow" p14:dur="2000">
         <p159:morph option="byObject"/>
       </p:transition>
     </mc:Choice>
     <mc:Fallback xmlns="">
-      <p:transition spd="slow" advTm="1155">
+      <p:transition spd="slow">
         <p:fade/>
       </p:transition>
     </mc:Fallback>
   </mc:AlternateContent>
-  <p:timing>
-    <p:tnLst>
-      <p:par>
-        <p:cTn id="1" dur="indefinite" restart="never" nodeType="tmRoot">
-          <p:childTnLst>
-            <p:seq concurrent="1" nextAc="seek">
-              <p:cTn id="2" dur="indefinite" nodeType="mainSeq">
-                <p:childTnLst>
-                  <p:par>
-                    <p:cTn id="3" fill="hold">
-                      <p:stCondLst>
-                        <p:cond delay="indefinite"/>
-                      </p:stCondLst>
-                      <p:childTnLst>
-                        <p:par>
-                          <p:cTn id="4" fill="hold">
-                            <p:stCondLst>
-                              <p:cond delay="0"/>
-                            </p:stCondLst>
-                            <p:childTnLst>
-                              <p:par>
-                                <p:cTn id="5" presetID="39" presetClass="emph" presetSubtype="2" fill="hold" nodeType="clickEffect">
-                                  <p:stCondLst>
-                                    <p:cond delay="0"/>
-                                  </p:stCondLst>
-                                  <p:childTnLst>
-                                    <p:anim calcmode="lin" valueType="num">
-                                      <p:cBhvr additive="sum">
-                                        <p:cTn id="6" dur="2000" fill="hold"/>
-                                        <p:tgtEl>
-                                          <p:spTgt spid="8"/>
-                                        </p:tgtEl>
-                                      </p:cBhvr>
-                                      <p:tavLst>
-                                        <p:tav tm="0">
-                                          <p:val>
-                                            <p:fltVal val="0"/>
-                                          </p:val>
-                                        </p:tav>
-                                        <p:tav tm="1100">
-                                          <p:val>
-                                            <p:fltVal val="-0.0012"/>
-                                          </p:val>
-                                        </p:tav>
-                                        <p:tav tm="2300">
-                                          <p:val>
-                                            <p:fltVal val="-0.0098"/>
-                                          </p:val>
-                                        </p:tav>
-                                        <p:tav tm="3400">
-                                          <p:val>
-                                            <p:fltVal val="-0.033"/>
-                                          </p:val>
-                                        </p:tav>
-                                        <p:tav tm="4500">
-                                          <p:val>
-                                            <p:fltVal val="-0.0789"/>
-                                          </p:val>
-                                        </p:tav>
-                                        <p:tav tm="5600">
-                                          <p:val>
-                                            <p:fltVal val="-0.1548"/>
-                                          </p:val>
-                                        </p:tav>
-                                        <p:tav tm="6700">
-                                          <p:val>
-                                            <p:fltVal val="-0.267"/>
-                                          </p:val>
-                                        </p:tav>
-                                        <p:tav tm="7900">
-                                          <p:val>
-                                            <p:fltVal val="-0.4235"/>
-                                          </p:val>
-                                        </p:tav>
-                                        <p:tav tm="9000">
-                                          <p:val>
-                                            <p:fltVal val="-0.6337"/>
-                                          </p:val>
-                                        </p:tav>
-                                        <p:tav tm="10100">
-                                          <p:val>
-                                            <p:fltVal val="-0.9013"/>
-                                          </p:val>
-                                        </p:tav>
-                                        <p:tav tm="11200">
-                                          <p:val>
-                                            <p:fltVal val="-1.2353"/>
-                                          </p:val>
-                                        </p:tav>
-                                        <p:tav tm="12400">
-                                          <p:val>
-                                            <p:fltVal val="-1.647"/>
-                                          </p:val>
-                                        </p:tav>
-                                        <p:tav tm="13500">
-                                          <p:val>
-                                            <p:fltVal val="-2.0869"/>
-                                          </p:val>
-                                        </p:tav>
-                                        <p:tav tm="14600">
-                                          <p:val>
-                                            <p:fltVal val="-2.4538"/>
-                                          </p:val>
-                                        </p:tav>
-                                        <p:tav tm="15700">
-                                          <p:val>
-                                            <p:fltVal val="-2.7534"/>
-                                          </p:val>
-                                        </p:tav>
-                                        <p:tav tm="16900">
-                                          <p:val>
-                                            <p:fltVal val="-2.9876"/>
-                                          </p:val>
-                                        </p:tav>
-                                        <p:tav tm="18000">
-                                          <p:val>
-                                            <p:fltVal val="-3.1669"/>
-                                          </p:val>
-                                        </p:tav>
-                                        <p:tav tm="19100">
-                                          <p:val>
-                                            <p:fltVal val="-3.2996"/>
-                                          </p:val>
-                                        </p:tav>
-                                        <p:tav tm="20200">
-                                          <p:val>
-                                            <p:fltVal val="-3.3906"/>
-                                          </p:val>
-                                        </p:tav>
-                                        <p:tav tm="21400">
-                                          <p:val>
-                                            <p:fltVal val="-3.4488"/>
-                                          </p:val>
-                                        </p:tav>
-                                        <p:tav tm="22500">
-                                          <p:val>
-                                            <p:fltVal val="-3.4815"/>
-                                          </p:val>
-                                        </p:tav>
-                                        <p:tav tm="23600">
-                                          <p:val>
-                                            <p:fltVal val="-3.4961"/>
-                                          </p:val>
-                                        </p:tav>
-                                        <p:tav tm="24700">
-                                          <p:val>
-                                            <p:fltVal val="-3.4998"/>
-                                          </p:val>
-                                        </p:tav>
-                                        <p:tav tm="25800">
-                                          <p:val>
-                                            <p:fltVal val="-3.0301"/>
-                                          </p:val>
-                                        </p:tav>
-                                        <p:tav tm="27000">
-                                          <p:val>
-                                            <p:fltVal val="-0.9661"/>
-                                          </p:val>
-                                        </p:tav>
-                                        <p:tav tm="28100">
-                                          <p:val>
-                                            <p:fltVal val="2.1525"/>
-                                          </p:val>
-                                        </p:tav>
-                                        <p:tav tm="29200">
-                                          <p:val>
-                                            <p:fltVal val="6.1215"/>
-                                          </p:val>
-                                        </p:tav>
-                                        <p:tav tm="30300">
-                                          <p:val>
-                                            <p:fltVal val="10.8322"/>
-                                          </p:val>
-                                        </p:tav>
-                                        <p:tav tm="31500">
-                                          <p:val>
-                                            <p:fltVal val="16.2132"/>
-                                          </p:val>
-                                        </p:tav>
-                                        <p:tav tm="32600">
-                                          <p:val>
-                                            <p:fltVal val="22.2128"/>
-                                          </p:val>
-                                        </p:tav>
-                                        <p:tav tm="33700">
-                                          <p:val>
-                                            <p:fltVal val="28.7297"/>
-                                          </p:val>
-                                        </p:tav>
-                                        <p:tav tm="34800">
-                                          <p:val>
-                                            <p:fltVal val="35.8493"/>
-                                          </p:val>
-                                        </p:tav>
-                                        <p:tav tm="36000">
-                                          <p:val>
-                                            <p:fltVal val="43.4888"/>
-                                          </p:val>
-                                        </p:tav>
-                                        <p:tav tm="37100">
-                                          <p:val>
-                                            <p:fltVal val="51.6257"/>
-                                          </p:val>
-                                        </p:tav>
-                                        <p:tav tm="38200">
-                                          <p:val>
-                                            <p:fltVal val="60.2402"/>
-                                          </p:val>
-                                        </p:tav>
-                                        <p:tav tm="39300">
-                                          <p:val>
-                                            <p:fltVal val="69.3155"/>
-                                          </p:val>
-                                        </p:tav>
-                                        <p:tav tm="40500">
-                                          <p:val>
-                                            <p:fltVal val="78.8364"/>
-                                          </p:val>
-                                        </p:tav>
-                                        <p:tav tm="41600">
-                                          <p:val>
-                                            <p:fltVal val="88.6987"/>
-                                          </p:val>
-                                        </p:tav>
-                                        <p:tav tm="42700">
-                                          <p:val>
-                                            <p:fltVal val="99.0679"/>
-                                          </p:val>
-                                        </p:tav>
-                                        <p:tav tm="43800">
-                                          <p:val>
-                                            <p:fltVal val="109.8461"/>
-                                          </p:val>
-                                        </p:tav>
-                                        <p:tav tm="44900">
-                                          <p:val>
-                                            <p:fltVal val="121.0232"/>
-                                          </p:val>
-                                        </p:tav>
-                                        <p:tav tm="46100">
-                                          <p:val>
-                                            <p:fltVal val="132.5899"/>
-                                          </p:val>
-                                        </p:tav>
-                                        <p:tav tm="47200">
-                                          <p:val>
-                                            <p:fltVal val="144.5376"/>
-                                          </p:val>
-                                        </p:tav>
-                                        <p:tav tm="48300">
-                                          <p:val>
-                                            <p:fltVal val="156.85851"/>
-                                          </p:val>
-                                        </p:tav>
-                                        <p:tav tm="49400">
-                                          <p:val>
-                                            <p:fltVal val="169.43021"/>
-                                          </p:val>
-                                        </p:tav>
-                                        <p:tav tm="50600">
-                                          <p:val>
-                                            <p:fltVal val="182.34309"/>
-                                          </p:val>
-                                        </p:tav>
-                                        <p:tav tm="51700">
-                                          <p:val>
-                                            <p:fltVal val="195.1411"/>
-                                          </p:val>
-                                        </p:tav>
-                                        <p:tav tm="52800">
-                                          <p:val>
-                                            <p:fltVal val="207.6945"/>
-                                          </p:val>
-                                        </p:tav>
-                                        <p:tav tm="53900">
-                                          <p:val>
-                                            <p:fltVal val="219.77251"/>
-                                          </p:val>
-                                        </p:tav>
-                                        <p:tav tm="55100">
-                                          <p:val>
-                                            <p:fltVal val="231.4814"/>
-                                          </p:val>
-                                        </p:tav>
-                                        <p:tav tm="56200">
-                                          <p:val>
-                                            <p:fltVal val="242.91341"/>
-                                          </p:val>
-                                        </p:tav>
-                                        <p:tav tm="57300">
-                                          <p:val>
-                                            <p:fltVal val="253.8558"/>
-                                          </p:val>
-                                        </p:tav>
-                                        <p:tav tm="58400">
-                                          <p:val>
-                                            <p:fltVal val="264.40329"/>
-                                          </p:val>
-                                        </p:tav>
-                                        <p:tav tm="59600">
-                                          <p:val>
-                                            <p:fltVal val="274.63501"/>
-                                          </p:val>
-                                        </p:tav>
-                                        <p:tav tm="60700">
-                                          <p:val>
-                                            <p:fltVal val="284.35721"/>
-                                          </p:val>
-                                        </p:tav>
-                                        <p:tav tm="61800">
-                                          <p:val>
-                                            <p:fltVal val="293.6507"/>
-                                          </p:val>
-                                        </p:tav>
-                                        <p:tav tm="62900">
-                                          <p:val>
-                                            <p:fltVal val="302.57959"/>
-                                          </p:val>
-                                        </p:tav>
-                                        <p:tav tm="64000">
-                                          <p:val>
-                                            <p:fltVal val="310.96921"/>
-                                          </p:val>
-                                        </p:tav>
-                                        <p:tav tm="65200">
-                                          <p:val>
-                                            <p:fltVal val="318.88379"/>
-                                          </p:val>
-                                        </p:tav>
-                                        <p:tav tm="66300">
-                                          <p:val>
-                                            <p:fltVal val="326.36801"/>
-                                          </p:val>
-                                        </p:tav>
-                                        <p:tav tm="67400">
-                                          <p:val>
-                                            <p:fltVal val="333.26511"/>
-                                          </p:val>
-                                        </p:tav>
-                                        <p:tav tm="68500">
-                                          <p:val>
-                                            <p:fltVal val="339.6712"/>
-                                          </p:val>
-                                        </p:tav>
-                                        <p:tav tm="69700">
-                                          <p:val>
-                                            <p:fltVal val="345.43851"/>
-                                          </p:val>
-                                        </p:tav>
-                                        <p:tav tm="70800">
-                                          <p:val>
-                                            <p:fltVal val="350.58469"/>
-                                          </p:val>
-                                        </p:tav>
-                                        <p:tav tm="71900">
-                                          <p:val>
-                                            <p:fltVal val="355.09189"/>
-                                          </p:val>
-                                        </p:tav>
-                                        <p:tav tm="73000">
-                                          <p:val>
-                                            <p:fltVal val="358.80179"/>
-                                          </p:val>
-                                        </p:tav>
-                                        <p:tav tm="74200">
-                                          <p:val>
-                                            <p:fltVal val="361.63531"/>
-                                          </p:val>
-                                        </p:tav>
-                                        <p:tav tm="75300">
-                                          <p:val>
-                                            <p:fltVal val="363.345"/>
-                                          </p:val>
-                                        </p:tav>
-                                        <p:tav tm="76400">
-                                          <p:val>
-                                            <p:fltVal val="363.4978"/>
-                                          </p:val>
-                                        </p:tav>
-                                        <p:tav tm="77500">
-                                          <p:val>
-                                            <p:fltVal val="363.47061"/>
-                                          </p:val>
-                                        </p:tav>
-                                        <p:tav tm="78700">
-                                          <p:val>
-                                            <p:fltVal val="363.38339"/>
-                                          </p:val>
-                                        </p:tav>
-                                        <p:tav tm="79800">
-                                          <p:val>
-                                            <p:fltVal val="363.20349"/>
-                                          </p:val>
-                                        </p:tav>
-                                        <p:tav tm="80900">
-                                          <p:val>
-                                            <p:fltVal val="362.8963"/>
-                                          </p:val>
-                                        </p:tav>
-                                        <p:tav tm="82000">
-                                          <p:val>
-                                            <p:fltVal val="362.4227"/>
-                                          </p:val>
-                                        </p:tav>
-                                        <p:tav tm="83200">
-                                          <p:val>
-                                            <p:fltVal val="361.7569"/>
-                                          </p:val>
-                                        </p:tav>
-                                        <p:tav tm="84300">
-                                          <p:val>
-                                            <p:fltVal val="361.0874"/>
-                                          </p:val>
-                                        </p:tav>
-                                        <p:tav tm="85400">
-                                          <p:val>
-                                            <p:fltVal val="360.6105"/>
-                                          </p:val>
-                                        </p:tav>
-                                        <p:tav tm="86500">
-                                          <p:val>
-                                            <p:fltVal val="360.30069"/>
-                                          </p:val>
-                                        </p:tav>
-                                        <p:tav tm="87600">
-                                          <p:val>
-                                            <p:fltVal val="360.1188"/>
-                                          </p:val>
-                                        </p:tav>
-                                        <p:tav tm="88800">
-                                          <p:val>
-                                            <p:fltVal val="360.03021"/>
-                                          </p:val>
-                                        </p:tav>
-                                        <p:tav tm="89900">
-                                          <p:val>
-                                            <p:fltVal val="360.00229"/>
-                                          </p:val>
-                                        </p:tav>
-                                        <p:tav tm="91000">
-                                          <p:val>
-                                            <p:fltVal val="360"/>
-                                          </p:val>
-                                        </p:tav>
-                                        <p:tav tm="92100">
-                                          <p:val>
-                                            <p:fltVal val="360"/>
-                                          </p:val>
-                                        </p:tav>
-                                        <p:tav tm="93300">
-                                          <p:val>
-                                            <p:fltVal val="360"/>
-                                          </p:val>
-                                        </p:tav>
-                                        <p:tav tm="94400">
-                                          <p:val>
-                                            <p:fltVal val="360"/>
-                                          </p:val>
-                                        </p:tav>
-                                        <p:tav tm="95500">
-                                          <p:val>
-                                            <p:fltVal val="360"/>
-                                          </p:val>
-                                        </p:tav>
-                                        <p:tav tm="96600">
-                                          <p:val>
-                                            <p:fltVal val="360"/>
-                                          </p:val>
-                                        </p:tav>
-                                        <p:tav tm="97800">
-                                          <p:val>
-                                            <p:fltVal val="360"/>
-                                          </p:val>
-                                        </p:tav>
-                                        <p:tav tm="98900">
-                                          <p:val>
-                                            <p:fltVal val="360"/>
-                                          </p:val>
-                                        </p:tav>
-                                        <p:tav tm="100000">
-                                          <p:val>
-                                            <p:fltVal val="360"/>
-                                          </p:val>
-                                        </p:tav>
-                                      </p:tavLst>
-                                    </p:anim>
-                                    <p:anim calcmode="lin" valueType="num">
-                                      <p:cBhvr additive="sum">
-                                        <p:cTn id="7" dur="2000" fill="hold"/>
-                                        <p:tgtEl>
-                                          <p:spTgt spid="8"/>
-                                        </p:tgtEl>
-                                      </p:cBhvr>
-                                      <p:tavLst>
-                                        <p:tav tm="0">
-                                          <p:val>
-                                            <p:fltVal val="0"/>
-                                          </p:val>
-                                        </p:tav>
-                                        <p:tav tm="1100">
-                                          <p:val>
-                                            <p:fltVal val="0"/>
-                                          </p:val>
-                                        </p:tav>
-                                        <p:tav tm="2300">
-                                          <p:val>
-                                            <p:fltVal val="-10E-5"/>
-                                          </p:val>
-                                        </p:tav>
-                                        <p:tav tm="3400">
-                                          <p:val>
-                                            <p:fltVal val="-0.0004"/>
-                                          </p:val>
-                                        </p:tav>
-                                        <p:tav tm="4500">
-                                          <p:val>
-                                            <p:fltVal val="-0.0011"/>
-                                          </p:val>
-                                        </p:tav>
-                                        <p:tav tm="5600">
-                                          <p:val>
-                                            <p:fltVal val="-0.0021"/>
-                                          </p:val>
-                                        </p:tav>
-                                        <p:tav tm="6700">
-                                          <p:val>
-                                            <p:fltVal val="-0.0037"/>
-                                          </p:val>
-                                        </p:tav>
-                                        <p:tav tm="7900">
-                                          <p:val>
-                                            <p:fltVal val="-0.0059"/>
-                                          </p:val>
-                                        </p:tav>
-                                        <p:tav tm="9000">
-                                          <p:val>
-                                            <p:fltVal val="-0.0088"/>
-                                          </p:val>
-                                        </p:tav>
-                                        <p:tav tm="10100">
-                                          <p:val>
-                                            <p:fltVal val="-0.0125"/>
-                                          </p:val>
-                                        </p:tav>
-                                        <p:tav tm="11200">
-                                          <p:val>
-                                            <p:fltVal val="-0.0162"/>
-                                          </p:val>
-                                        </p:tav>
-                                        <p:tav tm="12400">
-                                          <p:val>
-                                            <p:fltVal val="-0.0191"/>
-                                          </p:val>
-                                        </p:tav>
-                                        <p:tav tm="13500">
-                                          <p:val>
-                                            <p:fltVal val="-0.0213"/>
-                                          </p:val>
-                                        </p:tav>
-                                        <p:tav tm="14600">
-                                          <p:val>
-                                            <p:fltVal val="-0.0228"/>
-                                          </p:val>
-                                        </p:tav>
-                                        <p:tav tm="15700">
-                                          <p:val>
-                                            <p:fltVal val="-0.0239"/>
-                                          </p:val>
-                                        </p:tav>
-                                        <p:tav tm="16900">
-                                          <p:val>
-                                            <p:fltVal val="-0.0245"/>
-                                          </p:val>
-                                        </p:tav>
-                                        <p:tav tm="18000">
-                                          <p:val>
-                                            <p:fltVal val="-0.0248"/>
-                                          </p:val>
-                                        </p:tav>
-                                        <p:tav tm="19100">
-                                          <p:val>
-                                            <p:fltVal val="-0.0249"/>
-                                          </p:val>
-                                        </p:tav>
-                                        <p:tav tm="20200">
-                                          <p:val>
-                                            <p:fltVal val="-0.0249"/>
-                                          </p:val>
-                                        </p:tav>
-                                        <p:tav tm="21400">
-                                          <p:val>
-                                            <p:fltVal val="-0.0248"/>
-                                          </p:val>
-                                        </p:tav>
-                                        <p:tav tm="22500">
-                                          <p:val>
-                                            <p:fltVal val="-0.0241"/>
-                                          </p:val>
-                                        </p:tav>
-                                        <p:tav tm="23600">
-                                          <p:val>
-                                            <p:fltVal val="-0.022"/>
-                                          </p:val>
-                                        </p:tav>
-                                        <p:tav tm="24700">
-                                          <p:val>
-                                            <p:fltVal val="-0.0179"/>
-                                          </p:val>
-                                        </p:tav>
-                                        <p:tav tm="25800">
-                                          <p:val>
-                                            <p:fltVal val="-0.0113"/>
-                                          </p:val>
-                                        </p:tav>
-                                        <p:tav tm="27000">
-                                          <p:val>
-                                            <p:fltVal val="-0.0013"/>
-                                          </p:val>
-                                        </p:tav>
-                                        <p:tav tm="28100">
-                                          <p:val>
-                                            <p:fltVal val="0.0124"/>
-                                          </p:val>
-                                        </p:tav>
-                                        <p:tav tm="29200">
-                                          <p:val>
-                                            <p:fltVal val="0.0309"/>
-                                          </p:val>
-                                        </p:tav>
-                                        <p:tav tm="30300">
-                                          <p:val>
-                                            <p:fltVal val="0.0546"/>
-                                          </p:val>
-                                        </p:tav>
-                                        <p:tav tm="31500">
-                                          <p:val>
-                                            <p:fltVal val="0.0842"/>
-                                          </p:val>
-                                        </p:tav>
-                                        <p:tav tm="32600">
-                                          <p:val>
-                                            <p:fltVal val="0.1204"/>
-                                          </p:val>
-                                        </p:tav>
-                                        <p:tav tm="33700">
-                                          <p:val>
-                                            <p:fltVal val="0.1634"/>
-                                          </p:val>
-                                        </p:tav>
-                                        <p:tav tm="34800">
-                                          <p:val>
-                                            <p:fltVal val="0.2145"/>
-                                          </p:val>
-                                        </p:tav>
-                                        <p:tav tm="36000">
-                                          <p:val>
-                                            <p:fltVal val="0.2711"/>
-                                          </p:val>
-                                        </p:tav>
-                                        <p:tav tm="37100">
-                                          <p:val>
-                                            <p:fltVal val="0.3207"/>
-                                          </p:val>
-                                        </p:tav>
-                                        <p:tav tm="38200">
-                                          <p:val>
-                                            <p:fltVal val="0.3625"/>
-                                          </p:val>
-                                        </p:tav>
-                                        <p:tav tm="39300">
-                                          <p:val>
-                                            <p:fltVal val="0.3973"/>
-                                          </p:val>
-                                        </p:tav>
-                                        <p:tav tm="40500">
-                                          <p:val>
-                                            <p:fltVal val="0.4256"/>
-                                          </p:val>
-                                        </p:tav>
-                                        <p:tav tm="41600">
-                                          <p:val>
-                                            <p:fltVal val="0.448"/>
-                                          </p:val>
-                                        </p:tav>
-                                        <p:tav tm="42700">
-                                          <p:val>
-                                            <p:fltVal val="0.4655"/>
-                                          </p:val>
-                                        </p:tav>
-                                        <p:tav tm="43800">
-                                          <p:val>
-                                            <p:fltVal val="0.4786"/>
-                                          </p:val>
-                                        </p:tav>
-                                        <p:tav tm="44900">
-                                          <p:val>
-                                            <p:fltVal val="0.4878"/>
-                                          </p:val>
-                                        </p:tav>
-                                        <p:tav tm="46100">
-                                          <p:val>
-                                            <p:fltVal val="0.4939"/>
-                                          </p:val>
-                                        </p:tav>
-                                        <p:tav tm="47200">
-                                          <p:val>
-                                            <p:fltVal val="0.4975"/>
-                                          </p:val>
-                                        </p:tav>
-                                        <p:tav tm="48300">
-                                          <p:val>
-                                            <p:fltVal val="0.4993"/>
-                                          </p:val>
-                                        </p:tav>
-                                        <p:tav tm="49400">
-                                          <p:val>
-                                            <p:fltVal val="0.4999"/>
-                                          </p:val>
-                                        </p:tav>
-                                        <p:tav tm="50600">
-                                          <p:val>
-                                            <p:fltVal val="0.4999"/>
-                                          </p:val>
-                                        </p:tav>
-                                        <p:tav tm="51700">
-                                          <p:val>
-                                            <p:fltVal val="0.4998"/>
-                                          </p:val>
-                                        </p:tav>
-                                        <p:tav tm="52800">
-                                          <p:val>
-                                            <p:fltVal val="0.4988"/>
-                                          </p:val>
-                                        </p:tav>
-                                        <p:tav tm="53900">
-                                          <p:val>
-                                            <p:fltVal val="0.4965"/>
-                                          </p:val>
-                                        </p:tav>
-                                        <p:tav tm="55100">
-                                          <p:val>
-                                            <p:fltVal val="0.4921"/>
-                                          </p:val>
-                                        </p:tav>
-                                        <p:tav tm="56200">
-                                          <p:val>
-                                            <p:fltVal val="0.485"/>
-                                          </p:val>
-                                        </p:tav>
-                                        <p:tav tm="57300">
-                                          <p:val>
-                                            <p:fltVal val="0.4746"/>
-                                          </p:val>
-                                        </p:tav>
-                                        <p:tav tm="58400">
-                                          <p:val>
-                                            <p:fltVal val="0.4603"/>
-                                          </p:val>
-                                        </p:tav>
-                                        <p:tav tm="59600">
-                                          <p:val>
-                                            <p:fltVal val="0.4411"/>
-                                          </p:val>
-                                        </p:tav>
-                                        <p:tav tm="60700">
-                                          <p:val>
-                                            <p:fltVal val="0.4169"/>
-                                          </p:val>
-                                        </p:tav>
-                                        <p:tav tm="61800">
-                                          <p:val>
-                                            <p:fltVal val="0.3868"/>
-                                          </p:val>
-                                        </p:tav>
-                                        <p:tav tm="62900">
-                                          <p:val>
-                                            <p:fltVal val="0.3499"/>
-                                          </p:val>
-                                        </p:tav>
-                                        <p:tav tm="64000">
-                                          <p:val>
-                                            <p:fltVal val="0.306"/>
-                                          </p:val>
-                                        </p:tav>
-                                        <p:tav tm="65200">
-                                          <p:val>
-                                            <p:fltVal val="0.2544"/>
-                                          </p:val>
-                                        </p:tav>
-                                        <p:tav tm="66300">
-                                          <p:val>
-                                            <p:fltVal val="0.1981"/>
-                                          </p:val>
-                                        </p:tav>
-                                        <p:tav tm="67400">
-                                          <p:val>
-                                            <p:fltVal val="0.1498"/>
-                                          </p:val>
-                                        </p:tav>
-                                        <p:tav tm="68500">
-                                          <p:val>
-                                            <p:fltVal val="0.1087"/>
-                                          </p:val>
-                                        </p:tav>
-                                        <p:tav tm="69700">
-                                          <p:val>
-                                            <p:fltVal val="0.0748"/>
-                                          </p:val>
-                                        </p:tav>
-                                        <p:tav tm="70800">
-                                          <p:val>
-                                            <p:fltVal val="0.0473"/>
-                                          </p:val>
-                                        </p:tav>
-                                        <p:tav tm="71900">
-                                          <p:val>
-                                            <p:fltVal val="0.0251"/>
-                                          </p:val>
-                                        </p:tav>
-                                        <p:tav tm="73000">
-                                          <p:val>
-                                            <p:fltVal val="0.0082"/>
-                                          </p:val>
-                                        </p:tav>
-                                        <p:tav tm="74200">
-                                          <p:val>
-                                            <p:fltVal val="-0.0044"/>
-                                          </p:val>
-                                        </p:tav>
-                                        <p:tav tm="75300">
-                                          <p:val>
-                                            <p:fltVal val="-0.0134"/>
-                                          </p:val>
-                                        </p:tav>
-                                        <p:tav tm="76400">
-                                          <p:val>
-                                            <p:fltVal val="-0.0192"/>
-                                          </p:val>
-                                        </p:tav>
-                                        <p:tav tm="77500">
-                                          <p:val>
-                                            <p:fltVal val="-0.0227"/>
-                                          </p:val>
-                                        </p:tav>
-                                        <p:tav tm="78700">
-                                          <p:val>
-                                            <p:fltVal val="-0.0244"/>
-                                          </p:val>
-                                        </p:tav>
-                                        <p:tav tm="79800">
-                                          <p:val>
-                                            <p:fltVal val="-0.0249"/>
-                                          </p:val>
-                                        </p:tav>
-                                        <p:tav tm="80900">
-                                          <p:val>
-                                            <p:fltVal val="-0.0249"/>
-                                          </p:val>
-                                        </p:tav>
-                                        <p:tav tm="82000">
-                                          <p:val>
-                                            <p:fltVal val="-0.0244"/>
-                                          </p:val>
-                                        </p:tav>
-                                        <p:tav tm="83200">
-                                          <p:val>
-                                            <p:fltVal val="-0.0219"/>
-                                          </p:val>
-                                        </p:tav>
-                                        <p:tav tm="84300">
-                                          <p:val>
-                                            <p:fltVal val="-0.0156"/>
-                                          </p:val>
-                                        </p:tav>
-                                        <p:tav tm="85400">
-                                          <p:val>
-                                            <p:fltVal val="-0.0039"/>
-                                          </p:val>
-                                        </p:tav>
-                                        <p:tav tm="86500">
-                                          <p:val>
-                                            <p:fltVal val="0.0104"/>
-                                          </p:val>
-                                        </p:tav>
-                                        <p:tav tm="87600">
-                                          <p:val>
-                                            <p:fltVal val="0.0192"/>
-                                          </p:val>
-                                        </p:tav>
-                                        <p:tav tm="88800">
-                                          <p:val>
-                                            <p:fltVal val="0.0235"/>
-                                          </p:val>
-                                        </p:tav>
-                                        <p:tav tm="89900">
-                                          <p:val>
-                                            <p:fltVal val="0.0248"/>
-                                          </p:val>
-                                        </p:tav>
-                                        <p:tav tm="91000">
-                                          <p:val>
-                                            <p:fltVal val="0.0249"/>
-                                          </p:val>
-                                        </p:tav>
-                                        <p:tav tm="92100">
-                                          <p:val>
-                                            <p:fltVal val="0.0247"/>
-                                          </p:val>
-                                        </p:tav>
-                                        <p:tav tm="93300">
-                                          <p:val>
-                                            <p:fltVal val="0.0234"/>
-                                          </p:val>
-                                        </p:tav>
-                                        <p:tav tm="94400">
-                                          <p:val>
-                                            <p:fltVal val="0.0202"/>
-                                          </p:val>
-                                        </p:tav>
-                                        <p:tav tm="95500">
-                                          <p:val>
-                                            <p:fltVal val="0.0143"/>
-                                          </p:val>
-                                        </p:tav>
-                                        <p:tav tm="96600">
-                                          <p:val>
-                                            <p:fltVal val="0.0071"/>
-                                          </p:val>
-                                        </p:tav>
-                                        <p:tav tm="97800">
-                                          <p:val>
-                                            <p:fltVal val="0.0027"/>
-                                          </p:val>
-                                        </p:tav>
-                                        <p:tav tm="98900">
-                                          <p:val>
-                                            <p:fltVal val="0.0007"/>
-                                          </p:val>
-                                        </p:tav>
-                                        <p:tav tm="100000">
-                                          <p:val>
-                                            <p:fltVal val="0"/>
-                                          </p:val>
-                                        </p:tav>
-                                      </p:tavLst>
-                                    </p:anim>
-                                    <p:anim calcmode="lin" valueType="num">
-                                      <p:cBhvr additive="mult">
-                                        <p:cTn id="8" dur="2000" fill="hold"/>
-                                        <p:tgtEl>
-                                          <p:spTgt spid="8"/>
-                                        </p:tgtEl>
-                                      </p:cBhvr>
-                                      <p:tavLst>
-                                        <p:tav tm="0">
-                                          <p:val>
-                                            <p:fltVal val="1"/>
-                                          </p:val>
-                                        </p:tav>
-                                        <p:tav tm="1100">
-                                          <p:val>
-                                            <p:fltVal val="1"/>
-                                          </p:val>
-                                        </p:tav>
-                                        <p:tav tm="2300">
-                                          <p:val>
-                                            <p:fltVal val="1.0002"/>
-                                          </p:val>
-                                        </p:tav>
-                                        <p:tav tm="3400">
-                                          <p:val>
-                                            <p:fltVal val="1.0009"/>
-                                          </p:val>
-                                        </p:tav>
-                                        <p:tav tm="4500">
-                                          <p:val>
-                                            <p:fltVal val="1.0023"/>
-                                          </p:val>
-                                        </p:tav>
-                                        <p:tav tm="5600">
-                                          <p:val>
-                                            <p:fltVal val="1.0046"/>
-                                          </p:val>
-                                        </p:tav>
-                                        <p:tav tm="6700">
-                                          <p:val>
-                                            <p:fltVal val="1.008"/>
-                                          </p:val>
-                                        </p:tav>
-                                        <p:tav tm="7900">
-                                          <p:val>
-                                            <p:fltVal val="1.0127"/>
-                                          </p:val>
-                                        </p:tav>
-                                        <p:tav tm="9000">
-                                          <p:val>
-                                            <p:fltVal val="1.019"/>
-                                          </p:val>
-                                        </p:tav>
-                                        <p:tav tm="10100">
-                                          <p:val>
-                                            <p:fltVal val="1.0271"/>
-                                          </p:val>
-                                        </p:tav>
-                                        <p:tav tm="11200">
-                                          <p:val>
-                                            <p:fltVal val="1.0351"/>
-                                          </p:val>
-                                        </p:tav>
-                                        <p:tav tm="12400">
-                                          <p:val>
-                                            <p:fltVal val="1.0414"/>
-                                          </p:val>
-                                        </p:tav>
-                                        <p:tav tm="13500">
-                                          <p:val>
-                                            <p:fltVal val="1.046"/>
-                                          </p:val>
-                                        </p:tav>
-                                        <p:tav tm="14600">
-                                          <p:val>
-                                            <p:fltVal val="1.0494"/>
-                                          </p:val>
-                                        </p:tav>
-                                        <p:tav tm="15700">
-                                          <p:val>
-                                            <p:fltVal val="1.0516"/>
-                                          </p:val>
-                                        </p:tav>
-                                        <p:tav tm="16900">
-                                          <p:val>
-                                            <p:fltVal val="1.053"/>
-                                          </p:val>
-                                        </p:tav>
-                                        <p:tav tm="18000">
-                                          <p:val>
-                                            <p:fltVal val="1.0537"/>
-                                          </p:val>
-                                        </p:tav>
-                                        <p:tav tm="19100">
-                                          <p:val>
-                                            <p:fltVal val="1.0539"/>
-                                          </p:val>
-                                        </p:tav>
-                                        <p:tav tm="20200">
-                                          <p:val>
-                                            <p:fltVal val="1.054"/>
-                                          </p:val>
-                                        </p:tav>
-                                        <p:tav tm="21400">
-                                          <p:val>
-                                            <p:fltVal val="1.0536"/>
-                                          </p:val>
-                                        </p:tav>
-                                        <p:tav tm="22500">
-                                          <p:val>
-                                            <p:fltVal val="1.0515"/>
-                                          </p:val>
-                                        </p:tav>
-                                        <p:tav tm="23600">
-                                          <p:val>
-                                            <p:fltVal val="1.0457"/>
-                                          </p:val>
-                                        </p:tav>
-                                        <p:tav tm="24700">
-                                          <p:val>
-                                            <p:fltVal val="1.0344"/>
-                                          </p:val>
-                                        </p:tav>
-                                        <p:tav tm="25800">
-                                          <p:val>
-                                            <p:fltVal val="1.0183"/>
-                                          </p:val>
-                                        </p:tav>
-                                        <p:tav tm="27000">
-                                          <p:val>
-                                            <p:fltVal val="1.0076"/>
-                                          </p:val>
-                                        </p:tav>
-                                        <p:tav tm="28100">
-                                          <p:val>
-                                            <p:fltVal val="1.0021"/>
-                                          </p:val>
-                                        </p:tav>
-                                        <p:tav tm="29200">
-                                          <p:val>
-                                            <p:fltVal val="1.0002"/>
-                                          </p:val>
-                                        </p:tav>
-                                        <p:tav tm="30300">
-                                          <p:val>
-                                            <p:fltVal val="1"/>
-                                          </p:val>
-                                        </p:tav>
-                                        <p:tav tm="31500">
-                                          <p:val>
-                                            <p:fltVal val="1"/>
-                                          </p:val>
-                                        </p:tav>
-                                        <p:tav tm="32600">
-                                          <p:val>
-                                            <p:fltVal val="1"/>
-                                          </p:val>
-                                        </p:tav>
-                                        <p:tav tm="33700">
-                                          <p:val>
-                                            <p:fltVal val="1"/>
-                                          </p:val>
-                                        </p:tav>
-                                        <p:tav tm="34800">
-                                          <p:val>
-                                            <p:fltVal val="1"/>
-                                          </p:val>
-                                        </p:tav>
-                                        <p:tav tm="36000">
-                                          <p:val>
-                                            <p:fltVal val="1"/>
-                                          </p:val>
-                                        </p:tav>
-                                        <p:tav tm="37100">
-                                          <p:val>
-                                            <p:fltVal val="1"/>
-                                          </p:val>
-                                        </p:tav>
-                                        <p:tav tm="38200">
-                                          <p:val>
-                                            <p:fltVal val="1"/>
-                                          </p:val>
-                                        </p:tav>
-                                        <p:tav tm="39300">
-                                          <p:val>
-                                            <p:fltVal val="1"/>
-                                          </p:val>
-                                        </p:tav>
-                                        <p:tav tm="40500">
-                                          <p:val>
-                                            <p:fltVal val="1"/>
-                                          </p:val>
-                                        </p:tav>
-                                        <p:tav tm="41600">
-                                          <p:val>
-                                            <p:fltVal val="1"/>
-                                          </p:val>
-                                        </p:tav>
-                                        <p:tav tm="42700">
-                                          <p:val>
-                                            <p:fltVal val="1"/>
-                                          </p:val>
-                                        </p:tav>
-                                        <p:tav tm="43800">
-                                          <p:val>
-                                            <p:fltVal val="1"/>
-                                          </p:val>
-                                        </p:tav>
-                                        <p:tav tm="44900">
-                                          <p:val>
-                                            <p:fltVal val="1"/>
-                                          </p:val>
-                                        </p:tav>
-                                        <p:tav tm="46100">
-                                          <p:val>
-                                            <p:fltVal val="1"/>
-                                          </p:val>
-                                        </p:tav>
-                                        <p:tav tm="47200">
-                                          <p:val>
-                                            <p:fltVal val="1"/>
-                                          </p:val>
-                                        </p:tav>
-                                        <p:tav tm="48300">
-                                          <p:val>
-                                            <p:fltVal val="1"/>
-                                          </p:val>
-                                        </p:tav>
-                                        <p:tav tm="49400">
-                                          <p:val>
-                                            <p:fltVal val="1"/>
-                                          </p:val>
-                                        </p:tav>
-                                        <p:tav tm="50600">
-                                          <p:val>
-                                            <p:fltVal val="1"/>
-                                          </p:val>
-                                        </p:tav>
-                                        <p:tav tm="51700">
-                                          <p:val>
-                                            <p:fltVal val="1"/>
-                                          </p:val>
-                                        </p:tav>
-                                        <p:tav tm="52800">
-                                          <p:val>
-                                            <p:fltVal val="1"/>
-                                          </p:val>
-                                        </p:tav>
-                                        <p:tav tm="53900">
-                                          <p:val>
-                                            <p:fltVal val="1"/>
-                                          </p:val>
-                                        </p:tav>
-                                        <p:tav tm="55100">
-                                          <p:val>
-                                            <p:fltVal val="1"/>
-                                          </p:val>
-                                        </p:tav>
-                                        <p:tav tm="56200">
-                                          <p:val>
-                                            <p:fltVal val="1"/>
-                                          </p:val>
-                                        </p:tav>
-                                        <p:tav tm="57300">
-                                          <p:val>
-                                            <p:fltVal val="1"/>
-                                          </p:val>
-                                        </p:tav>
-                                        <p:tav tm="58400">
-                                          <p:val>
-                                            <p:fltVal val="1"/>
-                                          </p:val>
-                                        </p:tav>
-                                        <p:tav tm="59600">
-                                          <p:val>
-                                            <p:fltVal val="1"/>
-                                          </p:val>
-                                        </p:tav>
-                                        <p:tav tm="60700">
-                                          <p:val>
-                                            <p:fltVal val="1"/>
-                                          </p:val>
-                                        </p:tav>
-                                        <p:tav tm="61800">
-                                          <p:val>
-                                            <p:fltVal val="1"/>
-                                          </p:val>
-                                        </p:tav>
-                                        <p:tav tm="62900">
-                                          <p:val>
-                                            <p:fltVal val="1"/>
-                                          </p:val>
-                                        </p:tav>
-                                        <p:tav tm="64000">
-                                          <p:val>
-                                            <p:fltVal val="1"/>
-                                          </p:val>
-                                        </p:tav>
-                                        <p:tav tm="65200">
-                                          <p:val>
-                                            <p:fltVal val="1"/>
-                                          </p:val>
-                                        </p:tav>
-                                        <p:tav tm="66300">
-                                          <p:val>
-                                            <p:fltVal val="1"/>
-                                          </p:val>
-                                        </p:tav>
-                                        <p:tav tm="67400">
-                                          <p:val>
-                                            <p:fltVal val="1"/>
-                                          </p:val>
-                                        </p:tav>
-                                        <p:tav tm="68500">
-                                          <p:val>
-                                            <p:fltVal val="1.0006"/>
-                                          </p:val>
-                                        </p:tav>
-                                        <p:tav tm="69700">
-                                          <p:val>
-                                            <p:fltVal val="1.0024"/>
-                                          </p:val>
-                                        </p:tav>
-                                        <p:tav tm="70800">
-                                          <p:val>
-                                            <p:fltVal val="1.006"/>
-                                          </p:val>
-                                        </p:tav>
-                                        <p:tav tm="71900">
-                                          <p:val>
-                                            <p:fltVal val="1.0121"/>
-                                          </p:val>
-                                        </p:tav>
-                                        <p:tav tm="73000">
-                                          <p:val>
-                                            <p:fltVal val="1.0213"/>
-                                          </p:val>
-                                        </p:tav>
-                                        <p:tav tm="74200">
-                                          <p:val>
-                                            <p:fltVal val="1.0331"/>
-                                          </p:val>
-                                        </p:tav>
-                                        <p:tav tm="75300">
-                                          <p:val>
-                                            <p:fltVal val="1.0422"/>
-                                          </p:val>
-                                        </p:tav>
-                                        <p:tav tm="76400">
-                                          <p:val>
-                                            <p:fltVal val="1.0482"/>
-                                          </p:val>
-                                        </p:tav>
-                                        <p:tav tm="77500">
-                                          <p:val>
-                                            <p:fltVal val="1.0516"/>
-                                          </p:val>
-                                        </p:tav>
-                                        <p:tav tm="78700">
-                                          <p:val>
-                                            <p:fltVal val="1.0534"/>
-                                          </p:val>
-                                        </p:tav>
-                                        <p:tav tm="79800">
-                                          <p:val>
-                                            <p:fltVal val="1.0539"/>
-                                          </p:val>
-                                        </p:tav>
-                                        <p:tav tm="80900">
-                                          <p:val>
-                                            <p:fltVal val="1.0539"/>
-                                          </p:val>
-                                        </p:tav>
-                                        <p:tav tm="82000">
-                                          <p:val>
-                                            <p:fltVal val="1.0534"/>
-                                          </p:val>
-                                        </p:tav>
-                                        <p:tav tm="83200">
-                                          <p:val>
-                                            <p:fltVal val="1.0506"/>
-                                          </p:val>
-                                        </p:tav>
-                                        <p:tav tm="84300">
-                                          <p:val>
-                                            <p:fltVal val="1.0439"/>
-                                          </p:val>
-                                        </p:tav>
-                                        <p:tav tm="85400">
-                                          <p:val>
-                                            <p:fltVal val="1.0312"/>
-                                          </p:val>
-                                        </p:tav>
-                                        <p:tav tm="86500">
-                                          <p:val>
-                                            <p:fltVal val="1.0156"/>
-                                          </p:val>
-                                        </p:tav>
-                                        <p:tav tm="87600">
-                                          <p:val>
-                                            <p:fltVal val="1.0061"/>
-                                          </p:val>
-                                        </p:tav>
-                                        <p:tav tm="88800">
-                                          <p:val>
-                                            <p:fltVal val="1.0015"/>
-                                          </p:val>
-                                        </p:tav>
-                                        <p:tav tm="89900">
-                                          <p:val>
-                                            <p:fltVal val="1.0001"/>
-                                          </p:val>
-                                        </p:tav>
-                                        <p:tav tm="91000">
-                                          <p:val>
-                                            <p:fltVal val="1"/>
-                                          </p:val>
-                                        </p:tav>
-                                        <p:tav tm="92100">
-                                          <p:val>
-                                            <p:fltVal val="1"/>
-                                          </p:val>
-                                        </p:tav>
-                                        <p:tav tm="93300">
-                                          <p:val>
-                                            <p:fltVal val="1"/>
-                                          </p:val>
-                                        </p:tav>
-                                        <p:tav tm="94400">
-                                          <p:val>
-                                            <p:fltVal val="1"/>
-                                          </p:val>
-                                        </p:tav>
-                                        <p:tav tm="95500">
-                                          <p:val>
-                                            <p:fltVal val="1"/>
-                                          </p:val>
-                                        </p:tav>
-                                        <p:tav tm="96600">
-                                          <p:val>
-                                            <p:fltVal val="1"/>
-                                          </p:val>
-                                        </p:tav>
-                                        <p:tav tm="97800">
-                                          <p:val>
-                                            <p:fltVal val="1"/>
-                                          </p:val>
-                                        </p:tav>
-                                        <p:tav tm="98900">
-                                          <p:val>
-                                            <p:fltVal val="1"/>
-                                          </p:val>
-                                        </p:tav>
-                                        <p:tav tm="100000">
-                                          <p:val>
-                                            <p:fltVal val="1"/>
-                                          </p:val>
-                                        </p:tav>
-                                      </p:tavLst>
-                                    </p:anim>
-                                    <p:anim calcmode="lin" valueType="num">
-                                      <p:cBhvr additive="mult">
-                                        <p:cTn id="9" dur="2000" fill="hold"/>
-                                        <p:tgtEl>
-                                          <p:spTgt spid="8"/>
-                                        </p:tgtEl>
-                                      </p:cBhvr>
-                                      <p:tavLst>
-                                        <p:tav tm="0">
-                                          <p:val>
-                                            <p:fltVal val="1"/>
-                                          </p:val>
-                                        </p:tav>
-                                        <p:tav tm="1100">
-                                          <p:val>
-                                            <p:fltVal val="0.9999"/>
-                                          </p:val>
-                                        </p:tav>
-                                        <p:tav tm="2300">
-                                          <p:val>
-                                            <p:fltVal val="0.9994"/>
-                                          </p:val>
-                                        </p:tav>
-                                        <p:tav tm="3400">
-                                          <p:val>
-                                            <p:fltVal val="0.9981"/>
-                                          </p:val>
-                                        </p:tav>
-                                        <p:tav tm="4500">
-                                          <p:val>
-                                            <p:fltVal val="0.9955"/>
-                                          </p:val>
-                                        </p:tav>
-                                        <p:tav tm="5600">
-                                          <p:val>
-                                            <p:fltVal val="0.9913"/>
-                                          </p:val>
-                                        </p:tav>
-                                        <p:tav tm="6700">
-                                          <p:val>
-                                            <p:fltVal val="0.985"/>
-                                          </p:val>
-                                        </p:tav>
-                                        <p:tav tm="7900">
-                                          <p:val>
-                                            <p:fltVal val="0.9763"/>
-                                          </p:val>
-                                        </p:tav>
-                                        <p:tav tm="9000">
-                                          <p:val>
-                                            <p:fltVal val="0.9646"/>
-                                          </p:val>
-                                        </p:tav>
-                                        <p:tav tm="10100">
-                                          <p:val>
-                                            <p:fltVal val="0.9497"/>
-                                          </p:val>
-                                        </p:tav>
-                                        <p:tav tm="11200">
-                                          <p:val>
-                                            <p:fltVal val="0.9348"/>
-                                          </p:val>
-                                        </p:tav>
-                                        <p:tav tm="12400">
-                                          <p:val>
-                                            <p:fltVal val="0.9232"/>
-                                          </p:val>
-                                        </p:tav>
-                                        <p:tav tm="13500">
-                                          <p:val>
-                                            <p:fltVal val="0.9146"/>
-                                          </p:val>
-                                        </p:tav>
-                                        <p:tav tm="14600">
-                                          <p:val>
-                                            <p:fltVal val="0.9084"/>
-                                          </p:val>
-                                        </p:tav>
-                                        <p:tav tm="15700">
-                                          <p:val>
-                                            <p:fltVal val="0.9042"/>
-                                          </p:val>
-                                        </p:tav>
-                                        <p:tav tm="16900">
-                                          <p:val>
-                                            <p:fltVal val="0.9017"/>
-                                          </p:val>
-                                        </p:tav>
-                                        <p:tav tm="18000">
-                                          <p:val>
-                                            <p:fltVal val="0.9005"/>
-                                          </p:val>
-                                        </p:tav>
-                                        <p:tav tm="19100">
-                                          <p:val>
-                                            <p:fltVal val="0.9"/>
-                                          </p:val>
-                                        </p:tav>
-                                        <p:tav tm="20200">
-                                          <p:val>
-                                            <p:fltVal val="0.8999"/>
-                                          </p:val>
-                                        </p:tav>
-                                        <p:tav tm="21400">
-                                          <p:val>
-                                            <p:fltVal val="0.9006"/>
-                                          </p:val>
-                                        </p:tav>
-                                        <p:tav tm="22500">
-                                          <p:val>
-                                            <p:fltVal val="0.9046"/>
-                                          </p:val>
-                                        </p:tav>
-                                        <p:tav tm="23600">
-                                          <p:val>
-                                            <p:fltVal val="0.9153"/>
-                                          </p:val>
-                                        </p:tav>
-                                        <p:tav tm="24700">
-                                          <p:val>
-                                            <p:fltVal val="0.9362"/>
-                                          </p:val>
-                                        </p:tav>
-                                        <p:tav tm="25800">
-                                          <p:val>
-                                            <p:fltVal val="0.9659"/>
-                                          </p:val>
-                                        </p:tav>
-                                        <p:tav tm="27000">
-                                          <p:val>
-                                            <p:fltVal val="0.9858"/>
-                                          </p:val>
-                                        </p:tav>
-                                        <p:tav tm="28100">
-                                          <p:val>
-                                            <p:fltVal val="0.9959"/>
-                                          </p:val>
-                                        </p:tav>
-                                        <p:tav tm="29200">
-                                          <p:val>
-                                            <p:fltVal val="0.9995"/>
-                                          </p:val>
-                                        </p:tav>
-                                        <p:tav tm="30300">
-                                          <p:val>
-                                            <p:fltVal val="1"/>
-                                          </p:val>
-                                        </p:tav>
-                                        <p:tav tm="31500">
-                                          <p:val>
-                                            <p:fltVal val="1"/>
-                                          </p:val>
-                                        </p:tav>
-                                        <p:tav tm="32600">
-                                          <p:val>
-                                            <p:fltVal val="1"/>
-                                          </p:val>
-                                        </p:tav>
-                                        <p:tav tm="33700">
-                                          <p:val>
-                                            <p:fltVal val="1"/>
-                                          </p:val>
-                                        </p:tav>
-                                        <p:tav tm="34800">
-                                          <p:val>
-                                            <p:fltVal val="1"/>
-                                          </p:val>
-                                        </p:tav>
-                                        <p:tav tm="36000">
-                                          <p:val>
-                                            <p:fltVal val="1"/>
-                                          </p:val>
-                                        </p:tav>
-                                        <p:tav tm="37100">
-                                          <p:val>
-                                            <p:fltVal val="1"/>
-                                          </p:val>
-                                        </p:tav>
-                                        <p:tav tm="38200">
-                                          <p:val>
-                                            <p:fltVal val="1"/>
-                                          </p:val>
-                                        </p:tav>
-                                        <p:tav tm="39300">
-                                          <p:val>
-                                            <p:fltVal val="1"/>
-                                          </p:val>
-                                        </p:tav>
-                                        <p:tav tm="40500">
-                                          <p:val>
-                                            <p:fltVal val="1"/>
-                                          </p:val>
-                                        </p:tav>
-                                        <p:tav tm="41600">
-                                          <p:val>
-                                            <p:fltVal val="1"/>
-                                          </p:val>
-                                        </p:tav>
-                                        <p:tav tm="42700">
-                                          <p:val>
-                                            <p:fltVal val="1"/>
-                                          </p:val>
-                                        </p:tav>
-                                        <p:tav tm="43800">
-                                          <p:val>
-                                            <p:fltVal val="1"/>
-                                          </p:val>
-                                        </p:tav>
-                                        <p:tav tm="44900">
-                                          <p:val>
-                                            <p:fltVal val="1"/>
-                                          </p:val>
-                                        </p:tav>
-                                        <p:tav tm="46100">
-                                          <p:val>
-                                            <p:fltVal val="1"/>
-                                          </p:val>
-                                        </p:tav>
-                                        <p:tav tm="47200">
-                                          <p:val>
-                                            <p:fltVal val="1"/>
-                                          </p:val>
-                                        </p:tav>
-                                        <p:tav tm="48300">
-                                          <p:val>
-                                            <p:fltVal val="1"/>
-                                          </p:val>
-                                        </p:tav>
-                                        <p:tav tm="49400">
-                                          <p:val>
-                                            <p:fltVal val="1"/>
-                                          </p:val>
-                                        </p:tav>
-                                        <p:tav tm="50600">
-                                          <p:val>
-                                            <p:fltVal val="1"/>
-                                          </p:val>
-                                        </p:tav>
-                                        <p:tav tm="51700">
-                                          <p:val>
-                                            <p:fltVal val="1"/>
-                                          </p:val>
-                                        </p:tav>
-                                        <p:tav tm="52800">
-                                          <p:val>
-                                            <p:fltVal val="1"/>
-                                          </p:val>
-                                        </p:tav>
-                                        <p:tav tm="53900">
-                                          <p:val>
-                                            <p:fltVal val="1"/>
-                                          </p:val>
-                                        </p:tav>
-                                        <p:tav tm="55100">
-                                          <p:val>
-                                            <p:fltVal val="1"/>
-                                          </p:val>
-                                        </p:tav>
-                                        <p:tav tm="56200">
-                                          <p:val>
-                                            <p:fltVal val="1"/>
-                                          </p:val>
-                                        </p:tav>
-                                        <p:tav tm="57300">
-                                          <p:val>
-                                            <p:fltVal val="1"/>
-                                          </p:val>
-                                        </p:tav>
-                                        <p:tav tm="58400">
-                                          <p:val>
-                                            <p:fltVal val="1"/>
-                                          </p:val>
-                                        </p:tav>
-                                        <p:tav tm="59600">
-                                          <p:val>
-                                            <p:fltVal val="1"/>
-                                          </p:val>
-                                        </p:tav>
-                                        <p:tav tm="60700">
-                                          <p:val>
-                                            <p:fltVal val="1"/>
-                                          </p:val>
-                                        </p:tav>
-                                        <p:tav tm="61800">
-                                          <p:val>
-                                            <p:fltVal val="1"/>
-                                          </p:val>
-                                        </p:tav>
-                                        <p:tav tm="62900">
-                                          <p:val>
-                                            <p:fltVal val="1"/>
-                                          </p:val>
-                                        </p:tav>
-                                        <p:tav tm="64000">
-                                          <p:val>
-                                            <p:fltVal val="1"/>
-                                          </p:val>
-                                        </p:tav>
-                                        <p:tav tm="65200">
-                                          <p:val>
-                                            <p:fltVal val="1"/>
-                                          </p:val>
-                                        </p:tav>
-                                        <p:tav tm="66300">
-                                          <p:val>
-                                            <p:fltVal val="1"/>
-                                          </p:val>
-                                        </p:tav>
-                                        <p:tav tm="67400">
-                                          <p:val>
-                                            <p:fltVal val="0.9998"/>
-                                          </p:val>
-                                        </p:tav>
-                                        <p:tav tm="68500">
-                                          <p:val>
-                                            <p:fltVal val="0.9987"/>
-                                          </p:val>
-                                        </p:tav>
-                                        <p:tav tm="69700">
-                                          <p:val>
-                                            <p:fltVal val="0.9955"/>
-                                          </p:val>
-                                        </p:tav>
-                                        <p:tav tm="70800">
-                                          <p:val>
-                                            <p:fltVal val="0.9888"/>
-                                          </p:val>
-                                        </p:tav>
-                                        <p:tav tm="71900">
-                                          <p:val>
-                                            <p:fltVal val="0.9775"/>
-                                          </p:val>
-                                        </p:tav>
-                                        <p:tav tm="73000">
-                                          <p:val>
-                                            <p:fltVal val="0.9605"/>
-                                          </p:val>
-                                        </p:tav>
-                                        <p:tav tm="74200">
-                                          <p:val>
-                                            <p:fltVal val="0.9385"/>
-                                          </p:val>
-                                        </p:tav>
-                                        <p:tav tm="75300">
-                                          <p:val>
-                                            <p:fltVal val="0.9217"/>
-                                          </p:val>
-                                        </p:tav>
-                                        <p:tav tm="76400">
-                                          <p:val>
-                                            <p:fltVal val="0.9107"/>
-                                          </p:val>
-                                        </p:tav>
-                                        <p:tav tm="77500">
-                                          <p:val>
-                                            <p:fltVal val="0.9042"/>
-                                          </p:val>
-                                        </p:tav>
-                                        <p:tav tm="78700">
-                                          <p:val>
-                                            <p:fltVal val="0.901"/>
-                                          </p:val>
-                                        </p:tav>
-                                        <p:tav tm="79800">
-                                          <p:val>
-                                            <p:fltVal val="0.9"/>
-                                          </p:val>
-                                        </p:tav>
-                                        <p:tav tm="80900">
-                                          <p:val>
-                                            <p:fltVal val="0.9"/>
-                                          </p:val>
-                                        </p:tav>
-                                        <p:tav tm="82000">
-                                          <p:val>
-                                            <p:fltVal val="0.901"/>
-                                          </p:val>
-                                        </p:tav>
-                                        <p:tav tm="83200">
-                                          <p:val>
-                                            <p:fltVal val="0.9061"/>
-                                          </p:val>
-                                        </p:tav>
-                                        <p:tav tm="84300">
-                                          <p:val>
-                                            <p:fltVal val="0.9186"/>
-                                          </p:val>
-                                        </p:tav>
-                                        <p:tav tm="85400">
-                                          <p:val>
-                                            <p:fltVal val="0.942"/>
-                                          </p:val>
-                                        </p:tav>
-                                        <p:tav tm="86500">
-                                          <p:val>
-                                            <p:fltVal val="0.9709"/>
-                                          </p:val>
-                                        </p:tav>
-                                        <p:tav tm="87600">
-                                          <p:val>
-                                            <p:fltVal val="0.9885"/>
-                                          </p:val>
-                                        </p:tav>
-                                        <p:tav tm="88800">
-                                          <p:val>
-                                            <p:fltVal val="0.997"/>
-                                          </p:val>
-                                        </p:tav>
-                                        <p:tav tm="89900">
-                                          <p:val>
-                                            <p:fltVal val="0.9997"/>
-                                          </p:val>
-                                        </p:tav>
-                                        <p:tav tm="91000">
-                                          <p:val>
-                                            <p:fltVal val="1"/>
-                                          </p:val>
-                                        </p:tav>
-                                        <p:tav tm="92100">
-                                          <p:val>
-                                            <p:fltVal val="1"/>
-                                          </p:val>
-                                        </p:tav>
-                                        <p:tav tm="93300">
-                                          <p:val>
-                                            <p:fltVal val="1"/>
-                                          </p:val>
-                                        </p:tav>
-                                        <p:tav tm="94400">
-                                          <p:val>
-                                            <p:fltVal val="1"/>
-                                          </p:val>
-                                        </p:tav>
-                                        <p:tav tm="95500">
-                                          <p:val>
-                                            <p:fltVal val="1"/>
-                                          </p:val>
-                                        </p:tav>
-                                        <p:tav tm="96600">
-                                          <p:val>
-                                            <p:fltVal val="1"/>
-                                          </p:val>
-                                        </p:tav>
-                                        <p:tav tm="97800">
-                                          <p:val>
-                                            <p:fltVal val="1"/>
-                                          </p:val>
-                                        </p:tav>
-                                        <p:tav tm="98900">
-                                          <p:val>
-                                            <p:fltVal val="1"/>
-                                          </p:val>
-                                        </p:tav>
-                                        <p:tav tm="100000">
-                                          <p:val>
-                                            <p:fltVal val="1"/>
-                                          </p:val>
-                                        </p:tav>
-                                      </p:tavLst>
-                                    </p:anim>
-                                    <p:anim calcmode="lin" valueType="num">
-                                      <p:cBhvr additive="mult">
-                                        <p:cTn id="10" dur="2000" fill="hold"/>
-                                        <p:tgtEl>
-                                          <p:spTgt spid="8"/>
-                                        </p:tgtEl>
-                                      </p:cBhvr>
-                                      <p:tavLst>
-                                        <p:tav tm="0">
-                                          <p:val>
-                                            <p:fltVal val="1"/>
-                                          </p:val>
-                                        </p:tav>
-                                        <p:tav tm="1100">
-                                          <p:val>
-                                            <p:fltVal val="1"/>
-                                          </p:val>
-                                        </p:tav>
-                                        <p:tav tm="2300">
-                                          <p:val>
-                                            <p:fltVal val="1.0002"/>
-                                          </p:val>
-                                        </p:tav>
-                                        <p:tav tm="3400">
-                                          <p:val>
-                                            <p:fltVal val="1.0009"/>
-                                          </p:val>
-                                        </p:tav>
-                                        <p:tav tm="4500">
-                                          <p:val>
-                                            <p:fltVal val="1.0023"/>
-                                          </p:val>
-                                        </p:tav>
-                                        <p:tav tm="5600">
-                                          <p:val>
-                                            <p:fltVal val="1.0046"/>
-                                          </p:val>
-                                        </p:tav>
-                                        <p:tav tm="6700">
-                                          <p:val>
-                                            <p:fltVal val="1.008"/>
-                                          </p:val>
-                                        </p:tav>
-                                        <p:tav tm="7900">
-                                          <p:val>
-                                            <p:fltVal val="1.0127"/>
-                                          </p:val>
-                                        </p:tav>
-                                        <p:tav tm="9000">
-                                          <p:val>
-                                            <p:fltVal val="1.019"/>
-                                          </p:val>
-                                        </p:tav>
-                                        <p:tav tm="10100">
-                                          <p:val>
-                                            <p:fltVal val="1.0271"/>
-                                          </p:val>
-                                        </p:tav>
-                                        <p:tav tm="11200">
-                                          <p:val>
-                                            <p:fltVal val="1.0351"/>
-                                          </p:val>
-                                        </p:tav>
-                                        <p:tav tm="12400">
-                                          <p:val>
-                                            <p:fltVal val="1.0414"/>
-                                          </p:val>
-                                        </p:tav>
-                                        <p:tav tm="13500">
-                                          <p:val>
-                                            <p:fltVal val="1.046"/>
-                                          </p:val>
-                                        </p:tav>
-                                        <p:tav tm="14600">
-                                          <p:val>
-                                            <p:fltVal val="1.0494"/>
-                                          </p:val>
-                                        </p:tav>
-                                        <p:tav tm="15700">
-                                          <p:val>
-                                            <p:fltVal val="1.0516"/>
-                                          </p:val>
-                                        </p:tav>
-                                        <p:tav tm="16900">
-                                          <p:val>
-                                            <p:fltVal val="1.053"/>
-                                          </p:val>
-                                        </p:tav>
-                                        <p:tav tm="18000">
-                                          <p:val>
-                                            <p:fltVal val="1.0537"/>
-                                          </p:val>
-                                        </p:tav>
-                                        <p:tav tm="19100">
-                                          <p:val>
-                                            <p:fltVal val="1.0539"/>
-                                          </p:val>
-                                        </p:tav>
-                                        <p:tav tm="20200">
-                                          <p:val>
-                                            <p:fltVal val="1.054"/>
-                                          </p:val>
-                                        </p:tav>
-                                        <p:tav tm="21400">
-                                          <p:val>
-                                            <p:fltVal val="1.0536"/>
-                                          </p:val>
-                                        </p:tav>
-                                        <p:tav tm="22500">
-                                          <p:val>
-                                            <p:fltVal val="1.0515"/>
-                                          </p:val>
-                                        </p:tav>
-                                        <p:tav tm="23600">
-                                          <p:val>
-                                            <p:fltVal val="1.0457"/>
-                                          </p:val>
-                                        </p:tav>
-                                        <p:tav tm="24700">
-                                          <p:val>
-                                            <p:fltVal val="1.0344"/>
-                                          </p:val>
-                                        </p:tav>
-                                        <p:tav tm="25800">
-                                          <p:val>
-                                            <p:fltVal val="1.0183"/>
-                                          </p:val>
-                                        </p:tav>
-                                        <p:tav tm="27000">
-                                          <p:val>
-                                            <p:fltVal val="1.0076"/>
-                                          </p:val>
-                                        </p:tav>
-                                        <p:tav tm="28100">
-                                          <p:val>
-                                            <p:fltVal val="1.0021"/>
-                                          </p:val>
-                                        </p:tav>
-                                        <p:tav tm="29200">
-                                          <p:val>
-                                            <p:fltVal val="1.0002"/>
-                                          </p:val>
-                                        </p:tav>
-                                        <p:tav tm="30300">
-                                          <p:val>
-                                            <p:fltVal val="1"/>
-                                          </p:val>
-                                        </p:tav>
-                                        <p:tav tm="31500">
-                                          <p:val>
-                                            <p:fltVal val="1"/>
-                                          </p:val>
-                                        </p:tav>
-                                        <p:tav tm="32600">
-                                          <p:val>
-                                            <p:fltVal val="1"/>
-                                          </p:val>
-                                        </p:tav>
-                                        <p:tav tm="33700">
-                                          <p:val>
-                                            <p:fltVal val="1"/>
-                                          </p:val>
-                                        </p:tav>
-                                        <p:tav tm="34800">
-                                          <p:val>
-                                            <p:fltVal val="1"/>
-                                          </p:val>
-                                        </p:tav>
-                                        <p:tav tm="36000">
-                                          <p:val>
-                                            <p:fltVal val="1"/>
-                                          </p:val>
-                                        </p:tav>
-                                        <p:tav tm="37100">
-                                          <p:val>
-                                            <p:fltVal val="1"/>
-                                          </p:val>
-                                        </p:tav>
-                                        <p:tav tm="38200">
-                                          <p:val>
-                                            <p:fltVal val="1"/>
-                                          </p:val>
-                                        </p:tav>
-                                        <p:tav tm="39300">
-                                          <p:val>
-                                            <p:fltVal val="1"/>
-                                          </p:val>
-                                        </p:tav>
-                                        <p:tav tm="40500">
-                                          <p:val>
-                                            <p:fltVal val="1"/>
-                                          </p:val>
-                                        </p:tav>
-                                        <p:tav tm="41600">
-                                          <p:val>
-                                            <p:fltVal val="1"/>
-                                          </p:val>
-                                        </p:tav>
-                                        <p:tav tm="42700">
-                                          <p:val>
-                                            <p:fltVal val="1"/>
-                                          </p:val>
-                                        </p:tav>
-                                        <p:tav tm="43800">
-                                          <p:val>
-                                            <p:fltVal val="1"/>
-                                          </p:val>
-                                        </p:tav>
-                                        <p:tav tm="44900">
-                                          <p:val>
-                                            <p:fltVal val="1"/>
-                                          </p:val>
-                                        </p:tav>
-                                        <p:tav tm="46100">
-                                          <p:val>
-                                            <p:fltVal val="1"/>
-                                          </p:val>
-                                        </p:tav>
-                                        <p:tav tm="47200">
-                                          <p:val>
-                                            <p:fltVal val="1"/>
-                                          </p:val>
-                                        </p:tav>
-                                        <p:tav tm="48300">
-                                          <p:val>
-                                            <p:fltVal val="1"/>
-                                          </p:val>
-                                        </p:tav>
-                                        <p:tav tm="49400">
-                                          <p:val>
-                                            <p:fltVal val="1"/>
-                                          </p:val>
-                                        </p:tav>
-                                        <p:tav tm="50600">
-                                          <p:val>
-                                            <p:fltVal val="1"/>
-                                          </p:val>
-                                        </p:tav>
-                                        <p:tav tm="51700">
-                                          <p:val>
-                                            <p:fltVal val="1"/>
-                                          </p:val>
-                                        </p:tav>
-                                        <p:tav tm="52800">
-                                          <p:val>
-                                            <p:fltVal val="1"/>
-                                          </p:val>
-                                        </p:tav>
-                                        <p:tav tm="53900">
-                                          <p:val>
-                                            <p:fltVal val="1"/>
-                                          </p:val>
-                                        </p:tav>
-                                        <p:tav tm="55100">
-                                          <p:val>
-                                            <p:fltVal val="1"/>
-                                          </p:val>
-                                        </p:tav>
-                                        <p:tav tm="56200">
-                                          <p:val>
-                                            <p:fltVal val="1"/>
-                                          </p:val>
-                                        </p:tav>
-                                        <p:tav tm="57300">
-                                          <p:val>
-                                            <p:fltVal val="1"/>
-                                          </p:val>
-                                        </p:tav>
-                                        <p:tav tm="58400">
-                                          <p:val>
-                                            <p:fltVal val="1"/>
-                                          </p:val>
-                                        </p:tav>
-                                        <p:tav tm="59600">
-                                          <p:val>
-                                            <p:fltVal val="1"/>
-                                          </p:val>
-                                        </p:tav>
-                                        <p:tav tm="60700">
-                                          <p:val>
-                                            <p:fltVal val="1"/>
-                                          </p:val>
-                                        </p:tav>
-                                        <p:tav tm="61800">
-                                          <p:val>
-                                            <p:fltVal val="1"/>
-                                          </p:val>
-                                        </p:tav>
-                                        <p:tav tm="62900">
-                                          <p:val>
-                                            <p:fltVal val="1"/>
-                                          </p:val>
-                                        </p:tav>
-                                        <p:tav tm="64000">
-                                          <p:val>
-                                            <p:fltVal val="1"/>
-                                          </p:val>
-                                        </p:tav>
-                                        <p:tav tm="65200">
-                                          <p:val>
-                                            <p:fltVal val="1"/>
-                                          </p:val>
-                                        </p:tav>
-                                        <p:tav tm="66300">
-                                          <p:val>
-                                            <p:fltVal val="1"/>
-                                          </p:val>
-                                        </p:tav>
-                                        <p:tav tm="67400">
-                                          <p:val>
-                                            <p:fltVal val="1"/>
-                                          </p:val>
-                                        </p:tav>
-                                        <p:tav tm="68500">
-                                          <p:val>
-                                            <p:fltVal val="1.0006"/>
-                                          </p:val>
-                                        </p:tav>
-                                        <p:tav tm="69700">
-                                          <p:val>
-                                            <p:fltVal val="1.0024"/>
-                                          </p:val>
-                                        </p:tav>
-                                        <p:tav tm="70800">
-                                          <p:val>
-                                            <p:fltVal val="1.006"/>
-                                          </p:val>
-                                        </p:tav>
-                                        <p:tav tm="71900">
-                                          <p:val>
-                                            <p:fltVal val="1.0121"/>
-                                          </p:val>
-                                        </p:tav>
-                                        <p:tav tm="73000">
-                                          <p:val>
-                                            <p:fltVal val="1.0213"/>
-                                          </p:val>
-                                        </p:tav>
-                                        <p:tav tm="74200">
-                                          <p:val>
-                                            <p:fltVal val="1.0331"/>
-                                          </p:val>
-                                        </p:tav>
-                                        <p:tav tm="75300">
-                                          <p:val>
-                                            <p:fltVal val="1.0422"/>
-                                          </p:val>
-                                        </p:tav>
-                                        <p:tav tm="76400">
-                                          <p:val>
-                                            <p:fltVal val="1.0482"/>
-                                          </p:val>
-                                        </p:tav>
-                                        <p:tav tm="77500">
-                                          <p:val>
-                                            <p:fltVal val="1.0516"/>
-                                          </p:val>
-                                        </p:tav>
-                                        <p:tav tm="78700">
-                                          <p:val>
-                                            <p:fltVal val="1.0534"/>
-                                          </p:val>
-                                        </p:tav>
-                                        <p:tav tm="79800">
-                                          <p:val>
-                                            <p:fltVal val="1.0539"/>
-                                          </p:val>
-                                        </p:tav>
-                                        <p:tav tm="80900">
-                                          <p:val>
-                                            <p:fltVal val="1.0539"/>
-                                          </p:val>
-                                        </p:tav>
-                                        <p:tav tm="82000">
-                                          <p:val>
-                                            <p:fltVal val="1.0534"/>
-                                          </p:val>
-                                        </p:tav>
-                                        <p:tav tm="83200">
-                                          <p:val>
-                                            <p:fltVal val="1.0506"/>
-                                          </p:val>
-                                        </p:tav>
-                                        <p:tav tm="84300">
-                                          <p:val>
-                                            <p:fltVal val="1.0439"/>
-                                          </p:val>
-                                        </p:tav>
-                                        <p:tav tm="85400">
-                                          <p:val>
-                                            <p:fltVal val="1.0312"/>
-                                          </p:val>
-                                        </p:tav>
-                                        <p:tav tm="86500">
-                                          <p:val>
-                                            <p:fltVal val="1.0156"/>
-                                          </p:val>
-                                        </p:tav>
-                                        <p:tav tm="87600">
-                                          <p:val>
-                                            <p:fltVal val="1.0061"/>
-                                          </p:val>
-                                        </p:tav>
-                                        <p:tav tm="88800">
-                                          <p:val>
-                                            <p:fltVal val="1.0015"/>
-                                          </p:val>
-                                        </p:tav>
-                                        <p:tav tm="89900">
-                                          <p:val>
-                                            <p:fltVal val="1.0001"/>
-                                          </p:val>
-                                        </p:tav>
-                                        <p:tav tm="91000">
-                                          <p:val>
-                                            <p:fltVal val="1"/>
-                                          </p:val>
-                                        </p:tav>
-                                        <p:tav tm="92100">
-                                          <p:val>
-                                            <p:fltVal val="1"/>
-                                          </p:val>
-                                        </p:tav>
-                                        <p:tav tm="93300">
-                                          <p:val>
-                                            <p:fltVal val="1"/>
-                                          </p:val>
-                                        </p:tav>
-                                        <p:tav tm="94400">
-                                          <p:val>
-                                            <p:fltVal val="1"/>
-                                          </p:val>
-                                        </p:tav>
-                                        <p:tav tm="95500">
-                                          <p:val>
-                                            <p:fltVal val="1"/>
-                                          </p:val>
-                                        </p:tav>
-                                        <p:tav tm="96600">
-                                          <p:val>
-                                            <p:fltVal val="1"/>
-                                          </p:val>
-                                        </p:tav>
-                                        <p:tav tm="97800">
-                                          <p:val>
-                                            <p:fltVal val="1"/>
-                                          </p:val>
-                                        </p:tav>
-                                        <p:tav tm="98900">
-                                          <p:val>
-                                            <p:fltVal val="1"/>
-                                          </p:val>
-                                        </p:tav>
-                                        <p:tav tm="100000">
-                                          <p:val>
-                                            <p:fltVal val="1"/>
-                                          </p:val>
-                                        </p:tav>
-                                      </p:tavLst>
-                                    </p:anim>
-                                  </p:childTnLst>
-                                </p:cTn>
-                              </p:par>
-                            </p:childTnLst>
-                          </p:cTn>
-                        </p:par>
-                      </p:childTnLst>
-                    </p:cTn>
-                  </p:par>
-                </p:childTnLst>
-              </p:cTn>
-              <p:prevCondLst>
-                <p:cond evt="onPrev" delay="0">
-                  <p:tgtEl>
-                    <p:sldTgt/>
-                  </p:tgtEl>
-                </p:cond>
-              </p:prevCondLst>
-              <p:nextCondLst>
-                <p:cond evt="onNext" delay="0">
-                  <p:tgtEl>
-                    <p:sldTgt/>
-                  </p:tgtEl>
-                </p:cond>
-              </p:nextCondLst>
-            </p:seq>
-          </p:childTnLst>
-        </p:cTn>
-      </p:par>
-    </p:tnLst>
-  </p:timing>
 </p:sld>
 </file>
 
@@ -33258,4 +35001,299 @@
     </a:ext>
   </a:extLst>
 </a:theme>
+</file>
+
+<file path=ppt/theme/theme2.xml><?xml version="1.0" encoding="utf-8"?>
+<a:theme xmlns:a="http://schemas.openxmlformats.org/drawingml/2006/main" name="Office Theme">
+  <a:themeElements>
+    <a:clrScheme name="Office">
+      <a:dk1>
+        <a:sysClr val="windowText" lastClr="000000"/>
+      </a:dk1>
+      <a:lt1>
+        <a:sysClr val="window" lastClr="FFFFFF"/>
+      </a:lt1>
+      <a:dk2>
+        <a:srgbClr val="44546A"/>
+      </a:dk2>
+      <a:lt2>
+        <a:srgbClr val="E7E6E6"/>
+      </a:lt2>
+      <a:accent1>
+        <a:srgbClr val="4472C4"/>
+      </a:accent1>
+      <a:accent2>
+        <a:srgbClr val="ED7D31"/>
+      </a:accent2>
+      <a:accent3>
+        <a:srgbClr val="A5A5A5"/>
+      </a:accent3>
+      <a:accent4>
+        <a:srgbClr val="FFC000"/>
+      </a:accent4>
+      <a:accent5>
+        <a:srgbClr val="5B9BD5"/>
+      </a:accent5>
+      <a:accent6>
+        <a:srgbClr val="70AD47"/>
+      </a:accent6>
+      <a:hlink>
+        <a:srgbClr val="0563C1"/>
+      </a:hlink>
+      <a:folHlink>
+        <a:srgbClr val="954F72"/>
+      </a:folHlink>
+    </a:clrScheme>
+    <a:fontScheme name="Office">
+      <a:majorFont>
+        <a:latin typeface="Calibri Light" panose="020F0302020204030204"/>
+        <a:ea typeface=""/>
+        <a:cs typeface=""/>
+        <a:font script="Jpan" typeface="游ゴシック Light"/>
+        <a:font script="Hang" typeface="맑은 고딕"/>
+        <a:font script="Hans" typeface="等线 Light"/>
+        <a:font script="Hant" typeface="新細明體"/>
+        <a:font script="Arab" typeface="Times New Roman"/>
+        <a:font script="Hebr" typeface="Times New Roman"/>
+        <a:font script="Thai" typeface="Angsana New"/>
+        <a:font script="Ethi" typeface="Nyala"/>
+        <a:font script="Beng" typeface="Vrinda"/>
+        <a:font script="Gujr" typeface="Shruti"/>
+        <a:font script="Khmr" typeface="MoolBoran"/>
+        <a:font script="Knda" typeface="Tunga"/>
+        <a:font script="Guru" typeface="Raavi"/>
+        <a:font script="Cans" typeface="Euphemia"/>
+        <a:font script="Cher" typeface="Plantagenet Cherokee"/>
+        <a:font script="Yiii" typeface="Microsoft Yi Baiti"/>
+        <a:font script="Tibt" typeface="Microsoft Himalaya"/>
+        <a:font script="Thaa" typeface="MV Boli"/>
+        <a:font script="Deva" typeface="Mangal"/>
+        <a:font script="Telu" typeface="Gautami"/>
+        <a:font script="Taml" typeface="Latha"/>
+        <a:font script="Syrc" typeface="Estrangelo Edessa"/>
+        <a:font script="Orya" typeface="Kalinga"/>
+        <a:font script="Mlym" typeface="Kartika"/>
+        <a:font script="Laoo" typeface="DokChampa"/>
+        <a:font script="Sinh" typeface="Iskoola Pota"/>
+        <a:font script="Mong" typeface="Mongolian Baiti"/>
+        <a:font script="Viet" typeface="Times New Roman"/>
+        <a:font script="Uigh" typeface="Microsoft Uighur"/>
+        <a:font script="Geor" typeface="Sylfaen"/>
+        <a:font script="Armn" typeface="Arial"/>
+        <a:font script="Bugi" typeface="Leelawadee UI"/>
+        <a:font script="Bopo" typeface="Microsoft JhengHei"/>
+        <a:font script="Java" typeface="Javanese Text"/>
+        <a:font script="Lisu" typeface="Segoe UI"/>
+        <a:font script="Mymr" typeface="Myanmar Text"/>
+        <a:font script="Nkoo" typeface="Ebrima"/>
+        <a:font script="Olck" typeface="Nirmala UI"/>
+        <a:font script="Osma" typeface="Ebrima"/>
+        <a:font script="Phag" typeface="Phagspa"/>
+        <a:font script="Syrn" typeface="Estrangelo Edessa"/>
+        <a:font script="Syrj" typeface="Estrangelo Edessa"/>
+        <a:font script="Syre" typeface="Estrangelo Edessa"/>
+        <a:font script="Sora" typeface="Nirmala UI"/>
+        <a:font script="Tale" typeface="Microsoft Tai Le"/>
+        <a:font script="Talu" typeface="Microsoft New Tai Lue"/>
+        <a:font script="Tfng" typeface="Ebrima"/>
+      </a:majorFont>
+      <a:minorFont>
+        <a:latin typeface="Calibri" panose="020F0502020204030204"/>
+        <a:ea typeface=""/>
+        <a:cs typeface=""/>
+        <a:font script="Jpan" typeface="游ゴシック"/>
+        <a:font script="Hang" typeface="맑은 고딕"/>
+        <a:font script="Hans" typeface="等线"/>
+        <a:font script="Hant" typeface="新細明體"/>
+        <a:font script="Arab" typeface="Arial"/>
+        <a:font script="Hebr" typeface="Arial"/>
+        <a:font script="Thai" typeface="Cordia New"/>
+        <a:font script="Ethi" typeface="Nyala"/>
+        <a:font script="Beng" typeface="Vrinda"/>
+        <a:font script="Gujr" typeface="Shruti"/>
+        <a:font script="Khmr" typeface="DaunPenh"/>
+        <a:font script="Knda" typeface="Tunga"/>
+        <a:font script="Guru" typeface="Raavi"/>
+        <a:font script="Cans" typeface="Euphemia"/>
+        <a:font script="Cher" typeface="Plantagenet Cherokee"/>
+        <a:font script="Yiii" typeface="Microsoft Yi Baiti"/>
+        <a:font script="Tibt" typeface="Microsoft Himalaya"/>
+        <a:font script="Thaa" typeface="MV Boli"/>
+        <a:font script="Deva" typeface="Mangal"/>
+        <a:font script="Telu" typeface="Gautami"/>
+        <a:font script="Taml" typeface="Latha"/>
+        <a:font script="Syrc" typeface="Estrangelo Edessa"/>
+        <a:font script="Orya" typeface="Kalinga"/>
+        <a:font script="Mlym" typeface="Kartika"/>
+        <a:font script="Laoo" typeface="DokChampa"/>
+        <a:font script="Sinh" typeface="Iskoola Pota"/>
+        <a:font script="Mong" typeface="Mongolian Baiti"/>
+        <a:font script="Viet" typeface="Arial"/>
+        <a:font script="Uigh" typeface="Microsoft Uighur"/>
+        <a:font script="Geor" typeface="Sylfaen"/>
+        <a:font script="Armn" typeface="Arial"/>
+        <a:font script="Bugi" typeface="Leelawadee UI"/>
+        <a:font script="Bopo" typeface="Microsoft JhengHei"/>
+        <a:font script="Java" typeface="Javanese Text"/>
+        <a:font script="Lisu" typeface="Segoe UI"/>
+        <a:font script="Mymr" typeface="Myanmar Text"/>
+        <a:font script="Nkoo" typeface="Ebrima"/>
+        <a:font script="Olck" typeface="Nirmala UI"/>
+        <a:font script="Osma" typeface="Ebrima"/>
+        <a:font script="Phag" typeface="Phagspa"/>
+        <a:font script="Syrn" typeface="Estrangelo Edessa"/>
+        <a:font script="Syrj" typeface="Estrangelo Edessa"/>
+        <a:font script="Syre" typeface="Estrangelo Edessa"/>
+        <a:font script="Sora" typeface="Nirmala UI"/>
+        <a:font script="Tale" typeface="Microsoft Tai Le"/>
+        <a:font script="Talu" typeface="Microsoft New Tai Lue"/>
+        <a:font script="Tfng" typeface="Ebrima"/>
+      </a:minorFont>
+    </a:fontScheme>
+    <a:fmtScheme name="Office">
+      <a:fillStyleLst>
+        <a:solidFill>
+          <a:schemeClr val="phClr"/>
+        </a:solidFill>
+        <a:gradFill rotWithShape="1">
+          <a:gsLst>
+            <a:gs pos="0">
+              <a:schemeClr val="phClr">
+                <a:lumMod val="110000"/>
+                <a:satMod val="105000"/>
+                <a:tint val="67000"/>
+              </a:schemeClr>
+            </a:gs>
+            <a:gs pos="50000">
+              <a:schemeClr val="phClr">
+                <a:lumMod val="105000"/>
+                <a:satMod val="103000"/>
+                <a:tint val="73000"/>
+              </a:schemeClr>
+            </a:gs>
+            <a:gs pos="100000">
+              <a:schemeClr val="phClr">
+                <a:lumMod val="105000"/>
+                <a:satMod val="109000"/>
+                <a:tint val="81000"/>
+              </a:schemeClr>
+            </a:gs>
+          </a:gsLst>
+          <a:lin ang="5400000" scaled="0"/>
+        </a:gradFill>
+        <a:gradFill rotWithShape="1">
+          <a:gsLst>
+            <a:gs pos="0">
+              <a:schemeClr val="phClr">
+                <a:satMod val="103000"/>
+                <a:lumMod val="102000"/>
+                <a:tint val="94000"/>
+              </a:schemeClr>
+            </a:gs>
+            <a:gs pos="50000">
+              <a:schemeClr val="phClr">
+                <a:satMod val="110000"/>
+                <a:lumMod val="100000"/>
+                <a:shade val="100000"/>
+              </a:schemeClr>
+            </a:gs>
+            <a:gs pos="100000">
+              <a:schemeClr val="phClr">
+                <a:lumMod val="99000"/>
+                <a:satMod val="120000"/>
+                <a:shade val="78000"/>
+              </a:schemeClr>
+            </a:gs>
+          </a:gsLst>
+          <a:lin ang="5400000" scaled="0"/>
+        </a:gradFill>
+      </a:fillStyleLst>
+      <a:lnStyleLst>
+        <a:ln w="6350" cap="flat" cmpd="sng" algn="ctr">
+          <a:solidFill>
+            <a:schemeClr val="phClr"/>
+          </a:solidFill>
+          <a:prstDash val="solid"/>
+          <a:miter lim="800000"/>
+        </a:ln>
+        <a:ln w="12700" cap="flat" cmpd="sng" algn="ctr">
+          <a:solidFill>
+            <a:schemeClr val="phClr"/>
+          </a:solidFill>
+          <a:prstDash val="solid"/>
+          <a:miter lim="800000"/>
+        </a:ln>
+        <a:ln w="19050" cap="flat" cmpd="sng" algn="ctr">
+          <a:solidFill>
+            <a:schemeClr val="phClr"/>
+          </a:solidFill>
+          <a:prstDash val="solid"/>
+          <a:miter lim="800000"/>
+        </a:ln>
+      </a:lnStyleLst>
+      <a:effectStyleLst>
+        <a:effectStyle>
+          <a:effectLst/>
+        </a:effectStyle>
+        <a:effectStyle>
+          <a:effectLst/>
+        </a:effectStyle>
+        <a:effectStyle>
+          <a:effectLst>
+            <a:outerShdw blurRad="57150" dist="19050" dir="5400000" algn="ctr" rotWithShape="0">
+              <a:srgbClr val="000000">
+                <a:alpha val="63000"/>
+              </a:srgbClr>
+            </a:outerShdw>
+          </a:effectLst>
+        </a:effectStyle>
+      </a:effectStyleLst>
+      <a:bgFillStyleLst>
+        <a:solidFill>
+          <a:schemeClr val="phClr"/>
+        </a:solidFill>
+        <a:solidFill>
+          <a:schemeClr val="phClr">
+            <a:tint val="95000"/>
+            <a:satMod val="170000"/>
+          </a:schemeClr>
+        </a:solidFill>
+        <a:gradFill rotWithShape="1">
+          <a:gsLst>
+            <a:gs pos="0">
+              <a:schemeClr val="phClr">
+                <a:tint val="93000"/>
+                <a:satMod val="150000"/>
+                <a:shade val="98000"/>
+                <a:lumMod val="102000"/>
+              </a:schemeClr>
+            </a:gs>
+            <a:gs pos="50000">
+              <a:schemeClr val="phClr">
+                <a:tint val="98000"/>
+                <a:satMod val="130000"/>
+                <a:shade val="90000"/>
+                <a:lumMod val="103000"/>
+              </a:schemeClr>
+            </a:gs>
+            <a:gs pos="100000">
+              <a:schemeClr val="phClr">
+                <a:shade val="63000"/>
+                <a:satMod val="120000"/>
+              </a:schemeClr>
+            </a:gs>
+          </a:gsLst>
+          <a:lin ang="5400000" scaled="0"/>
+        </a:gradFill>
+      </a:bgFillStyleLst>
+    </a:fmtScheme>
+  </a:themeElements>
+  <a:objectDefaults/>
+  <a:extraClrSchemeLst/>
+  <a:extLst>
+    <a:ext uri="{05A4C25C-085E-4340-85A3-A5531E510DB2}">
+      <thm15:themeFamily xmlns:thm15="http://schemas.microsoft.com/office/thememl/2012/main" name="Office Theme" id="{62F939B6-93AF-4DB8-9C6B-D6C7DFDC589F}" vid="{4A3C46E8-61CC-4603-A589-7422A47A8E4A}"/>
+    </a:ext>
+  </a:extLst>
+</a:theme>
 </file>